--- a/Presentacion_Hackathon/presentacion_ssop.pptx
+++ b/Presentacion_Hackathon/presentacion_ssop.pptx
@@ -12,10 +12,11 @@
     <p:sldId id="268" r:id="rId6"/>
     <p:sldId id="266" r:id="rId7"/>
     <p:sldId id="269" r:id="rId8"/>
-    <p:sldId id="264" r:id="rId9"/>
-    <p:sldId id="265" r:id="rId10"/>
-    <p:sldId id="267" r:id="rId11"/>
-    <p:sldId id="270" r:id="rId12"/>
+    <p:sldId id="271" r:id="rId9"/>
+    <p:sldId id="264" r:id="rId10"/>
+    <p:sldId id="265" r:id="rId11"/>
+    <p:sldId id="267" r:id="rId12"/>
+    <p:sldId id="270" r:id="rId13"/>
   </p:sldIdLst>
   <p:sldSz cx="12192000" cy="6858000"/>
   <p:notesSz cx="7104063" cy="10234613"/>
@@ -13405,3014 +13406,6 @@
             <p:ph idx="1"/>
           </p:nvPr>
         </p:nvSpPr>
-        <p:spPr/>
-        <p:txBody>
-          <a:bodyPr>
-            <a:normAutofit/>
-          </a:bodyPr>
-          <a:lstStyle/>
-          <a:p>
-            <a:r>
-              <a:rPr lang="es-ES" dirty="0"/>
-              <a:t>Implementación del sistema de registro de usuarios</a:t>
-            </a:r>
-          </a:p>
-          <a:p>
-            <a:r>
-              <a:rPr lang="es-ES" dirty="0" smtClean="0"/>
-              <a:t>Implementaremos </a:t>
-            </a:r>
-            <a:r>
-              <a:rPr lang="es-ES" dirty="0"/>
-              <a:t>también, a modo de ejemplo, tres casos de uso reales:</a:t>
-            </a:r>
-          </a:p>
-          <a:p>
-            <a:pPr lvl="1"/>
-            <a:r>
-              <a:rPr lang="es-ES" dirty="0" smtClean="0"/>
-              <a:t>Pagar </a:t>
-            </a:r>
-            <a:r>
-              <a:rPr lang="es-ES" dirty="0"/>
-              <a:t>un producto o servicio utilizando SSOP</a:t>
-            </a:r>
-          </a:p>
-          <a:p>
-            <a:pPr lvl="1"/>
-            <a:r>
-              <a:rPr lang="es-ES" dirty="0" smtClean="0"/>
-              <a:t>Identificar </a:t>
-            </a:r>
-            <a:r>
-              <a:rPr lang="es-ES" dirty="0"/>
-              <a:t>a un usuario y que éste firme un documento</a:t>
-            </a:r>
-          </a:p>
-          <a:p>
-            <a:pPr lvl="1"/>
-            <a:r>
-              <a:rPr lang="es-ES" dirty="0" smtClean="0"/>
-              <a:t>Supondremos </a:t>
-            </a:r>
-            <a:r>
-              <a:rPr lang="es-ES" dirty="0"/>
-              <a:t>un caso de robo de identidad para ver como debe gestionar el usuario el bloqueo de sus datos biométricos</a:t>
-            </a:r>
-            <a:endParaRPr lang="es-ES" dirty="0" smtClean="0"/>
-          </a:p>
-        </p:txBody>
-      </p:sp>
-    </p:spTree>
-    <p:extLst>
-      <p:ext uri="{BB962C8B-B14F-4D97-AF65-F5344CB8AC3E}">
-        <p14:creationId xmlns:p14="http://schemas.microsoft.com/office/powerpoint/2010/main" val="1322983019"/>
-      </p:ext>
-    </p:extLst>
-  </p:cSld>
-  <p:clrMapOvr>
-    <a:masterClrMapping/>
-  </p:clrMapOvr>
-</p:sld>
-</file>
-
-<file path=ppt/slides/slide11.xml><?xml version="1.0" encoding="utf-8"?>
-<p:sld xmlns:a="http://schemas.openxmlformats.org/drawingml/2006/main" xmlns:r="http://schemas.openxmlformats.org/officeDocument/2006/relationships" xmlns:p="http://schemas.openxmlformats.org/presentationml/2006/main">
-  <p:cSld>
-    <p:spTree>
-      <p:nvGrpSpPr>
-        <p:cNvPr id="1" name=""/>
-        <p:cNvGrpSpPr/>
-        <p:nvPr/>
-      </p:nvGrpSpPr>
-      <p:grpSpPr>
-        <a:xfrm>
-          <a:off x="0" y="0"/>
-          <a:ext cx="0" cy="0"/>
-          <a:chOff x="0" y="0"/>
-          <a:chExt cx="0" cy="0"/>
-        </a:xfrm>
-      </p:grpSpPr>
-      <p:sp>
-        <p:nvSpPr>
-          <p:cNvPr id="2" name="Título 1"/>
-          <p:cNvSpPr>
-            <a:spLocks noGrp="1"/>
-          </p:cNvSpPr>
-          <p:nvPr>
-            <p:ph type="title"/>
-          </p:nvPr>
-        </p:nvSpPr>
-        <p:spPr/>
-        <p:txBody>
-          <a:bodyPr/>
-          <a:lstStyle/>
-          <a:p>
-            <a:r>
-              <a:rPr lang="es-ES" dirty="0" smtClean="0"/>
-              <a:t>Time Line</a:t>
-            </a:r>
-            <a:endParaRPr lang="es-ES" dirty="0"/>
-          </a:p>
-        </p:txBody>
-      </p:sp>
-      <p:sp>
-        <p:nvSpPr>
-          <p:cNvPr id="7" name="CuadroTexto 6"/>
-          <p:cNvSpPr txBox="1"/>
-          <p:nvPr/>
-        </p:nvSpPr>
-        <p:spPr>
-          <a:xfrm>
-            <a:off x="2727960" y="2788920"/>
-            <a:ext cx="184731" cy="369332"/>
-          </a:xfrm>
-          <a:prstGeom prst="rect">
-            <a:avLst/>
-          </a:prstGeom>
-          <a:noFill/>
-        </p:spPr>
-        <p:txBody>
-          <a:bodyPr wrap="none" rtlCol="0">
-            <a:spAutoFit/>
-          </a:bodyPr>
-          <a:lstStyle/>
-          <a:p>
-            <a:endParaRPr lang="es-ES" dirty="0"/>
-          </a:p>
-        </p:txBody>
-      </p:sp>
-      <p:pic>
-        <p:nvPicPr>
-          <p:cNvPr id="8" name="Imagen 7"/>
-          <p:cNvPicPr>
-            <a:picLocks noChangeAspect="1"/>
-          </p:cNvPicPr>
-          <p:nvPr/>
-        </p:nvPicPr>
-        <p:blipFill>
-          <a:blip r:embed="rId2"/>
-          <a:stretch>
-            <a:fillRect/>
-          </a:stretch>
-        </p:blipFill>
-        <p:spPr>
-          <a:xfrm>
-            <a:off x="3925225" y="2593976"/>
-            <a:ext cx="4048124" cy="3798842"/>
-          </a:xfrm>
-          <a:prstGeom prst="rect">
-            <a:avLst/>
-          </a:prstGeom>
-        </p:spPr>
-      </p:pic>
-      <p:sp>
-        <p:nvSpPr>
-          <p:cNvPr id="9" name="CuadroTexto 8"/>
-          <p:cNvSpPr txBox="1"/>
-          <p:nvPr/>
-        </p:nvSpPr>
-        <p:spPr>
-          <a:xfrm>
-            <a:off x="5057804" y="2677297"/>
-            <a:ext cx="955711" cy="369332"/>
-          </a:xfrm>
-          <a:prstGeom prst="rect">
-            <a:avLst/>
-          </a:prstGeom>
-          <a:noFill/>
-        </p:spPr>
-        <p:txBody>
-          <a:bodyPr wrap="none" rtlCol="0">
-            <a:spAutoFit/>
-          </a:bodyPr>
-          <a:lstStyle/>
-          <a:p>
-            <a:r>
-              <a:rPr lang="es-ES" dirty="0" smtClean="0"/>
-              <a:t>Jueves</a:t>
-            </a:r>
-            <a:endParaRPr lang="es-ES" dirty="0"/>
-          </a:p>
-        </p:txBody>
-      </p:sp>
-      <p:sp>
-        <p:nvSpPr>
-          <p:cNvPr id="11" name="CuadroTexto 10"/>
-          <p:cNvSpPr txBox="1"/>
-          <p:nvPr/>
-        </p:nvSpPr>
-        <p:spPr>
-          <a:xfrm>
-            <a:off x="5999248" y="2677297"/>
-            <a:ext cx="994183" cy="369332"/>
-          </a:xfrm>
-          <a:prstGeom prst="rect">
-            <a:avLst/>
-          </a:prstGeom>
-          <a:noFill/>
-        </p:spPr>
-        <p:txBody>
-          <a:bodyPr wrap="none" rtlCol="0">
-            <a:spAutoFit/>
-          </a:bodyPr>
-          <a:lstStyle/>
-          <a:p>
-            <a:r>
-              <a:rPr lang="es-ES" dirty="0" smtClean="0"/>
-              <a:t>Viernes</a:t>
-            </a:r>
-            <a:endParaRPr lang="es-ES" dirty="0"/>
-          </a:p>
-        </p:txBody>
-      </p:sp>
-      <p:sp>
-        <p:nvSpPr>
-          <p:cNvPr id="12" name="CuadroTexto 11"/>
-          <p:cNvSpPr txBox="1"/>
-          <p:nvPr/>
-        </p:nvSpPr>
-        <p:spPr>
-          <a:xfrm>
-            <a:off x="6954959" y="2708075"/>
-            <a:ext cx="1018390" cy="338554"/>
-          </a:xfrm>
-          <a:prstGeom prst="rect">
-            <a:avLst/>
-          </a:prstGeom>
-          <a:noFill/>
-        </p:spPr>
-        <p:txBody>
-          <a:bodyPr wrap="square" rtlCol="0">
-            <a:spAutoFit/>
-          </a:bodyPr>
-          <a:lstStyle/>
-          <a:p>
-            <a:r>
-              <a:rPr lang="es-ES" sz="1600" dirty="0" smtClean="0"/>
-              <a:t>Sábado</a:t>
-            </a:r>
-            <a:endParaRPr lang="es-ES" sz="1600" dirty="0"/>
-          </a:p>
-        </p:txBody>
-      </p:sp>
-      <p:sp>
-        <p:nvSpPr>
-          <p:cNvPr id="10" name="CuadroTexto 9"/>
-          <p:cNvSpPr txBox="1"/>
-          <p:nvPr/>
-        </p:nvSpPr>
-        <p:spPr>
-          <a:xfrm>
-            <a:off x="3925225" y="3286898"/>
-            <a:ext cx="1138453" cy="338554"/>
-          </a:xfrm>
-          <a:prstGeom prst="rect">
-            <a:avLst/>
-          </a:prstGeom>
-          <a:noFill/>
-        </p:spPr>
-        <p:txBody>
-          <a:bodyPr wrap="none" rtlCol="0">
-            <a:spAutoFit/>
-          </a:bodyPr>
-          <a:lstStyle/>
-          <a:p>
-            <a:pPr algn="ctr"/>
-            <a:r>
-              <a:rPr lang="es-ES" sz="800" dirty="0" smtClean="0"/>
-              <a:t>Ciclo de ejecución</a:t>
-            </a:r>
-            <a:br>
-              <a:rPr lang="es-ES" sz="800" dirty="0" smtClean="0"/>
-            </a:br>
-            <a:r>
-              <a:rPr lang="es-ES" sz="800" dirty="0" smtClean="0"/>
-              <a:t>de los 3 factores</a:t>
-            </a:r>
-            <a:endParaRPr lang="es-ES" sz="800" dirty="0"/>
-          </a:p>
-        </p:txBody>
-      </p:sp>
-      <p:sp>
-        <p:nvSpPr>
-          <p:cNvPr id="14" name="CuadroTexto 13"/>
-          <p:cNvSpPr txBox="1"/>
-          <p:nvPr/>
-        </p:nvSpPr>
-        <p:spPr>
-          <a:xfrm>
-            <a:off x="3987114" y="3696444"/>
-            <a:ext cx="1070690" cy="369332"/>
-          </a:xfrm>
-          <a:prstGeom prst="rect">
-            <a:avLst/>
-          </a:prstGeom>
-          <a:noFill/>
-        </p:spPr>
-        <p:txBody>
-          <a:bodyPr wrap="square" rtlCol="0">
-            <a:spAutoFit/>
-          </a:bodyPr>
-          <a:lstStyle/>
-          <a:p>
-            <a:pPr algn="ctr"/>
-            <a:r>
-              <a:rPr lang="es-ES" sz="600" dirty="0" smtClean="0"/>
-              <a:t>Plataforma de registro</a:t>
-            </a:r>
-            <a:br>
-              <a:rPr lang="es-ES" sz="600" dirty="0" smtClean="0"/>
-            </a:br>
-            <a:r>
-              <a:rPr lang="es-ES" sz="600" dirty="0" smtClean="0"/>
-              <a:t>y de administración del </a:t>
-            </a:r>
-            <a:br>
-              <a:rPr lang="es-ES" sz="600" dirty="0" smtClean="0"/>
-            </a:br>
-            <a:r>
-              <a:rPr lang="es-ES" sz="600" dirty="0" smtClean="0"/>
-              <a:t>sistema</a:t>
-            </a:r>
-            <a:endParaRPr lang="es-ES" sz="600" dirty="0"/>
-          </a:p>
-        </p:txBody>
-      </p:sp>
-      <p:grpSp>
-        <p:nvGrpSpPr>
-          <p:cNvPr id="19" name="Grupo 18"/>
-          <p:cNvGrpSpPr/>
-          <p:nvPr/>
-        </p:nvGrpSpPr>
-        <p:grpSpPr>
-          <a:xfrm>
-            <a:off x="5371070" y="3286898"/>
-            <a:ext cx="403654" cy="263610"/>
-            <a:chOff x="5371070" y="3286898"/>
-            <a:chExt cx="403654" cy="263610"/>
-          </a:xfrm>
-        </p:grpSpPr>
-        <p:cxnSp>
-          <p:nvCxnSpPr>
-            <p:cNvPr id="15" name="Conector recto 14"/>
-            <p:cNvCxnSpPr/>
-            <p:nvPr/>
-          </p:nvCxnSpPr>
-          <p:spPr>
-            <a:xfrm flipH="1">
-              <a:off x="5371070" y="3286898"/>
-              <a:ext cx="403654" cy="247134"/>
-            </a:xfrm>
-            <a:prstGeom prst="line">
-              <a:avLst/>
-            </a:prstGeom>
-            <a:ln w="19050">
-              <a:solidFill>
-                <a:schemeClr val="accent6">
-                  <a:lumMod val="75000"/>
-                </a:schemeClr>
-              </a:solidFill>
-            </a:ln>
-          </p:spPr>
-          <p:style>
-            <a:lnRef idx="1">
-              <a:schemeClr val="accent1"/>
-            </a:lnRef>
-            <a:fillRef idx="0">
-              <a:schemeClr val="accent1"/>
-            </a:fillRef>
-            <a:effectRef idx="0">
-              <a:schemeClr val="accent1"/>
-            </a:effectRef>
-            <a:fontRef idx="minor">
-              <a:schemeClr val="tx1"/>
-            </a:fontRef>
-          </p:style>
-        </p:cxnSp>
-        <p:cxnSp>
-          <p:nvCxnSpPr>
-            <p:cNvPr id="17" name="Conector recto 16"/>
-            <p:cNvCxnSpPr/>
-            <p:nvPr/>
-          </p:nvCxnSpPr>
-          <p:spPr>
-            <a:xfrm>
-              <a:off x="5371070" y="3286898"/>
-              <a:ext cx="387179" cy="263610"/>
-            </a:xfrm>
-            <a:prstGeom prst="line">
-              <a:avLst/>
-            </a:prstGeom>
-            <a:ln w="19050">
-              <a:solidFill>
-                <a:schemeClr val="accent6">
-                  <a:lumMod val="75000"/>
-                </a:schemeClr>
-              </a:solidFill>
-            </a:ln>
-          </p:spPr>
-          <p:style>
-            <a:lnRef idx="1">
-              <a:schemeClr val="accent1"/>
-            </a:lnRef>
-            <a:fillRef idx="0">
-              <a:schemeClr val="accent1"/>
-            </a:fillRef>
-            <a:effectRef idx="0">
-              <a:schemeClr val="accent1"/>
-            </a:effectRef>
-            <a:fontRef idx="minor">
-              <a:schemeClr val="tx1"/>
-            </a:fontRef>
-          </p:style>
-        </p:cxnSp>
-      </p:grpSp>
-      <p:sp>
-        <p:nvSpPr>
-          <p:cNvPr id="20" name="CuadroTexto 19"/>
-          <p:cNvSpPr txBox="1"/>
-          <p:nvPr/>
-        </p:nvSpPr>
-        <p:spPr>
-          <a:xfrm>
-            <a:off x="3987114" y="4076011"/>
-            <a:ext cx="1070690" cy="415498"/>
-          </a:xfrm>
-          <a:prstGeom prst="rect">
-            <a:avLst/>
-          </a:prstGeom>
-          <a:noFill/>
-        </p:spPr>
-        <p:txBody>
-          <a:bodyPr wrap="square" rtlCol="0">
-            <a:spAutoFit/>
-          </a:bodyPr>
-          <a:lstStyle/>
-          <a:p>
-            <a:pPr algn="ctr"/>
-            <a:r>
-              <a:rPr lang="es-ES" sz="700" dirty="0" smtClean="0"/>
-              <a:t>Creación e identificación de los 3 factores</a:t>
-            </a:r>
-            <a:endParaRPr lang="es-ES" sz="700" dirty="0"/>
-          </a:p>
-        </p:txBody>
-      </p:sp>
-      <p:sp>
-        <p:nvSpPr>
-          <p:cNvPr id="21" name="CuadroTexto 20"/>
-          <p:cNvSpPr txBox="1"/>
-          <p:nvPr/>
-        </p:nvSpPr>
-        <p:spPr>
-          <a:xfrm>
-            <a:off x="3987114" y="4489148"/>
-            <a:ext cx="1070690" cy="400110"/>
-          </a:xfrm>
-          <a:prstGeom prst="rect">
-            <a:avLst/>
-          </a:prstGeom>
-          <a:noFill/>
-        </p:spPr>
-        <p:txBody>
-          <a:bodyPr wrap="square" rtlCol="0">
-            <a:spAutoFit/>
-          </a:bodyPr>
-          <a:lstStyle/>
-          <a:p>
-            <a:pPr algn="ctr"/>
-            <a:r>
-              <a:rPr lang="es-ES" sz="1000" dirty="0" err="1" smtClean="0"/>
-              <a:t>Encriptar</a:t>
-            </a:r>
-            <a:r>
-              <a:rPr lang="es-ES" sz="1000" dirty="0" smtClean="0"/>
-              <a:t> y </a:t>
-            </a:r>
-            <a:r>
-              <a:rPr lang="es-ES" sz="1000" dirty="0" err="1" smtClean="0"/>
-              <a:t>securizar</a:t>
-            </a:r>
-            <a:endParaRPr lang="es-ES" sz="1000" dirty="0"/>
-          </a:p>
-        </p:txBody>
-      </p:sp>
-      <p:sp>
-        <p:nvSpPr>
-          <p:cNvPr id="22" name="CuadroTexto 21"/>
-          <p:cNvSpPr txBox="1"/>
-          <p:nvPr/>
-        </p:nvSpPr>
-        <p:spPr>
-          <a:xfrm>
-            <a:off x="3987114" y="4843179"/>
-            <a:ext cx="1070690" cy="461665"/>
-          </a:xfrm>
-          <a:prstGeom prst="rect">
-            <a:avLst/>
-          </a:prstGeom>
-          <a:noFill/>
-        </p:spPr>
-        <p:txBody>
-          <a:bodyPr wrap="square" rtlCol="0">
-            <a:spAutoFit/>
-          </a:bodyPr>
-          <a:lstStyle/>
-          <a:p>
-            <a:pPr algn="ctr"/>
-            <a:r>
-              <a:rPr lang="es-ES" sz="800" dirty="0" smtClean="0"/>
-              <a:t>Desarrollo del sistema de integración</a:t>
-            </a:r>
-            <a:endParaRPr lang="es-ES" sz="800" dirty="0"/>
-          </a:p>
-        </p:txBody>
-      </p:sp>
-      <p:sp>
-        <p:nvSpPr>
-          <p:cNvPr id="23" name="CuadroTexto 22"/>
-          <p:cNvSpPr txBox="1"/>
-          <p:nvPr/>
-        </p:nvSpPr>
-        <p:spPr>
-          <a:xfrm>
-            <a:off x="3959106" y="5389209"/>
-            <a:ext cx="1070690" cy="215444"/>
-          </a:xfrm>
-          <a:prstGeom prst="rect">
-            <a:avLst/>
-          </a:prstGeom>
-          <a:noFill/>
-        </p:spPr>
-        <p:txBody>
-          <a:bodyPr wrap="square" rtlCol="0">
-            <a:spAutoFit/>
-          </a:bodyPr>
-          <a:lstStyle/>
-          <a:p>
-            <a:pPr algn="ctr"/>
-            <a:r>
-              <a:rPr lang="es-ES" sz="800" dirty="0" smtClean="0"/>
-              <a:t>…</a:t>
-            </a:r>
-            <a:endParaRPr lang="es-ES" sz="800" dirty="0"/>
-          </a:p>
-        </p:txBody>
-      </p:sp>
-      <p:sp>
-        <p:nvSpPr>
-          <p:cNvPr id="24" name="CuadroTexto 23"/>
-          <p:cNvSpPr txBox="1"/>
-          <p:nvPr/>
-        </p:nvSpPr>
-        <p:spPr>
-          <a:xfrm>
-            <a:off x="3959106" y="5748683"/>
-            <a:ext cx="1070690" cy="215444"/>
-          </a:xfrm>
-          <a:prstGeom prst="rect">
-            <a:avLst/>
-          </a:prstGeom>
-          <a:noFill/>
-        </p:spPr>
-        <p:txBody>
-          <a:bodyPr wrap="square" rtlCol="0">
-            <a:spAutoFit/>
-          </a:bodyPr>
-          <a:lstStyle/>
-          <a:p>
-            <a:pPr algn="ctr"/>
-            <a:r>
-              <a:rPr lang="es-ES" sz="800" dirty="0" smtClean="0"/>
-              <a:t>…</a:t>
-            </a:r>
-            <a:endParaRPr lang="es-ES" sz="800" dirty="0"/>
-          </a:p>
-        </p:txBody>
-      </p:sp>
-      <p:grpSp>
-        <p:nvGrpSpPr>
-          <p:cNvPr id="25" name="Grupo 24"/>
-          <p:cNvGrpSpPr/>
-          <p:nvPr/>
-        </p:nvGrpSpPr>
-        <p:grpSpPr>
-          <a:xfrm>
-            <a:off x="5346357" y="3774301"/>
-            <a:ext cx="403654" cy="263610"/>
-            <a:chOff x="5346357" y="3774301"/>
-            <a:chExt cx="403654" cy="263610"/>
-          </a:xfrm>
-        </p:grpSpPr>
-        <p:cxnSp>
-          <p:nvCxnSpPr>
-            <p:cNvPr id="26" name="Conector recto 25"/>
-            <p:cNvCxnSpPr/>
-            <p:nvPr/>
-          </p:nvCxnSpPr>
-          <p:spPr>
-            <a:xfrm flipH="1">
-              <a:off x="5346357" y="3774301"/>
-              <a:ext cx="403654" cy="247134"/>
-            </a:xfrm>
-            <a:prstGeom prst="line">
-              <a:avLst/>
-            </a:prstGeom>
-            <a:ln w="19050">
-              <a:solidFill>
-                <a:schemeClr val="accent6">
-                  <a:lumMod val="75000"/>
-                </a:schemeClr>
-              </a:solidFill>
-            </a:ln>
-          </p:spPr>
-          <p:style>
-            <a:lnRef idx="1">
-              <a:schemeClr val="accent1"/>
-            </a:lnRef>
-            <a:fillRef idx="0">
-              <a:schemeClr val="accent1"/>
-            </a:fillRef>
-            <a:effectRef idx="0">
-              <a:schemeClr val="accent1"/>
-            </a:effectRef>
-            <a:fontRef idx="minor">
-              <a:schemeClr val="tx1"/>
-            </a:fontRef>
-          </p:style>
-        </p:cxnSp>
-        <p:cxnSp>
-          <p:nvCxnSpPr>
-            <p:cNvPr id="27" name="Conector recto 26"/>
-            <p:cNvCxnSpPr/>
-            <p:nvPr/>
-          </p:nvCxnSpPr>
-          <p:spPr>
-            <a:xfrm>
-              <a:off x="5346357" y="3774301"/>
-              <a:ext cx="387179" cy="263610"/>
-            </a:xfrm>
-            <a:prstGeom prst="line">
-              <a:avLst/>
-            </a:prstGeom>
-            <a:ln w="19050">
-              <a:solidFill>
-                <a:schemeClr val="accent6">
-                  <a:lumMod val="75000"/>
-                </a:schemeClr>
-              </a:solidFill>
-            </a:ln>
-          </p:spPr>
-          <p:style>
-            <a:lnRef idx="1">
-              <a:schemeClr val="accent1"/>
-            </a:lnRef>
-            <a:fillRef idx="0">
-              <a:schemeClr val="accent1"/>
-            </a:fillRef>
-            <a:effectRef idx="0">
-              <a:schemeClr val="accent1"/>
-            </a:effectRef>
-            <a:fontRef idx="minor">
-              <a:schemeClr val="tx1"/>
-            </a:fontRef>
-          </p:style>
-        </p:cxnSp>
-      </p:grpSp>
-      <p:grpSp>
-        <p:nvGrpSpPr>
-          <p:cNvPr id="30" name="Grupo 29"/>
-          <p:cNvGrpSpPr/>
-          <p:nvPr/>
-        </p:nvGrpSpPr>
-        <p:grpSpPr>
-          <a:xfrm>
-            <a:off x="5329882" y="4146375"/>
-            <a:ext cx="403654" cy="263610"/>
-            <a:chOff x="5329882" y="4146375"/>
-            <a:chExt cx="403654" cy="263610"/>
-          </a:xfrm>
-        </p:grpSpPr>
-        <p:cxnSp>
-          <p:nvCxnSpPr>
-            <p:cNvPr id="28" name="Conector recto 27"/>
-            <p:cNvCxnSpPr/>
-            <p:nvPr/>
-          </p:nvCxnSpPr>
-          <p:spPr>
-            <a:xfrm flipH="1">
-              <a:off x="5329882" y="4146375"/>
-              <a:ext cx="403654" cy="247134"/>
-            </a:xfrm>
-            <a:prstGeom prst="line">
-              <a:avLst/>
-            </a:prstGeom>
-            <a:ln w="19050">
-              <a:solidFill>
-                <a:schemeClr val="accent6">
-                  <a:lumMod val="75000"/>
-                </a:schemeClr>
-              </a:solidFill>
-            </a:ln>
-          </p:spPr>
-          <p:style>
-            <a:lnRef idx="1">
-              <a:schemeClr val="accent1"/>
-            </a:lnRef>
-            <a:fillRef idx="0">
-              <a:schemeClr val="accent1"/>
-            </a:fillRef>
-            <a:effectRef idx="0">
-              <a:schemeClr val="accent1"/>
-            </a:effectRef>
-            <a:fontRef idx="minor">
-              <a:schemeClr val="tx1"/>
-            </a:fontRef>
-          </p:style>
-        </p:cxnSp>
-        <p:cxnSp>
-          <p:nvCxnSpPr>
-            <p:cNvPr id="29" name="Conector recto 28"/>
-            <p:cNvCxnSpPr/>
-            <p:nvPr/>
-          </p:nvCxnSpPr>
-          <p:spPr>
-            <a:xfrm>
-              <a:off x="5329882" y="4146375"/>
-              <a:ext cx="387179" cy="263610"/>
-            </a:xfrm>
-            <a:prstGeom prst="line">
-              <a:avLst/>
-            </a:prstGeom>
-            <a:ln w="19050">
-              <a:solidFill>
-                <a:schemeClr val="accent6">
-                  <a:lumMod val="75000"/>
-                </a:schemeClr>
-              </a:solidFill>
-            </a:ln>
-          </p:spPr>
-          <p:style>
-            <a:lnRef idx="1">
-              <a:schemeClr val="accent1"/>
-            </a:lnRef>
-            <a:fillRef idx="0">
-              <a:schemeClr val="accent1"/>
-            </a:fillRef>
-            <a:effectRef idx="0">
-              <a:schemeClr val="accent1"/>
-            </a:effectRef>
-            <a:fontRef idx="minor">
-              <a:schemeClr val="tx1"/>
-            </a:fontRef>
-          </p:style>
-        </p:cxnSp>
-      </p:grpSp>
-      <p:grpSp>
-        <p:nvGrpSpPr>
-          <p:cNvPr id="32" name="Grupo 31"/>
-          <p:cNvGrpSpPr/>
-          <p:nvPr/>
-        </p:nvGrpSpPr>
-        <p:grpSpPr>
-          <a:xfrm>
-            <a:off x="6313749" y="4557398"/>
-            <a:ext cx="403654" cy="263610"/>
-            <a:chOff x="5329882" y="4146375"/>
-            <a:chExt cx="403654" cy="263610"/>
-          </a:xfrm>
-        </p:grpSpPr>
-        <p:cxnSp>
-          <p:nvCxnSpPr>
-            <p:cNvPr id="33" name="Conector recto 32"/>
-            <p:cNvCxnSpPr/>
-            <p:nvPr/>
-          </p:nvCxnSpPr>
-          <p:spPr>
-            <a:xfrm flipH="1">
-              <a:off x="5329882" y="4146375"/>
-              <a:ext cx="403654" cy="247134"/>
-            </a:xfrm>
-            <a:prstGeom prst="line">
-              <a:avLst/>
-            </a:prstGeom>
-            <a:ln w="19050">
-              <a:solidFill>
-                <a:schemeClr val="accent6">
-                  <a:lumMod val="75000"/>
-                </a:schemeClr>
-              </a:solidFill>
-            </a:ln>
-          </p:spPr>
-          <p:style>
-            <a:lnRef idx="1">
-              <a:schemeClr val="accent1"/>
-            </a:lnRef>
-            <a:fillRef idx="0">
-              <a:schemeClr val="accent1"/>
-            </a:fillRef>
-            <a:effectRef idx="0">
-              <a:schemeClr val="accent1"/>
-            </a:effectRef>
-            <a:fontRef idx="minor">
-              <a:schemeClr val="tx1"/>
-            </a:fontRef>
-          </p:style>
-        </p:cxnSp>
-        <p:cxnSp>
-          <p:nvCxnSpPr>
-            <p:cNvPr id="34" name="Conector recto 33"/>
-            <p:cNvCxnSpPr/>
-            <p:nvPr/>
-          </p:nvCxnSpPr>
-          <p:spPr>
-            <a:xfrm>
-              <a:off x="5329882" y="4146375"/>
-              <a:ext cx="387179" cy="263610"/>
-            </a:xfrm>
-            <a:prstGeom prst="line">
-              <a:avLst/>
-            </a:prstGeom>
-            <a:ln w="19050">
-              <a:solidFill>
-                <a:schemeClr val="accent6">
-                  <a:lumMod val="75000"/>
-                </a:schemeClr>
-              </a:solidFill>
-            </a:ln>
-          </p:spPr>
-          <p:style>
-            <a:lnRef idx="1">
-              <a:schemeClr val="accent1"/>
-            </a:lnRef>
-            <a:fillRef idx="0">
-              <a:schemeClr val="accent1"/>
-            </a:fillRef>
-            <a:effectRef idx="0">
-              <a:schemeClr val="accent1"/>
-            </a:effectRef>
-            <a:fontRef idx="minor">
-              <a:schemeClr val="tx1"/>
-            </a:fontRef>
-          </p:style>
-        </p:cxnSp>
-      </p:grpSp>
-      <p:grpSp>
-        <p:nvGrpSpPr>
-          <p:cNvPr id="35" name="Grupo 34"/>
-          <p:cNvGrpSpPr/>
-          <p:nvPr/>
-        </p:nvGrpSpPr>
-        <p:grpSpPr>
-          <a:xfrm>
-            <a:off x="6294512" y="4942206"/>
-            <a:ext cx="403654" cy="263610"/>
-            <a:chOff x="5329882" y="4146375"/>
-            <a:chExt cx="403654" cy="263610"/>
-          </a:xfrm>
-        </p:grpSpPr>
-        <p:cxnSp>
-          <p:nvCxnSpPr>
-            <p:cNvPr id="36" name="Conector recto 35"/>
-            <p:cNvCxnSpPr/>
-            <p:nvPr/>
-          </p:nvCxnSpPr>
-          <p:spPr>
-            <a:xfrm flipH="1">
-              <a:off x="5329882" y="4146375"/>
-              <a:ext cx="403654" cy="247134"/>
-            </a:xfrm>
-            <a:prstGeom prst="line">
-              <a:avLst/>
-            </a:prstGeom>
-            <a:ln w="19050">
-              <a:solidFill>
-                <a:schemeClr val="accent6">
-                  <a:lumMod val="75000"/>
-                </a:schemeClr>
-              </a:solidFill>
-            </a:ln>
-          </p:spPr>
-          <p:style>
-            <a:lnRef idx="1">
-              <a:schemeClr val="accent1"/>
-            </a:lnRef>
-            <a:fillRef idx="0">
-              <a:schemeClr val="accent1"/>
-            </a:fillRef>
-            <a:effectRef idx="0">
-              <a:schemeClr val="accent1"/>
-            </a:effectRef>
-            <a:fontRef idx="minor">
-              <a:schemeClr val="tx1"/>
-            </a:fontRef>
-          </p:style>
-        </p:cxnSp>
-        <p:cxnSp>
-          <p:nvCxnSpPr>
-            <p:cNvPr id="37" name="Conector recto 36"/>
-            <p:cNvCxnSpPr/>
-            <p:nvPr/>
-          </p:nvCxnSpPr>
-          <p:spPr>
-            <a:xfrm>
-              <a:off x="5329882" y="4146375"/>
-              <a:ext cx="387179" cy="263610"/>
-            </a:xfrm>
-            <a:prstGeom prst="line">
-              <a:avLst/>
-            </a:prstGeom>
-            <a:ln w="19050">
-              <a:solidFill>
-                <a:schemeClr val="accent6">
-                  <a:lumMod val="75000"/>
-                </a:schemeClr>
-              </a:solidFill>
-            </a:ln>
-          </p:spPr>
-          <p:style>
-            <a:lnRef idx="1">
-              <a:schemeClr val="accent1"/>
-            </a:lnRef>
-            <a:fillRef idx="0">
-              <a:schemeClr val="accent1"/>
-            </a:fillRef>
-            <a:effectRef idx="0">
-              <a:schemeClr val="accent1"/>
-            </a:effectRef>
-            <a:fontRef idx="minor">
-              <a:schemeClr val="tx1"/>
-            </a:fontRef>
-          </p:style>
-        </p:cxnSp>
-      </p:grpSp>
-    </p:spTree>
-    <p:extLst>
-      <p:ext uri="{BB962C8B-B14F-4D97-AF65-F5344CB8AC3E}">
-        <p14:creationId xmlns:p14="http://schemas.microsoft.com/office/powerpoint/2010/main" val="3940943363"/>
-      </p:ext>
-    </p:extLst>
-  </p:cSld>
-  <p:clrMapOvr>
-    <a:masterClrMapping/>
-  </p:clrMapOvr>
-</p:sld>
-</file>
-
-<file path=ppt/slides/slide2.xml><?xml version="1.0" encoding="utf-8"?>
-<p:sld xmlns:a="http://schemas.openxmlformats.org/drawingml/2006/main" xmlns:r="http://schemas.openxmlformats.org/officeDocument/2006/relationships" xmlns:p="http://schemas.openxmlformats.org/presentationml/2006/main">
-  <p:cSld>
-    <p:spTree>
-      <p:nvGrpSpPr>
-        <p:cNvPr id="1" name=""/>
-        <p:cNvGrpSpPr/>
-        <p:nvPr/>
-      </p:nvGrpSpPr>
-      <p:grpSpPr>
-        <a:xfrm>
-          <a:off x="0" y="0"/>
-          <a:ext cx="0" cy="0"/>
-          <a:chOff x="0" y="0"/>
-          <a:chExt cx="0" cy="0"/>
-        </a:xfrm>
-      </p:grpSpPr>
-      <p:sp>
-        <p:nvSpPr>
-          <p:cNvPr id="2" name="Title 1"/>
-          <p:cNvSpPr>
-            <a:spLocks noGrp="1"/>
-          </p:cNvSpPr>
-          <p:nvPr>
-            <p:ph type="title"/>
-          </p:nvPr>
-        </p:nvSpPr>
-        <p:spPr/>
-        <p:txBody>
-          <a:bodyPr/>
-          <a:lstStyle/>
-          <a:p>
-            <a:r>
-              <a:rPr lang="" altLang="en-US"/>
-              <a:t>¿Qué es SSOP?</a:t>
-            </a:r>
-          </a:p>
-        </p:txBody>
-      </p:sp>
-      <p:sp>
-        <p:nvSpPr>
-          <p:cNvPr id="3" name="Content Placeholder 2"/>
-          <p:cNvSpPr>
-            <a:spLocks noGrp="1"/>
-          </p:cNvSpPr>
-          <p:nvPr>
-            <p:ph idx="1"/>
-          </p:nvPr>
-        </p:nvSpPr>
-        <p:spPr/>
-        <p:txBody>
-          <a:bodyPr>
-            <a:normAutofit/>
-          </a:bodyPr>
-          <a:lstStyle/>
-          <a:p>
-            <a:r>
-              <a:rPr lang="es-ES" dirty="0"/>
-              <a:t>SSOP </a:t>
-            </a:r>
-            <a:r>
-              <a:rPr lang="es-ES" dirty="0" smtClean="0"/>
-              <a:t>es </a:t>
-            </a:r>
-            <a:r>
-              <a:rPr lang="es-ES" dirty="0"/>
-              <a:t>una plataforma que servirá como servicio de </a:t>
-            </a:r>
-            <a:r>
-              <a:rPr lang="es-ES" b="1" dirty="0" smtClean="0"/>
-              <a:t>autenticación </a:t>
-            </a:r>
-            <a:r>
-              <a:rPr lang="es-ES" dirty="0" smtClean="0"/>
-              <a:t>para </a:t>
-            </a:r>
-            <a:r>
-              <a:rPr lang="es-ES" dirty="0"/>
-              <a:t>cualquier aplicación o página web (tienda o banca </a:t>
-            </a:r>
-            <a:r>
-              <a:rPr lang="es-ES" dirty="0" smtClean="0"/>
-              <a:t>online) en </a:t>
-            </a:r>
-            <a:r>
-              <a:rPr lang="es-ES" dirty="0"/>
-              <a:t>donde los usuarios deban de </a:t>
-            </a:r>
-            <a:r>
-              <a:rPr lang="es-ES" dirty="0" smtClean="0"/>
-              <a:t>autenticarse para </a:t>
-            </a:r>
-            <a:r>
-              <a:rPr lang="es-ES" dirty="0"/>
-              <a:t>poder operar. </a:t>
-            </a:r>
-          </a:p>
-          <a:p>
-            <a:endParaRPr lang="es-ES" dirty="0"/>
-          </a:p>
-        </p:txBody>
-      </p:sp>
-      <p:pic>
-        <p:nvPicPr>
-          <p:cNvPr id="4" name="Imagen 3"/>
-          <p:cNvPicPr>
-            <a:picLocks noChangeAspect="1"/>
-          </p:cNvPicPr>
-          <p:nvPr/>
-        </p:nvPicPr>
-        <p:blipFill>
-          <a:blip r:embed="rId2" cstate="print">
-            <a:extLst>
-              <a:ext uri="{28A0092B-C50C-407E-A947-70E740481C1C}">
-                <a14:useLocalDpi xmlns:a14="http://schemas.microsoft.com/office/drawing/2010/main" val="0"/>
-              </a:ext>
-            </a:extLst>
-          </a:blip>
-          <a:stretch>
-            <a:fillRect/>
-          </a:stretch>
-        </p:blipFill>
-        <p:spPr>
-          <a:xfrm>
-            <a:off x="1714982" y="3814119"/>
-            <a:ext cx="3820678" cy="2565935"/>
-          </a:xfrm>
-          <a:prstGeom prst="rect">
-            <a:avLst/>
-          </a:prstGeom>
-        </p:spPr>
-      </p:pic>
-      <p:pic>
-        <p:nvPicPr>
-          <p:cNvPr id="7" name="Imagen 6"/>
-          <p:cNvPicPr>
-            <a:picLocks noChangeAspect="1"/>
-          </p:cNvPicPr>
-          <p:nvPr/>
-        </p:nvPicPr>
-        <p:blipFill>
-          <a:blip r:embed="rId3" cstate="print">
-            <a:extLst>
-              <a:ext uri="{28A0092B-C50C-407E-A947-70E740481C1C}">
-                <a14:useLocalDpi xmlns:a14="http://schemas.microsoft.com/office/drawing/2010/main" val="0"/>
-              </a:ext>
-            </a:extLst>
-          </a:blip>
-          <a:stretch>
-            <a:fillRect/>
-          </a:stretch>
-        </p:blipFill>
-        <p:spPr>
-          <a:xfrm>
-            <a:off x="6557318" y="3814119"/>
-            <a:ext cx="3703989" cy="2560110"/>
-          </a:xfrm>
-          <a:prstGeom prst="rect">
-            <a:avLst/>
-          </a:prstGeom>
-        </p:spPr>
-      </p:pic>
-      <p:sp>
-        <p:nvSpPr>
-          <p:cNvPr id="5" name="CuadroTexto 4"/>
-          <p:cNvSpPr txBox="1"/>
-          <p:nvPr/>
-        </p:nvSpPr>
-        <p:spPr>
-          <a:xfrm>
-            <a:off x="6557318" y="5635565"/>
-            <a:ext cx="2660823" cy="738664"/>
-          </a:xfrm>
-          <a:prstGeom prst="rect">
-            <a:avLst/>
-          </a:prstGeom>
-          <a:noFill/>
-        </p:spPr>
-        <p:txBody>
-          <a:bodyPr wrap="square" rtlCol="0">
-            <a:spAutoFit/>
-          </a:bodyPr>
-          <a:lstStyle/>
-          <a:p>
-            <a:r>
-              <a:rPr lang="es-ES" sz="1400" b="1" dirty="0" smtClean="0">
-                <a:solidFill>
-                  <a:schemeClr val="bg1"/>
-                </a:solidFill>
-              </a:rPr>
-              <a:t>Sistema Centralizado</a:t>
-            </a:r>
-          </a:p>
-          <a:p>
-            <a:r>
-              <a:rPr lang="es-ES" sz="1400" b="1" dirty="0" smtClean="0">
-                <a:solidFill>
-                  <a:schemeClr val="bg1"/>
-                </a:solidFill>
-              </a:rPr>
-              <a:t>Seguro y robusto</a:t>
-            </a:r>
-          </a:p>
-          <a:p>
-            <a:r>
-              <a:rPr lang="es-ES" sz="1400" b="1" dirty="0" err="1" smtClean="0">
-                <a:solidFill>
-                  <a:schemeClr val="bg1"/>
-                </a:solidFill>
-              </a:rPr>
-              <a:t>Mantenible</a:t>
-            </a:r>
-            <a:r>
-              <a:rPr lang="es-ES" sz="1400" b="1" dirty="0" smtClean="0">
-                <a:solidFill>
-                  <a:schemeClr val="bg1"/>
-                </a:solidFill>
-              </a:rPr>
-              <a:t> y escalable</a:t>
-            </a:r>
-            <a:endParaRPr lang="es-ES" sz="1400" b="1" dirty="0">
-              <a:solidFill>
-                <a:schemeClr val="bg1"/>
-              </a:solidFill>
-            </a:endParaRPr>
-          </a:p>
-        </p:txBody>
-      </p:sp>
-    </p:spTree>
-  </p:cSld>
-  <p:clrMapOvr>
-    <a:masterClrMapping/>
-  </p:clrMapOvr>
-</p:sld>
-</file>
-
-<file path=ppt/slides/slide3.xml><?xml version="1.0" encoding="utf-8"?>
-<p:sld xmlns:a="http://schemas.openxmlformats.org/drawingml/2006/main" xmlns:r="http://schemas.openxmlformats.org/officeDocument/2006/relationships" xmlns:p="http://schemas.openxmlformats.org/presentationml/2006/main">
-  <p:cSld>
-    <p:spTree>
-      <p:nvGrpSpPr>
-        <p:cNvPr id="1" name=""/>
-        <p:cNvGrpSpPr/>
-        <p:nvPr/>
-      </p:nvGrpSpPr>
-      <p:grpSpPr>
-        <a:xfrm>
-          <a:off x="0" y="0"/>
-          <a:ext cx="0" cy="0"/>
-          <a:chOff x="0" y="0"/>
-          <a:chExt cx="0" cy="0"/>
-        </a:xfrm>
-      </p:grpSpPr>
-      <p:sp>
-        <p:nvSpPr>
-          <p:cNvPr id="2" name="Title 1"/>
-          <p:cNvSpPr>
-            <a:spLocks noGrp="1"/>
-          </p:cNvSpPr>
-          <p:nvPr>
-            <p:ph type="title"/>
-          </p:nvPr>
-        </p:nvSpPr>
-        <p:spPr/>
-        <p:txBody>
-          <a:bodyPr/>
-          <a:lstStyle/>
-          <a:p>
-            <a:r>
-              <a:rPr lang="" altLang="en-US" dirty="0" smtClean="0"/>
-              <a:t>¿Qué problemas solucionará SSOP?</a:t>
-            </a:r>
-            <a:endParaRPr lang="" altLang="en-US" dirty="0"/>
-          </a:p>
-        </p:txBody>
-      </p:sp>
-      <p:sp>
-        <p:nvSpPr>
-          <p:cNvPr id="3" name="Content Placeholder 2"/>
-          <p:cNvSpPr>
-            <a:spLocks noGrp="1"/>
-          </p:cNvSpPr>
-          <p:nvPr>
-            <p:ph sz="half" idx="1"/>
-          </p:nvPr>
-        </p:nvSpPr>
-        <p:spPr>
-          <a:xfrm>
-            <a:off x="1154954" y="4028303"/>
-            <a:ext cx="4825158" cy="1991498"/>
-          </a:xfrm>
-        </p:spPr>
-        <p:txBody>
-          <a:bodyPr>
-            <a:normAutofit/>
-          </a:bodyPr>
-          <a:lstStyle/>
-          <a:p>
-            <a:pPr marL="0" indent="0" algn="just">
-              <a:buNone/>
-            </a:pPr>
-            <a:r>
-              <a:rPr lang="es-ES" dirty="0"/>
-              <a:t>Diariamente utilizamos diferentes servicios (uso de parking publico, uso de transporte publico, compras en comercios, tramites...) para los cuales debemos identificarnos y pagar con tarjetas de </a:t>
-            </a:r>
-            <a:r>
-              <a:rPr lang="es-ES" dirty="0" smtClean="0"/>
-              <a:t>plástico.</a:t>
-            </a:r>
-            <a:endParaRPr lang="es-ES" dirty="0"/>
-          </a:p>
-        </p:txBody>
-      </p:sp>
-      <p:sp>
-        <p:nvSpPr>
-          <p:cNvPr id="5" name="Marcador de contenido 4"/>
-          <p:cNvSpPr>
-            <a:spLocks noGrp="1"/>
-          </p:cNvSpPr>
-          <p:nvPr>
-            <p:ph sz="half" idx="2"/>
-          </p:nvPr>
-        </p:nvSpPr>
-        <p:spPr/>
-        <p:txBody>
-          <a:bodyPr/>
-          <a:lstStyle/>
-          <a:p>
-            <a:endParaRPr lang="es-ES" dirty="0"/>
-          </a:p>
-        </p:txBody>
-      </p:sp>
-      <p:pic>
-        <p:nvPicPr>
-          <p:cNvPr id="4" name="Imagen 3"/>
-          <p:cNvPicPr>
-            <a:picLocks noChangeAspect="1"/>
-          </p:cNvPicPr>
-          <p:nvPr/>
-        </p:nvPicPr>
-        <p:blipFill>
-          <a:blip r:embed="rId2" cstate="print">
-            <a:extLst>
-              <a:ext uri="{28A0092B-C50C-407E-A947-70E740481C1C}">
-                <a14:useLocalDpi xmlns:a14="http://schemas.microsoft.com/office/drawing/2010/main" val="0"/>
-              </a:ext>
-            </a:extLst>
-          </a:blip>
-          <a:stretch>
-            <a:fillRect/>
-          </a:stretch>
-        </p:blipFill>
-        <p:spPr>
-          <a:xfrm>
-            <a:off x="6208712" y="2603500"/>
-            <a:ext cx="4825159" cy="3604057"/>
-          </a:xfrm>
-          <a:prstGeom prst="rect">
-            <a:avLst/>
-          </a:prstGeom>
-        </p:spPr>
-      </p:pic>
-      <p:sp>
-        <p:nvSpPr>
-          <p:cNvPr id="7" name="Elipse 6"/>
-          <p:cNvSpPr/>
-          <p:nvPr/>
-        </p:nvSpPr>
-        <p:spPr>
-          <a:xfrm>
-            <a:off x="1260389" y="2825578"/>
-            <a:ext cx="807308" cy="782595"/>
-          </a:xfrm>
-          <a:prstGeom prst="ellipse">
-            <a:avLst/>
-          </a:prstGeom>
-        </p:spPr>
-        <p:style>
-          <a:lnRef idx="2">
-            <a:schemeClr val="accent1">
-              <a:shade val="50000"/>
-            </a:schemeClr>
-          </a:lnRef>
-          <a:fillRef idx="1">
-            <a:schemeClr val="accent1"/>
-          </a:fillRef>
-          <a:effectRef idx="0">
-            <a:schemeClr val="accent1"/>
-          </a:effectRef>
-          <a:fontRef idx="minor">
-            <a:schemeClr val="lt1"/>
-          </a:fontRef>
-        </p:style>
-        <p:txBody>
-          <a:bodyPr rtlCol="0" anchor="ctr"/>
-          <a:lstStyle/>
-          <a:p>
-            <a:pPr algn="ctr"/>
-            <a:r>
-              <a:rPr lang="es-ES" dirty="0" smtClean="0"/>
-              <a:t>1</a:t>
-            </a:r>
-            <a:endParaRPr lang="es-ES" dirty="0"/>
-          </a:p>
-        </p:txBody>
-      </p:sp>
-    </p:spTree>
-  </p:cSld>
-  <p:clrMapOvr>
-    <a:masterClrMapping/>
-  </p:clrMapOvr>
-</p:sld>
-</file>
-
-<file path=ppt/slides/slide4.xml><?xml version="1.0" encoding="utf-8"?>
-<p:sld xmlns:a="http://schemas.openxmlformats.org/drawingml/2006/main" xmlns:r="http://schemas.openxmlformats.org/officeDocument/2006/relationships" xmlns:p="http://schemas.openxmlformats.org/presentationml/2006/main">
-  <p:cSld>
-    <p:spTree>
-      <p:nvGrpSpPr>
-        <p:cNvPr id="1" name=""/>
-        <p:cNvGrpSpPr/>
-        <p:nvPr/>
-      </p:nvGrpSpPr>
-      <p:grpSpPr>
-        <a:xfrm>
-          <a:off x="0" y="0"/>
-          <a:ext cx="0" cy="0"/>
-          <a:chOff x="0" y="0"/>
-          <a:chExt cx="0" cy="0"/>
-        </a:xfrm>
-      </p:grpSpPr>
-      <p:sp>
-        <p:nvSpPr>
-          <p:cNvPr id="2" name="Title 1"/>
-          <p:cNvSpPr>
-            <a:spLocks noGrp="1"/>
-          </p:cNvSpPr>
-          <p:nvPr>
-            <p:ph type="title"/>
-          </p:nvPr>
-        </p:nvSpPr>
-        <p:spPr/>
-        <p:txBody>
-          <a:bodyPr/>
-          <a:lstStyle/>
-          <a:p>
-            <a:r>
-              <a:rPr lang="" altLang="en-US" dirty="0"/>
-              <a:t>¿Qué problemas solucionará SSOP?</a:t>
-            </a:r>
-            <a:endParaRPr lang="en-US" altLang="en-US" dirty="0"/>
-          </a:p>
-        </p:txBody>
-      </p:sp>
-      <p:sp>
-        <p:nvSpPr>
-          <p:cNvPr id="4" name="Content Placeholder 2"/>
-          <p:cNvSpPr txBox="1">
-            <a:spLocks/>
-          </p:cNvSpPr>
-          <p:nvPr/>
-        </p:nvSpPr>
-        <p:spPr>
-          <a:xfrm>
-            <a:off x="2349440" y="2825578"/>
-            <a:ext cx="9331814" cy="930875"/>
-          </a:xfrm>
-          <a:prstGeom prst="rect">
-            <a:avLst/>
-          </a:prstGeom>
-        </p:spPr>
-        <p:txBody>
-          <a:bodyPr vert="horz" lIns="91440" tIns="45720" rIns="91440" bIns="45720" rtlCol="0">
-            <a:normAutofit/>
-          </a:bodyPr>
-          <a:lstStyle>
-            <a:lvl1pPr marL="342900" indent="-342900" algn="l" defTabSz="457200" rtl="0" eaLnBrk="1" latinLnBrk="0" hangingPunct="1">
-              <a:spcBef>
-                <a:spcPts val="1000"/>
-              </a:spcBef>
-              <a:spcAft>
-                <a:spcPts val="0"/>
-              </a:spcAft>
-              <a:buClr>
-                <a:schemeClr val="accent1"/>
-              </a:buClr>
-              <a:buSzPct val="80000"/>
-              <a:buFont typeface="Wingdings 3" charset="2"/>
-              <a:buChar char=""/>
-              <a:defRPr sz="1800" b="0" i="0" kern="1200">
-                <a:solidFill>
-                  <a:schemeClr val="tx1">
-                    <a:lumMod val="75000"/>
-                    <a:lumOff val="25000"/>
-                  </a:schemeClr>
-                </a:solidFill>
-                <a:latin typeface="+mn-lt"/>
-                <a:ea typeface="+mn-ea"/>
-                <a:cs typeface="+mn-cs"/>
-              </a:defRPr>
-            </a:lvl1pPr>
-            <a:lvl2pPr marL="742950" indent="-285750" algn="l" defTabSz="457200" rtl="0" eaLnBrk="1" latinLnBrk="0" hangingPunct="1">
-              <a:spcBef>
-                <a:spcPts val="1000"/>
-              </a:spcBef>
-              <a:spcAft>
-                <a:spcPts val="0"/>
-              </a:spcAft>
-              <a:buClr>
-                <a:schemeClr val="accent1"/>
-              </a:buClr>
-              <a:buSzPct val="80000"/>
-              <a:buFont typeface="Wingdings 3" charset="2"/>
-              <a:buChar char=""/>
-              <a:defRPr sz="1600" b="0" i="0" kern="1200">
-                <a:solidFill>
-                  <a:schemeClr val="tx1">
-                    <a:lumMod val="75000"/>
-                    <a:lumOff val="25000"/>
-                  </a:schemeClr>
-                </a:solidFill>
-                <a:latin typeface="+mn-lt"/>
-                <a:ea typeface="+mn-ea"/>
-                <a:cs typeface="+mn-cs"/>
-              </a:defRPr>
-            </a:lvl2pPr>
-            <a:lvl3pPr marL="1143000" indent="-228600" algn="l" defTabSz="457200" rtl="0" eaLnBrk="1" latinLnBrk="0" hangingPunct="1">
-              <a:spcBef>
-                <a:spcPts val="1000"/>
-              </a:spcBef>
-              <a:spcAft>
-                <a:spcPts val="0"/>
-              </a:spcAft>
-              <a:buClr>
-                <a:schemeClr val="accent1"/>
-              </a:buClr>
-              <a:buSzPct val="80000"/>
-              <a:buFont typeface="Wingdings 3" charset="2"/>
-              <a:buChar char=""/>
-              <a:defRPr sz="1400" b="0" i="0" kern="1200">
-                <a:solidFill>
-                  <a:schemeClr val="tx1">
-                    <a:lumMod val="75000"/>
-                    <a:lumOff val="25000"/>
-                  </a:schemeClr>
-                </a:solidFill>
-                <a:latin typeface="+mn-lt"/>
-                <a:ea typeface="+mn-ea"/>
-                <a:cs typeface="+mn-cs"/>
-              </a:defRPr>
-            </a:lvl3pPr>
-            <a:lvl4pPr marL="1600200" indent="-228600" algn="l" defTabSz="457200" rtl="0" eaLnBrk="1" latinLnBrk="0" hangingPunct="1">
-              <a:spcBef>
-                <a:spcPts val="1000"/>
-              </a:spcBef>
-              <a:spcAft>
-                <a:spcPts val="0"/>
-              </a:spcAft>
-              <a:buClr>
-                <a:schemeClr val="accent1"/>
-              </a:buClr>
-              <a:buSzPct val="80000"/>
-              <a:buFont typeface="Wingdings 3" charset="2"/>
-              <a:buChar char=""/>
-              <a:defRPr sz="1200" b="0" i="0" kern="1200">
-                <a:solidFill>
-                  <a:schemeClr val="tx1">
-                    <a:lumMod val="75000"/>
-                    <a:lumOff val="25000"/>
-                  </a:schemeClr>
-                </a:solidFill>
-                <a:latin typeface="+mn-lt"/>
-                <a:ea typeface="+mn-ea"/>
-                <a:cs typeface="+mn-cs"/>
-              </a:defRPr>
-            </a:lvl4pPr>
-            <a:lvl5pPr marL="2057400" indent="-228600" algn="l" defTabSz="457200" rtl="0" eaLnBrk="1" latinLnBrk="0" hangingPunct="1">
-              <a:spcBef>
-                <a:spcPts val="1000"/>
-              </a:spcBef>
-              <a:spcAft>
-                <a:spcPts val="0"/>
-              </a:spcAft>
-              <a:buClr>
-                <a:schemeClr val="accent1"/>
-              </a:buClr>
-              <a:buSzPct val="80000"/>
-              <a:buFont typeface="Wingdings 3" charset="2"/>
-              <a:buChar char=""/>
-              <a:defRPr sz="1200" b="0" i="0" kern="1200">
-                <a:solidFill>
-                  <a:schemeClr val="tx1">
-                    <a:lumMod val="75000"/>
-                    <a:lumOff val="25000"/>
-                  </a:schemeClr>
-                </a:solidFill>
-                <a:latin typeface="+mn-lt"/>
-                <a:ea typeface="+mn-ea"/>
-                <a:cs typeface="+mn-cs"/>
-              </a:defRPr>
-            </a:lvl5pPr>
-            <a:lvl6pPr marL="2514600" indent="-228600" algn="l" defTabSz="457200" rtl="0" eaLnBrk="1" latinLnBrk="0" hangingPunct="1">
-              <a:spcBef>
-                <a:spcPts val="1000"/>
-              </a:spcBef>
-              <a:spcAft>
-                <a:spcPts val="0"/>
-              </a:spcAft>
-              <a:buClr>
-                <a:schemeClr val="accent1"/>
-              </a:buClr>
-              <a:buSzPct val="80000"/>
-              <a:buFont typeface="Wingdings 3" charset="2"/>
-              <a:buChar char=""/>
-              <a:defRPr sz="1200" b="0" i="0" kern="1200">
-                <a:solidFill>
-                  <a:schemeClr val="tx1">
-                    <a:lumMod val="75000"/>
-                    <a:lumOff val="25000"/>
-                  </a:schemeClr>
-                </a:solidFill>
-                <a:latin typeface="+mn-lt"/>
-                <a:ea typeface="+mn-ea"/>
-                <a:cs typeface="+mn-cs"/>
-              </a:defRPr>
-            </a:lvl6pPr>
-            <a:lvl7pPr marL="2971800" indent="-228600" algn="l" defTabSz="457200" rtl="0" eaLnBrk="1" latinLnBrk="0" hangingPunct="1">
-              <a:spcBef>
-                <a:spcPts val="1000"/>
-              </a:spcBef>
-              <a:spcAft>
-                <a:spcPts val="0"/>
-              </a:spcAft>
-              <a:buClr>
-                <a:schemeClr val="accent1"/>
-              </a:buClr>
-              <a:buSzPct val="80000"/>
-              <a:buFont typeface="Wingdings 3" charset="2"/>
-              <a:buChar char=""/>
-              <a:defRPr sz="1200" b="0" i="0" kern="1200">
-                <a:solidFill>
-                  <a:schemeClr val="tx1">
-                    <a:lumMod val="75000"/>
-                    <a:lumOff val="25000"/>
-                  </a:schemeClr>
-                </a:solidFill>
-                <a:latin typeface="+mn-lt"/>
-                <a:ea typeface="+mn-ea"/>
-                <a:cs typeface="+mn-cs"/>
-              </a:defRPr>
-            </a:lvl7pPr>
-            <a:lvl8pPr marL="3429000" indent="-228600" algn="l" defTabSz="457200" rtl="0" eaLnBrk="1" latinLnBrk="0" hangingPunct="1">
-              <a:spcBef>
-                <a:spcPts val="1000"/>
-              </a:spcBef>
-              <a:spcAft>
-                <a:spcPts val="0"/>
-              </a:spcAft>
-              <a:buClr>
-                <a:schemeClr val="accent1"/>
-              </a:buClr>
-              <a:buSzPct val="80000"/>
-              <a:buFont typeface="Wingdings 3" charset="2"/>
-              <a:buChar char=""/>
-              <a:defRPr sz="1200" b="0" i="0" kern="1200">
-                <a:solidFill>
-                  <a:schemeClr val="tx1">
-                    <a:lumMod val="75000"/>
-                    <a:lumOff val="25000"/>
-                  </a:schemeClr>
-                </a:solidFill>
-                <a:latin typeface="+mn-lt"/>
-                <a:ea typeface="+mn-ea"/>
-                <a:cs typeface="+mn-cs"/>
-              </a:defRPr>
-            </a:lvl8pPr>
-            <a:lvl9pPr marL="3886200" indent="-228600" algn="l" defTabSz="457200" rtl="0" eaLnBrk="1" latinLnBrk="0" hangingPunct="1">
-              <a:spcBef>
-                <a:spcPts val="1000"/>
-              </a:spcBef>
-              <a:spcAft>
-                <a:spcPts val="0"/>
-              </a:spcAft>
-              <a:buClr>
-                <a:schemeClr val="accent1"/>
-              </a:buClr>
-              <a:buSzPct val="80000"/>
-              <a:buFont typeface="Wingdings 3" charset="2"/>
-              <a:buChar char=""/>
-              <a:defRPr sz="1200" b="0" i="0" kern="1200">
-                <a:solidFill>
-                  <a:schemeClr val="tx1">
-                    <a:lumMod val="75000"/>
-                    <a:lumOff val="25000"/>
-                  </a:schemeClr>
-                </a:solidFill>
-                <a:latin typeface="+mn-lt"/>
-                <a:ea typeface="+mn-ea"/>
-                <a:cs typeface="+mn-cs"/>
-              </a:defRPr>
-            </a:lvl9pPr>
-          </a:lstStyle>
-          <a:p>
-            <a:pPr marL="0" indent="0" algn="just">
-              <a:buNone/>
-            </a:pPr>
-            <a:r>
-              <a:rPr lang="es-ES" dirty="0"/>
-              <a:t>Existen diferentes </a:t>
-            </a:r>
-            <a:r>
-              <a:rPr lang="es-ES" dirty="0" smtClean="0"/>
-              <a:t>aplicaciones que </a:t>
-            </a:r>
-            <a:r>
-              <a:rPr lang="es-ES" dirty="0"/>
-              <a:t>intentan almacenar en un solo lugar, generalmente en un terminal </a:t>
-            </a:r>
-            <a:r>
-              <a:rPr lang="es-ES" dirty="0" smtClean="0"/>
-              <a:t>móvil, </a:t>
-            </a:r>
-            <a:r>
-              <a:rPr lang="es-ES" dirty="0"/>
-              <a:t>todas estas </a:t>
-            </a:r>
-            <a:r>
-              <a:rPr lang="es-ES" dirty="0" smtClean="0"/>
-              <a:t>tarjetas y contraseñas </a:t>
-            </a:r>
-            <a:r>
-              <a:rPr lang="es-ES" dirty="0"/>
-              <a:t>y también nos ofrece pagar con el propio terminal </a:t>
-            </a:r>
-            <a:r>
-              <a:rPr lang="es-ES" dirty="0" smtClean="0"/>
-              <a:t>móvil. </a:t>
-            </a:r>
-          </a:p>
-        </p:txBody>
-      </p:sp>
-      <p:sp>
-        <p:nvSpPr>
-          <p:cNvPr id="6" name="Elipse 5"/>
-          <p:cNvSpPr/>
-          <p:nvPr/>
-        </p:nvSpPr>
-        <p:spPr>
-          <a:xfrm>
-            <a:off x="1260389" y="2825578"/>
-            <a:ext cx="807308" cy="782595"/>
-          </a:xfrm>
-          <a:prstGeom prst="ellipse">
-            <a:avLst/>
-          </a:prstGeom>
-        </p:spPr>
-        <p:style>
-          <a:lnRef idx="2">
-            <a:schemeClr val="accent1">
-              <a:shade val="50000"/>
-            </a:schemeClr>
-          </a:lnRef>
-          <a:fillRef idx="1">
-            <a:schemeClr val="accent1"/>
-          </a:fillRef>
-          <a:effectRef idx="0">
-            <a:schemeClr val="accent1"/>
-          </a:effectRef>
-          <a:fontRef idx="minor">
-            <a:schemeClr val="lt1"/>
-          </a:fontRef>
-        </p:style>
-        <p:txBody>
-          <a:bodyPr rtlCol="0" anchor="ctr"/>
-          <a:lstStyle/>
-          <a:p>
-            <a:pPr algn="ctr"/>
-            <a:r>
-              <a:rPr lang="es-ES" dirty="0" smtClean="0"/>
-              <a:t>2</a:t>
-            </a:r>
-            <a:endParaRPr lang="es-ES" dirty="0"/>
-          </a:p>
-        </p:txBody>
-      </p:sp>
-      <p:pic>
-        <p:nvPicPr>
-          <p:cNvPr id="7" name="Imagen 6"/>
-          <p:cNvPicPr>
-            <a:picLocks noChangeAspect="1"/>
-          </p:cNvPicPr>
-          <p:nvPr/>
-        </p:nvPicPr>
-        <p:blipFill>
-          <a:blip r:embed="rId2" cstate="print">
-            <a:extLst>
-              <a:ext uri="{28A0092B-C50C-407E-A947-70E740481C1C}">
-                <a14:useLocalDpi xmlns:a14="http://schemas.microsoft.com/office/drawing/2010/main" val="0"/>
-              </a:ext>
-            </a:extLst>
-          </a:blip>
-          <a:stretch>
-            <a:fillRect/>
-          </a:stretch>
-        </p:blipFill>
-        <p:spPr>
-          <a:xfrm>
-            <a:off x="7414054" y="4028303"/>
-            <a:ext cx="3405873" cy="2270582"/>
-          </a:xfrm>
-          <a:prstGeom prst="rect">
-            <a:avLst/>
-          </a:prstGeom>
-        </p:spPr>
-      </p:pic>
-      <p:pic>
-        <p:nvPicPr>
-          <p:cNvPr id="8" name="Imagen 7"/>
-          <p:cNvPicPr>
-            <a:picLocks noChangeAspect="1"/>
-          </p:cNvPicPr>
-          <p:nvPr/>
-        </p:nvPicPr>
-        <p:blipFill>
-          <a:blip r:embed="rId3" cstate="print">
-            <a:extLst>
-              <a:ext uri="{28A0092B-C50C-407E-A947-70E740481C1C}">
-                <a14:useLocalDpi xmlns:a14="http://schemas.microsoft.com/office/drawing/2010/main" val="0"/>
-              </a:ext>
-            </a:extLst>
-          </a:blip>
-          <a:stretch>
-            <a:fillRect/>
-          </a:stretch>
-        </p:blipFill>
-        <p:spPr>
-          <a:xfrm>
-            <a:off x="2438400" y="4028303"/>
-            <a:ext cx="3405316" cy="2270211"/>
-          </a:xfrm>
-          <a:prstGeom prst="rect">
-            <a:avLst/>
-          </a:prstGeom>
-        </p:spPr>
-      </p:pic>
-    </p:spTree>
-  </p:cSld>
-  <p:clrMapOvr>
-    <a:masterClrMapping/>
-  </p:clrMapOvr>
-</p:sld>
-</file>
-
-<file path=ppt/slides/slide5.xml><?xml version="1.0" encoding="utf-8"?>
-<p:sld xmlns:a="http://schemas.openxmlformats.org/drawingml/2006/main" xmlns:r="http://schemas.openxmlformats.org/officeDocument/2006/relationships" xmlns:p="http://schemas.openxmlformats.org/presentationml/2006/main">
-  <p:cSld>
-    <p:spTree>
-      <p:nvGrpSpPr>
-        <p:cNvPr id="1" name=""/>
-        <p:cNvGrpSpPr/>
-        <p:nvPr/>
-      </p:nvGrpSpPr>
-      <p:grpSpPr>
-        <a:xfrm>
-          <a:off x="0" y="0"/>
-          <a:ext cx="0" cy="0"/>
-          <a:chOff x="0" y="0"/>
-          <a:chExt cx="0" cy="0"/>
-        </a:xfrm>
-      </p:grpSpPr>
-      <p:sp>
-        <p:nvSpPr>
-          <p:cNvPr id="2" name="Title 1"/>
-          <p:cNvSpPr>
-            <a:spLocks noGrp="1"/>
-          </p:cNvSpPr>
-          <p:nvPr>
-            <p:ph type="title"/>
-          </p:nvPr>
-        </p:nvSpPr>
-        <p:spPr/>
-        <p:txBody>
-          <a:bodyPr/>
-          <a:lstStyle/>
-          <a:p>
-            <a:r>
-              <a:rPr lang="" altLang="en-US" dirty="0"/>
-              <a:t>¿Qué problemas solucionará SSOP?</a:t>
-            </a:r>
-            <a:endParaRPr lang="en-US" altLang="en-US" dirty="0"/>
-          </a:p>
-        </p:txBody>
-      </p:sp>
-      <p:sp>
-        <p:nvSpPr>
-          <p:cNvPr id="4" name="Content Placeholder 2"/>
-          <p:cNvSpPr txBox="1">
-            <a:spLocks/>
-          </p:cNvSpPr>
-          <p:nvPr/>
-        </p:nvSpPr>
-        <p:spPr>
-          <a:xfrm>
-            <a:off x="2349440" y="2825578"/>
-            <a:ext cx="9331814" cy="930875"/>
-          </a:xfrm>
-          <a:prstGeom prst="rect">
-            <a:avLst/>
-          </a:prstGeom>
-        </p:spPr>
-        <p:txBody>
-          <a:bodyPr vert="horz" lIns="91440" tIns="45720" rIns="91440" bIns="45720" rtlCol="0">
-            <a:normAutofit/>
-          </a:bodyPr>
-          <a:lstStyle>
-            <a:lvl1pPr marL="342900" indent="-342900" algn="l" defTabSz="457200" rtl="0" eaLnBrk="1" latinLnBrk="0" hangingPunct="1">
-              <a:spcBef>
-                <a:spcPts val="1000"/>
-              </a:spcBef>
-              <a:spcAft>
-                <a:spcPts val="0"/>
-              </a:spcAft>
-              <a:buClr>
-                <a:schemeClr val="accent1"/>
-              </a:buClr>
-              <a:buSzPct val="80000"/>
-              <a:buFont typeface="Wingdings 3" charset="2"/>
-              <a:buChar char=""/>
-              <a:defRPr sz="1800" b="0" i="0" kern="1200">
-                <a:solidFill>
-                  <a:schemeClr val="tx1">
-                    <a:lumMod val="75000"/>
-                    <a:lumOff val="25000"/>
-                  </a:schemeClr>
-                </a:solidFill>
-                <a:latin typeface="+mn-lt"/>
-                <a:ea typeface="+mn-ea"/>
-                <a:cs typeface="+mn-cs"/>
-              </a:defRPr>
-            </a:lvl1pPr>
-            <a:lvl2pPr marL="742950" indent="-285750" algn="l" defTabSz="457200" rtl="0" eaLnBrk="1" latinLnBrk="0" hangingPunct="1">
-              <a:spcBef>
-                <a:spcPts val="1000"/>
-              </a:spcBef>
-              <a:spcAft>
-                <a:spcPts val="0"/>
-              </a:spcAft>
-              <a:buClr>
-                <a:schemeClr val="accent1"/>
-              </a:buClr>
-              <a:buSzPct val="80000"/>
-              <a:buFont typeface="Wingdings 3" charset="2"/>
-              <a:buChar char=""/>
-              <a:defRPr sz="1600" b="0" i="0" kern="1200">
-                <a:solidFill>
-                  <a:schemeClr val="tx1">
-                    <a:lumMod val="75000"/>
-                    <a:lumOff val="25000"/>
-                  </a:schemeClr>
-                </a:solidFill>
-                <a:latin typeface="+mn-lt"/>
-                <a:ea typeface="+mn-ea"/>
-                <a:cs typeface="+mn-cs"/>
-              </a:defRPr>
-            </a:lvl2pPr>
-            <a:lvl3pPr marL="1143000" indent="-228600" algn="l" defTabSz="457200" rtl="0" eaLnBrk="1" latinLnBrk="0" hangingPunct="1">
-              <a:spcBef>
-                <a:spcPts val="1000"/>
-              </a:spcBef>
-              <a:spcAft>
-                <a:spcPts val="0"/>
-              </a:spcAft>
-              <a:buClr>
-                <a:schemeClr val="accent1"/>
-              </a:buClr>
-              <a:buSzPct val="80000"/>
-              <a:buFont typeface="Wingdings 3" charset="2"/>
-              <a:buChar char=""/>
-              <a:defRPr sz="1400" b="0" i="0" kern="1200">
-                <a:solidFill>
-                  <a:schemeClr val="tx1">
-                    <a:lumMod val="75000"/>
-                    <a:lumOff val="25000"/>
-                  </a:schemeClr>
-                </a:solidFill>
-                <a:latin typeface="+mn-lt"/>
-                <a:ea typeface="+mn-ea"/>
-                <a:cs typeface="+mn-cs"/>
-              </a:defRPr>
-            </a:lvl3pPr>
-            <a:lvl4pPr marL="1600200" indent="-228600" algn="l" defTabSz="457200" rtl="0" eaLnBrk="1" latinLnBrk="0" hangingPunct="1">
-              <a:spcBef>
-                <a:spcPts val="1000"/>
-              </a:spcBef>
-              <a:spcAft>
-                <a:spcPts val="0"/>
-              </a:spcAft>
-              <a:buClr>
-                <a:schemeClr val="accent1"/>
-              </a:buClr>
-              <a:buSzPct val="80000"/>
-              <a:buFont typeface="Wingdings 3" charset="2"/>
-              <a:buChar char=""/>
-              <a:defRPr sz="1200" b="0" i="0" kern="1200">
-                <a:solidFill>
-                  <a:schemeClr val="tx1">
-                    <a:lumMod val="75000"/>
-                    <a:lumOff val="25000"/>
-                  </a:schemeClr>
-                </a:solidFill>
-                <a:latin typeface="+mn-lt"/>
-                <a:ea typeface="+mn-ea"/>
-                <a:cs typeface="+mn-cs"/>
-              </a:defRPr>
-            </a:lvl4pPr>
-            <a:lvl5pPr marL="2057400" indent="-228600" algn="l" defTabSz="457200" rtl="0" eaLnBrk="1" latinLnBrk="0" hangingPunct="1">
-              <a:spcBef>
-                <a:spcPts val="1000"/>
-              </a:spcBef>
-              <a:spcAft>
-                <a:spcPts val="0"/>
-              </a:spcAft>
-              <a:buClr>
-                <a:schemeClr val="accent1"/>
-              </a:buClr>
-              <a:buSzPct val="80000"/>
-              <a:buFont typeface="Wingdings 3" charset="2"/>
-              <a:buChar char=""/>
-              <a:defRPr sz="1200" b="0" i="0" kern="1200">
-                <a:solidFill>
-                  <a:schemeClr val="tx1">
-                    <a:lumMod val="75000"/>
-                    <a:lumOff val="25000"/>
-                  </a:schemeClr>
-                </a:solidFill>
-                <a:latin typeface="+mn-lt"/>
-                <a:ea typeface="+mn-ea"/>
-                <a:cs typeface="+mn-cs"/>
-              </a:defRPr>
-            </a:lvl5pPr>
-            <a:lvl6pPr marL="2514600" indent="-228600" algn="l" defTabSz="457200" rtl="0" eaLnBrk="1" latinLnBrk="0" hangingPunct="1">
-              <a:spcBef>
-                <a:spcPts val="1000"/>
-              </a:spcBef>
-              <a:spcAft>
-                <a:spcPts val="0"/>
-              </a:spcAft>
-              <a:buClr>
-                <a:schemeClr val="accent1"/>
-              </a:buClr>
-              <a:buSzPct val="80000"/>
-              <a:buFont typeface="Wingdings 3" charset="2"/>
-              <a:buChar char=""/>
-              <a:defRPr sz="1200" b="0" i="0" kern="1200">
-                <a:solidFill>
-                  <a:schemeClr val="tx1">
-                    <a:lumMod val="75000"/>
-                    <a:lumOff val="25000"/>
-                  </a:schemeClr>
-                </a:solidFill>
-                <a:latin typeface="+mn-lt"/>
-                <a:ea typeface="+mn-ea"/>
-                <a:cs typeface="+mn-cs"/>
-              </a:defRPr>
-            </a:lvl6pPr>
-            <a:lvl7pPr marL="2971800" indent="-228600" algn="l" defTabSz="457200" rtl="0" eaLnBrk="1" latinLnBrk="0" hangingPunct="1">
-              <a:spcBef>
-                <a:spcPts val="1000"/>
-              </a:spcBef>
-              <a:spcAft>
-                <a:spcPts val="0"/>
-              </a:spcAft>
-              <a:buClr>
-                <a:schemeClr val="accent1"/>
-              </a:buClr>
-              <a:buSzPct val="80000"/>
-              <a:buFont typeface="Wingdings 3" charset="2"/>
-              <a:buChar char=""/>
-              <a:defRPr sz="1200" b="0" i="0" kern="1200">
-                <a:solidFill>
-                  <a:schemeClr val="tx1">
-                    <a:lumMod val="75000"/>
-                    <a:lumOff val="25000"/>
-                  </a:schemeClr>
-                </a:solidFill>
-                <a:latin typeface="+mn-lt"/>
-                <a:ea typeface="+mn-ea"/>
-                <a:cs typeface="+mn-cs"/>
-              </a:defRPr>
-            </a:lvl7pPr>
-            <a:lvl8pPr marL="3429000" indent="-228600" algn="l" defTabSz="457200" rtl="0" eaLnBrk="1" latinLnBrk="0" hangingPunct="1">
-              <a:spcBef>
-                <a:spcPts val="1000"/>
-              </a:spcBef>
-              <a:spcAft>
-                <a:spcPts val="0"/>
-              </a:spcAft>
-              <a:buClr>
-                <a:schemeClr val="accent1"/>
-              </a:buClr>
-              <a:buSzPct val="80000"/>
-              <a:buFont typeface="Wingdings 3" charset="2"/>
-              <a:buChar char=""/>
-              <a:defRPr sz="1200" b="0" i="0" kern="1200">
-                <a:solidFill>
-                  <a:schemeClr val="tx1">
-                    <a:lumMod val="75000"/>
-                    <a:lumOff val="25000"/>
-                  </a:schemeClr>
-                </a:solidFill>
-                <a:latin typeface="+mn-lt"/>
-                <a:ea typeface="+mn-ea"/>
-                <a:cs typeface="+mn-cs"/>
-              </a:defRPr>
-            </a:lvl8pPr>
-            <a:lvl9pPr marL="3886200" indent="-228600" algn="l" defTabSz="457200" rtl="0" eaLnBrk="1" latinLnBrk="0" hangingPunct="1">
-              <a:spcBef>
-                <a:spcPts val="1000"/>
-              </a:spcBef>
-              <a:spcAft>
-                <a:spcPts val="0"/>
-              </a:spcAft>
-              <a:buClr>
-                <a:schemeClr val="accent1"/>
-              </a:buClr>
-              <a:buSzPct val="80000"/>
-              <a:buFont typeface="Wingdings 3" charset="2"/>
-              <a:buChar char=""/>
-              <a:defRPr sz="1200" b="0" i="0" kern="1200">
-                <a:solidFill>
-                  <a:schemeClr val="tx1">
-                    <a:lumMod val="75000"/>
-                    <a:lumOff val="25000"/>
-                  </a:schemeClr>
-                </a:solidFill>
-                <a:latin typeface="+mn-lt"/>
-                <a:ea typeface="+mn-ea"/>
-                <a:cs typeface="+mn-cs"/>
-              </a:defRPr>
-            </a:lvl9pPr>
-          </a:lstStyle>
-          <a:p>
-            <a:pPr marL="0" indent="0" algn="just">
-              <a:buNone/>
-            </a:pPr>
-            <a:r>
-              <a:rPr lang="es-ES" dirty="0"/>
-              <a:t>En cualquiera de estos casos, perdemos la oportunidad de utilizar estos servicios para nuestro día a día. Nos provocan más problemas</a:t>
-            </a:r>
-            <a:endParaRPr lang="es-ES" dirty="0" smtClean="0"/>
-          </a:p>
-        </p:txBody>
-      </p:sp>
-      <p:sp>
-        <p:nvSpPr>
-          <p:cNvPr id="6" name="Elipse 5"/>
-          <p:cNvSpPr/>
-          <p:nvPr/>
-        </p:nvSpPr>
-        <p:spPr>
-          <a:xfrm>
-            <a:off x="1260389" y="2825578"/>
-            <a:ext cx="807308" cy="782595"/>
-          </a:xfrm>
-          <a:prstGeom prst="ellipse">
-            <a:avLst/>
-          </a:prstGeom>
-        </p:spPr>
-        <p:style>
-          <a:lnRef idx="2">
-            <a:schemeClr val="accent1">
-              <a:shade val="50000"/>
-            </a:schemeClr>
-          </a:lnRef>
-          <a:fillRef idx="1">
-            <a:schemeClr val="accent1"/>
-          </a:fillRef>
-          <a:effectRef idx="0">
-            <a:schemeClr val="accent1"/>
-          </a:effectRef>
-          <a:fontRef idx="minor">
-            <a:schemeClr val="lt1"/>
-          </a:fontRef>
-        </p:style>
-        <p:txBody>
-          <a:bodyPr rtlCol="0" anchor="ctr"/>
-          <a:lstStyle/>
-          <a:p>
-            <a:pPr algn="ctr"/>
-            <a:r>
-              <a:rPr lang="es-ES" dirty="0"/>
-              <a:t>3</a:t>
-            </a:r>
-            <a:endParaRPr lang="es-ES" dirty="0"/>
-          </a:p>
-        </p:txBody>
-      </p:sp>
-      <p:grpSp>
-        <p:nvGrpSpPr>
-          <p:cNvPr id="22" name="Grupo 21"/>
-          <p:cNvGrpSpPr/>
-          <p:nvPr/>
-        </p:nvGrpSpPr>
-        <p:grpSpPr>
-          <a:xfrm>
-            <a:off x="4374292" y="4027930"/>
-            <a:ext cx="3405316" cy="2270212"/>
-            <a:chOff x="4374292" y="4027930"/>
-            <a:chExt cx="3405316" cy="2270212"/>
-          </a:xfrm>
-        </p:grpSpPr>
-        <p:pic>
-          <p:nvPicPr>
-            <p:cNvPr id="8" name="Imagen 7"/>
-            <p:cNvPicPr>
-              <a:picLocks noChangeAspect="1"/>
-            </p:cNvPicPr>
-            <p:nvPr/>
-          </p:nvPicPr>
-          <p:blipFill>
-            <a:blip r:embed="rId2" cstate="print">
-              <a:extLst>
-                <a:ext uri="{28A0092B-C50C-407E-A947-70E740481C1C}">
-                  <a14:useLocalDpi xmlns:a14="http://schemas.microsoft.com/office/drawing/2010/main" val="0"/>
-                </a:ext>
-              </a:extLst>
-            </a:blip>
-            <a:stretch>
-              <a:fillRect/>
-            </a:stretch>
-          </p:blipFill>
-          <p:spPr>
-            <a:xfrm>
-              <a:off x="4374292" y="4027931"/>
-              <a:ext cx="3405316" cy="2270211"/>
-            </a:xfrm>
-            <a:prstGeom prst="rect">
-              <a:avLst/>
-            </a:prstGeom>
-          </p:spPr>
-        </p:pic>
-        <p:cxnSp>
-          <p:nvCxnSpPr>
-            <p:cNvPr id="10" name="Conector recto 9"/>
-            <p:cNvCxnSpPr/>
-            <p:nvPr/>
-          </p:nvCxnSpPr>
-          <p:spPr>
-            <a:xfrm flipV="1">
-              <a:off x="4374292" y="4027931"/>
-              <a:ext cx="3405316" cy="2270211"/>
-            </a:xfrm>
-            <a:prstGeom prst="line">
-              <a:avLst/>
-            </a:prstGeom>
-          </p:spPr>
-          <p:style>
-            <a:lnRef idx="1">
-              <a:schemeClr val="accent1"/>
-            </a:lnRef>
-            <a:fillRef idx="0">
-              <a:schemeClr val="accent1"/>
-            </a:fillRef>
-            <a:effectRef idx="0">
-              <a:schemeClr val="accent1"/>
-            </a:effectRef>
-            <a:fontRef idx="minor">
-              <a:schemeClr val="tx1"/>
-            </a:fontRef>
-          </p:style>
-        </p:cxnSp>
-        <p:cxnSp>
-          <p:nvCxnSpPr>
-            <p:cNvPr id="11" name="Conector recto 10"/>
-            <p:cNvCxnSpPr/>
-            <p:nvPr/>
-          </p:nvCxnSpPr>
-          <p:spPr>
-            <a:xfrm>
-              <a:off x="4374292" y="4027930"/>
-              <a:ext cx="3405316" cy="2270211"/>
-            </a:xfrm>
-            <a:prstGeom prst="line">
-              <a:avLst/>
-            </a:prstGeom>
-          </p:spPr>
-          <p:style>
-            <a:lnRef idx="1">
-              <a:schemeClr val="accent1"/>
-            </a:lnRef>
-            <a:fillRef idx="0">
-              <a:schemeClr val="accent1"/>
-            </a:fillRef>
-            <a:effectRef idx="0">
-              <a:schemeClr val="accent1"/>
-            </a:effectRef>
-            <a:fontRef idx="minor">
-              <a:schemeClr val="tx1"/>
-            </a:fontRef>
-          </p:style>
-        </p:cxnSp>
-      </p:grpSp>
-      <p:grpSp>
-        <p:nvGrpSpPr>
-          <p:cNvPr id="14" name="Grupo 13"/>
-          <p:cNvGrpSpPr/>
-          <p:nvPr/>
-        </p:nvGrpSpPr>
-        <p:grpSpPr>
-          <a:xfrm>
-            <a:off x="8031335" y="4027930"/>
-            <a:ext cx="3406430" cy="2270583"/>
-            <a:chOff x="7413497" y="4028302"/>
-            <a:chExt cx="3406430" cy="2270583"/>
-          </a:xfrm>
-        </p:grpSpPr>
-        <p:pic>
-          <p:nvPicPr>
-            <p:cNvPr id="7" name="Imagen 6"/>
-            <p:cNvPicPr>
-              <a:picLocks noChangeAspect="1"/>
-            </p:cNvPicPr>
-            <p:nvPr/>
-          </p:nvPicPr>
-          <p:blipFill>
-            <a:blip r:embed="rId3" cstate="print">
-              <a:extLst>
-                <a:ext uri="{28A0092B-C50C-407E-A947-70E740481C1C}">
-                  <a14:useLocalDpi xmlns:a14="http://schemas.microsoft.com/office/drawing/2010/main" val="0"/>
-                </a:ext>
-              </a:extLst>
-            </a:blip>
-            <a:stretch>
-              <a:fillRect/>
-            </a:stretch>
-          </p:blipFill>
-          <p:spPr>
-            <a:xfrm>
-              <a:off x="7414054" y="4028303"/>
-              <a:ext cx="3405873" cy="2270582"/>
-            </a:xfrm>
-            <a:prstGeom prst="rect">
-              <a:avLst/>
-            </a:prstGeom>
-          </p:spPr>
-        </p:pic>
-        <p:cxnSp>
-          <p:nvCxnSpPr>
-            <p:cNvPr id="5" name="Conector recto 4"/>
-            <p:cNvCxnSpPr/>
-            <p:nvPr/>
-          </p:nvCxnSpPr>
-          <p:spPr>
-            <a:xfrm>
-              <a:off x="7414054" y="4028302"/>
-              <a:ext cx="3405316" cy="2270211"/>
-            </a:xfrm>
-            <a:prstGeom prst="line">
-              <a:avLst/>
-            </a:prstGeom>
-          </p:spPr>
-          <p:style>
-            <a:lnRef idx="1">
-              <a:schemeClr val="accent1"/>
-            </a:lnRef>
-            <a:fillRef idx="0">
-              <a:schemeClr val="accent1"/>
-            </a:fillRef>
-            <a:effectRef idx="0">
-              <a:schemeClr val="accent1"/>
-            </a:effectRef>
-            <a:fontRef idx="minor">
-              <a:schemeClr val="tx1"/>
-            </a:fontRef>
-          </p:style>
-        </p:cxnSp>
-        <p:cxnSp>
-          <p:nvCxnSpPr>
-            <p:cNvPr id="12" name="Conector recto 11"/>
-            <p:cNvCxnSpPr/>
-            <p:nvPr/>
-          </p:nvCxnSpPr>
-          <p:spPr>
-            <a:xfrm flipV="1">
-              <a:off x="7413497" y="4028302"/>
-              <a:ext cx="3405316" cy="2270211"/>
-            </a:xfrm>
-            <a:prstGeom prst="line">
-              <a:avLst/>
-            </a:prstGeom>
-          </p:spPr>
-          <p:style>
-            <a:lnRef idx="1">
-              <a:schemeClr val="accent1"/>
-            </a:lnRef>
-            <a:fillRef idx="0">
-              <a:schemeClr val="accent1"/>
-            </a:fillRef>
-            <a:effectRef idx="0">
-              <a:schemeClr val="accent1"/>
-            </a:effectRef>
-            <a:fontRef idx="minor">
-              <a:schemeClr val="tx1"/>
-            </a:fontRef>
-          </p:style>
-        </p:cxnSp>
-      </p:grpSp>
-      <p:grpSp>
-        <p:nvGrpSpPr>
-          <p:cNvPr id="23" name="Grupo 22"/>
-          <p:cNvGrpSpPr/>
-          <p:nvPr/>
-        </p:nvGrpSpPr>
-        <p:grpSpPr>
-          <a:xfrm>
-            <a:off x="1082620" y="4027928"/>
-            <a:ext cx="3039388" cy="2270213"/>
-            <a:chOff x="1082620" y="4027928"/>
-            <a:chExt cx="3039388" cy="2270213"/>
-          </a:xfrm>
-        </p:grpSpPr>
-        <p:pic>
-          <p:nvPicPr>
-            <p:cNvPr id="13" name="Imagen 12"/>
-            <p:cNvPicPr>
-              <a:picLocks noChangeAspect="1"/>
-            </p:cNvPicPr>
-            <p:nvPr/>
-          </p:nvPicPr>
-          <p:blipFill>
-            <a:blip r:embed="rId4" cstate="print">
-              <a:extLst>
-                <a:ext uri="{28A0092B-C50C-407E-A947-70E740481C1C}">
-                  <a14:useLocalDpi xmlns:a14="http://schemas.microsoft.com/office/drawing/2010/main" val="0"/>
-                </a:ext>
-              </a:extLst>
-            </a:blip>
-            <a:stretch>
-              <a:fillRect/>
-            </a:stretch>
-          </p:blipFill>
-          <p:spPr>
-            <a:xfrm>
-              <a:off x="1082620" y="4027929"/>
-              <a:ext cx="3039388" cy="2270211"/>
-            </a:xfrm>
-            <a:prstGeom prst="rect">
-              <a:avLst/>
-            </a:prstGeom>
-          </p:spPr>
-        </p:pic>
-        <p:cxnSp>
-          <p:nvCxnSpPr>
-            <p:cNvPr id="16" name="Conector recto 15"/>
-            <p:cNvCxnSpPr/>
-            <p:nvPr/>
-          </p:nvCxnSpPr>
-          <p:spPr>
-            <a:xfrm flipV="1">
-              <a:off x="1082620" y="4027929"/>
-              <a:ext cx="3039388" cy="2270212"/>
-            </a:xfrm>
-            <a:prstGeom prst="line">
-              <a:avLst/>
-            </a:prstGeom>
-          </p:spPr>
-          <p:style>
-            <a:lnRef idx="1">
-              <a:schemeClr val="accent1"/>
-            </a:lnRef>
-            <a:fillRef idx="0">
-              <a:schemeClr val="accent1"/>
-            </a:fillRef>
-            <a:effectRef idx="0">
-              <a:schemeClr val="accent1"/>
-            </a:effectRef>
-            <a:fontRef idx="minor">
-              <a:schemeClr val="tx1"/>
-            </a:fontRef>
-          </p:style>
-        </p:cxnSp>
-        <p:cxnSp>
-          <p:nvCxnSpPr>
-            <p:cNvPr id="17" name="Conector recto 16"/>
-            <p:cNvCxnSpPr/>
-            <p:nvPr/>
-          </p:nvCxnSpPr>
-          <p:spPr>
-            <a:xfrm>
-              <a:off x="1082620" y="4027928"/>
-              <a:ext cx="3039388" cy="2270212"/>
-            </a:xfrm>
-            <a:prstGeom prst="line">
-              <a:avLst/>
-            </a:prstGeom>
-          </p:spPr>
-          <p:style>
-            <a:lnRef idx="1">
-              <a:schemeClr val="accent1"/>
-            </a:lnRef>
-            <a:fillRef idx="0">
-              <a:schemeClr val="accent1"/>
-            </a:fillRef>
-            <a:effectRef idx="0">
-              <a:schemeClr val="accent1"/>
-            </a:effectRef>
-            <a:fontRef idx="minor">
-              <a:schemeClr val="tx1"/>
-            </a:fontRef>
-          </p:style>
-        </p:cxnSp>
-      </p:grpSp>
-    </p:spTree>
-    <p:extLst>
-      <p:ext uri="{BB962C8B-B14F-4D97-AF65-F5344CB8AC3E}">
-        <p14:creationId xmlns:p14="http://schemas.microsoft.com/office/powerpoint/2010/main" val="1443719203"/>
-      </p:ext>
-    </p:extLst>
-  </p:cSld>
-  <p:clrMapOvr>
-    <a:masterClrMapping/>
-  </p:clrMapOvr>
-</p:sld>
-</file>
-
-<file path=ppt/slides/slide6.xml><?xml version="1.0" encoding="utf-8"?>
-<p:sld xmlns:a="http://schemas.openxmlformats.org/drawingml/2006/main" xmlns:r="http://schemas.openxmlformats.org/officeDocument/2006/relationships" xmlns:p="http://schemas.openxmlformats.org/presentationml/2006/main">
-  <p:cSld>
-    <p:spTree>
-      <p:nvGrpSpPr>
-        <p:cNvPr id="1" name=""/>
-        <p:cNvGrpSpPr/>
-        <p:nvPr/>
-      </p:nvGrpSpPr>
-      <p:grpSpPr>
-        <a:xfrm>
-          <a:off x="0" y="0"/>
-          <a:ext cx="0" cy="0"/>
-          <a:chOff x="0" y="0"/>
-          <a:chExt cx="0" cy="0"/>
-        </a:xfrm>
-      </p:grpSpPr>
-      <p:sp>
-        <p:nvSpPr>
-          <p:cNvPr id="2" name="Title 1"/>
-          <p:cNvSpPr>
-            <a:spLocks noGrp="1"/>
-          </p:cNvSpPr>
-          <p:nvPr>
-            <p:ph type="title"/>
-          </p:nvPr>
-        </p:nvSpPr>
-        <p:spPr/>
-        <p:txBody>
-          <a:bodyPr/>
-          <a:lstStyle/>
-          <a:p>
-            <a:r>
-              <a:rPr lang="en-US" altLang="en-US" dirty="0" err="1" smtClean="0"/>
-              <a:t>Innovación</a:t>
-            </a:r>
-            <a:endParaRPr lang="en-US" altLang="en-US" dirty="0"/>
-          </a:p>
-        </p:txBody>
-      </p:sp>
-      <p:sp>
-        <p:nvSpPr>
-          <p:cNvPr id="10" name="Marcador de contenido 9"/>
-          <p:cNvSpPr>
-            <a:spLocks noGrp="1"/>
-          </p:cNvSpPr>
-          <p:nvPr>
-            <p:ph idx="1"/>
-          </p:nvPr>
-        </p:nvSpPr>
-        <p:spPr/>
-        <p:txBody>
-          <a:bodyPr>
-            <a:normAutofit/>
-          </a:bodyPr>
-          <a:lstStyle/>
-          <a:p>
-            <a:r>
-              <a:rPr lang="es-ES" dirty="0"/>
-              <a:t>Nuestra herramienta ofrece un sistema para la autenticación del </a:t>
-            </a:r>
-            <a:r>
-              <a:rPr lang="es-ES" dirty="0" smtClean="0"/>
-              <a:t>usuario. </a:t>
-            </a:r>
-          </a:p>
-          <a:p>
-            <a:r>
-              <a:rPr lang="es-ES" dirty="0" smtClean="0"/>
-              <a:t>Validamos </a:t>
-            </a:r>
-            <a:r>
-              <a:rPr lang="es-ES" dirty="0"/>
-              <a:t>su legitimidad de forma certificada y segura en tres </a:t>
-            </a:r>
-            <a:r>
-              <a:rPr lang="es-ES" dirty="0" smtClean="0"/>
-              <a:t>niveles:</a:t>
-            </a:r>
-          </a:p>
-          <a:p>
-            <a:pPr lvl="1"/>
-            <a:r>
-              <a:rPr lang="es-ES" dirty="0" smtClean="0"/>
-              <a:t>Terminal móvil</a:t>
-            </a:r>
-          </a:p>
-          <a:p>
-            <a:pPr lvl="1"/>
-            <a:r>
-              <a:rPr lang="es-ES" dirty="0" smtClean="0"/>
-              <a:t>Patrón / Pin / SMS</a:t>
-            </a:r>
-          </a:p>
-          <a:p>
-            <a:pPr lvl="1"/>
-            <a:r>
-              <a:rPr lang="es-ES" dirty="0" smtClean="0"/>
-              <a:t>Biometría</a:t>
-            </a:r>
-          </a:p>
-          <a:p>
-            <a:pPr marL="457200" lvl="1" indent="0">
-              <a:buNone/>
-            </a:pPr>
-            <a:endParaRPr lang="es-ES" dirty="0" smtClean="0"/>
-          </a:p>
-          <a:p>
-            <a:r>
-              <a:rPr lang="es-ES" dirty="0"/>
-              <a:t>Con esa información se cotejarán los datos en un sistema de información centralizado que asegure la fiabilidad de la autenticación.</a:t>
-            </a:r>
-            <a:endParaRPr lang="es-ES" dirty="0" smtClean="0"/>
-          </a:p>
-          <a:p>
-            <a:pPr lvl="1"/>
-            <a:endParaRPr lang="es-ES" dirty="0" smtClean="0"/>
-          </a:p>
-        </p:txBody>
-      </p:sp>
-    </p:spTree>
-    <p:extLst>
-      <p:ext uri="{BB962C8B-B14F-4D97-AF65-F5344CB8AC3E}">
-        <p14:creationId xmlns:p14="http://schemas.microsoft.com/office/powerpoint/2010/main" val="3186737550"/>
-      </p:ext>
-    </p:extLst>
-  </p:cSld>
-  <p:clrMapOvr>
-    <a:masterClrMapping/>
-  </p:clrMapOvr>
-</p:sld>
-</file>
-
-<file path=ppt/slides/slide7.xml><?xml version="1.0" encoding="utf-8"?>
-<p:sld xmlns:a="http://schemas.openxmlformats.org/drawingml/2006/main" xmlns:r="http://schemas.openxmlformats.org/officeDocument/2006/relationships" xmlns:p="http://schemas.openxmlformats.org/presentationml/2006/main">
-  <p:cSld>
-    <p:spTree>
-      <p:nvGrpSpPr>
-        <p:cNvPr id="1" name=""/>
-        <p:cNvGrpSpPr/>
-        <p:nvPr/>
-      </p:nvGrpSpPr>
-      <p:grpSpPr>
-        <a:xfrm>
-          <a:off x="0" y="0"/>
-          <a:ext cx="0" cy="0"/>
-          <a:chOff x="0" y="0"/>
-          <a:chExt cx="0" cy="0"/>
-        </a:xfrm>
-      </p:grpSpPr>
-      <p:sp>
-        <p:nvSpPr>
-          <p:cNvPr id="2" name="Title 1"/>
-          <p:cNvSpPr>
-            <a:spLocks noGrp="1"/>
-          </p:cNvSpPr>
-          <p:nvPr>
-            <p:ph type="title"/>
-          </p:nvPr>
-        </p:nvSpPr>
-        <p:spPr/>
-        <p:txBody>
-          <a:bodyPr/>
-          <a:lstStyle/>
-          <a:p>
-            <a:r>
-              <a:rPr lang="en-US" altLang="en-US" dirty="0" err="1" smtClean="0"/>
-              <a:t>Comparativa</a:t>
-            </a:r>
-            <a:endParaRPr lang="en-US" altLang="en-US" dirty="0"/>
-          </a:p>
-        </p:txBody>
-      </p:sp>
-      <p:sp>
-        <p:nvSpPr>
-          <p:cNvPr id="10" name="Marcador de contenido 9"/>
-          <p:cNvSpPr>
-            <a:spLocks noGrp="1"/>
-          </p:cNvSpPr>
-          <p:nvPr>
-            <p:ph idx="1"/>
-          </p:nvPr>
-        </p:nvSpPr>
-        <p:spPr/>
-        <p:txBody>
-          <a:bodyPr>
-            <a:normAutofit/>
-          </a:bodyPr>
-          <a:lstStyle/>
-          <a:p>
-            <a:r>
-              <a:rPr lang="es-ES" dirty="0" smtClean="0"/>
-              <a:t>Por ejemplo existe la </a:t>
-            </a:r>
-            <a:r>
-              <a:rPr lang="es-ES" dirty="0" err="1" smtClean="0"/>
-              <a:t>app</a:t>
-            </a:r>
-            <a:r>
-              <a:rPr lang="es-ES" dirty="0" smtClean="0"/>
-              <a:t> </a:t>
-            </a:r>
-            <a:r>
-              <a:rPr lang="es-ES" dirty="0" err="1" smtClean="0"/>
-              <a:t>Yoti</a:t>
-            </a:r>
-            <a:r>
-              <a:rPr lang="es-ES" dirty="0" smtClean="0"/>
-              <a:t> la cual se basa en almacenar en el terminal móvil del usuario las diferentes credenciales, tarjetas o datos sensibles del usuario. Por lo que si el usuario pierde el teléfono o se le rompe, </a:t>
-            </a:r>
-            <a:r>
-              <a:rPr lang="es-ES" b="1" dirty="0" smtClean="0"/>
-              <a:t>pierde todo</a:t>
-            </a:r>
-            <a:r>
-              <a:rPr lang="es-ES" dirty="0" smtClean="0"/>
-              <a:t>.</a:t>
-            </a:r>
-          </a:p>
-          <a:p>
-            <a:r>
-              <a:rPr lang="es-ES" dirty="0"/>
-              <a:t>SOPP soluciona la necesidad de almacenar las credenciales del usuario en un terminal o de forma física, otorgando </a:t>
-            </a:r>
-            <a:r>
-              <a:rPr lang="es-ES" b="1" dirty="0"/>
-              <a:t>acceso universal </a:t>
-            </a:r>
-            <a:r>
-              <a:rPr lang="es-ES" dirty="0"/>
-              <a:t>y desde </a:t>
-            </a:r>
-            <a:r>
-              <a:rPr lang="es-ES" b="1" dirty="0"/>
-              <a:t>cualquier plataforma </a:t>
-            </a:r>
-            <a:r>
-              <a:rPr lang="es-ES" dirty="0"/>
-              <a:t>a esos datos para poder realizar la autenticación</a:t>
-            </a:r>
-            <a:endParaRPr lang="es-ES" dirty="0" smtClean="0"/>
-          </a:p>
-          <a:p>
-            <a:r>
-              <a:rPr lang="es-ES" dirty="0" smtClean="0"/>
-              <a:t>SSOP utiliza 3 factores de autenticación y son </a:t>
-            </a:r>
-            <a:r>
-              <a:rPr lang="es-ES" dirty="0" err="1" smtClean="0"/>
-              <a:t>encriptadas</a:t>
-            </a:r>
-            <a:r>
-              <a:rPr lang="es-ES" dirty="0" smtClean="0"/>
-              <a:t> para su validación en el sistema central.</a:t>
-            </a:r>
-          </a:p>
-        </p:txBody>
-      </p:sp>
-    </p:spTree>
-    <p:extLst>
-      <p:ext uri="{BB962C8B-B14F-4D97-AF65-F5344CB8AC3E}">
-        <p14:creationId xmlns:p14="http://schemas.microsoft.com/office/powerpoint/2010/main" val="164666127"/>
-      </p:ext>
-    </p:extLst>
-  </p:cSld>
-  <p:clrMapOvr>
-    <a:masterClrMapping/>
-  </p:clrMapOvr>
-</p:sld>
-</file>
-
-<file path=ppt/slides/slide8.xml><?xml version="1.0" encoding="utf-8"?>
-<p:sld xmlns:a="http://schemas.openxmlformats.org/drawingml/2006/main" xmlns:r="http://schemas.openxmlformats.org/officeDocument/2006/relationships" xmlns:p="http://schemas.openxmlformats.org/presentationml/2006/main">
-  <p:cSld>
-    <p:spTree>
-      <p:nvGrpSpPr>
-        <p:cNvPr id="1" name=""/>
-        <p:cNvGrpSpPr/>
-        <p:nvPr/>
-      </p:nvGrpSpPr>
-      <p:grpSpPr>
-        <a:xfrm>
-          <a:off x="0" y="0"/>
-          <a:ext cx="0" cy="0"/>
-          <a:chOff x="0" y="0"/>
-          <a:chExt cx="0" cy="0"/>
-        </a:xfrm>
-      </p:grpSpPr>
-      <p:sp>
-        <p:nvSpPr>
-          <p:cNvPr id="2" name="Title 1"/>
-          <p:cNvSpPr>
-            <a:spLocks noGrp="1"/>
-          </p:cNvSpPr>
-          <p:nvPr>
-            <p:ph type="title"/>
-          </p:nvPr>
-        </p:nvSpPr>
-        <p:spPr/>
-        <p:txBody>
-          <a:bodyPr/>
-          <a:lstStyle/>
-          <a:p>
-            <a:r>
-              <a:rPr lang="" altLang="en-US"/>
-              <a:t>Estado actual</a:t>
-            </a:r>
-          </a:p>
-        </p:txBody>
-      </p:sp>
-      <p:pic>
-        <p:nvPicPr>
-          <p:cNvPr id="5" name="Imagen 4"/>
-          <p:cNvPicPr>
-            <a:picLocks noChangeAspect="1"/>
-          </p:cNvPicPr>
-          <p:nvPr/>
-        </p:nvPicPr>
-        <p:blipFill>
-          <a:blip r:embed="rId2" cstate="print">
-            <a:extLst>
-              <a:ext uri="{28A0092B-C50C-407E-A947-70E740481C1C}">
-                <a14:useLocalDpi xmlns:a14="http://schemas.microsoft.com/office/drawing/2010/main" val="0"/>
-              </a:ext>
-            </a:extLst>
-          </a:blip>
-          <a:stretch>
-            <a:fillRect/>
-          </a:stretch>
-        </p:blipFill>
-        <p:spPr>
-          <a:xfrm>
-            <a:off x="1013253" y="2512540"/>
-            <a:ext cx="3801359" cy="3801359"/>
-          </a:xfrm>
-          <a:prstGeom prst="rect">
-            <a:avLst/>
-          </a:prstGeom>
-        </p:spPr>
-      </p:pic>
-      <p:sp>
-        <p:nvSpPr>
-          <p:cNvPr id="6" name="CuadroTexto 5"/>
-          <p:cNvSpPr txBox="1"/>
-          <p:nvPr/>
-        </p:nvSpPr>
-        <p:spPr>
-          <a:xfrm>
-            <a:off x="6173809" y="2743204"/>
-            <a:ext cx="4950394" cy="523220"/>
-          </a:xfrm>
-          <a:prstGeom prst="rect">
-            <a:avLst/>
-          </a:prstGeom>
-          <a:noFill/>
-        </p:spPr>
-        <p:txBody>
-          <a:bodyPr wrap="none" rtlCol="0">
-            <a:spAutoFit/>
-          </a:bodyPr>
-          <a:lstStyle/>
-          <a:p>
-            <a:r>
-              <a:rPr lang="es-ES" sz="2800" b="1" dirty="0" smtClean="0">
-                <a:solidFill>
-                  <a:srgbClr val="7030A0"/>
-                </a:solidFill>
-                <a:latin typeface="+mj-lt"/>
-              </a:rPr>
-              <a:t>Trabajo de documentación</a:t>
-            </a:r>
-            <a:endParaRPr lang="es-ES" sz="2800" b="1" dirty="0">
-              <a:solidFill>
-                <a:srgbClr val="7030A0"/>
-              </a:solidFill>
-              <a:latin typeface="+mj-lt"/>
-            </a:endParaRPr>
-          </a:p>
-        </p:txBody>
-      </p:sp>
-      <p:sp>
-        <p:nvSpPr>
-          <p:cNvPr id="7" name="CuadroTexto 6"/>
-          <p:cNvSpPr txBox="1"/>
-          <p:nvPr/>
-        </p:nvSpPr>
-        <p:spPr>
-          <a:xfrm>
-            <a:off x="6173809" y="3266424"/>
-            <a:ext cx="4151870" cy="2169825"/>
-          </a:xfrm>
-          <a:prstGeom prst="rect">
-            <a:avLst/>
-          </a:prstGeom>
-          <a:noFill/>
-        </p:spPr>
-        <p:txBody>
-          <a:bodyPr wrap="square" rtlCol="0">
-            <a:spAutoFit/>
-          </a:bodyPr>
-          <a:lstStyle/>
-          <a:p>
-            <a:pPr marL="285750" indent="-285750">
-              <a:lnSpc>
-                <a:spcPct val="150000"/>
-              </a:lnSpc>
-              <a:buFont typeface="Arial" panose="020B0604020202020204" pitchFamily="34" charset="0"/>
-              <a:buChar char="•"/>
-            </a:pPr>
-            <a:r>
-              <a:rPr lang="es-ES" dirty="0" smtClean="0"/>
-              <a:t>Biometría</a:t>
-            </a:r>
-          </a:p>
-          <a:p>
-            <a:pPr marL="285750" indent="-285750">
-              <a:lnSpc>
-                <a:spcPct val="150000"/>
-              </a:lnSpc>
-              <a:buFont typeface="Arial" panose="020B0604020202020204" pitchFamily="34" charset="0"/>
-              <a:buChar char="•"/>
-            </a:pPr>
-            <a:r>
-              <a:rPr lang="es-ES" dirty="0" smtClean="0"/>
-              <a:t>Sistemas de autenticación</a:t>
-            </a:r>
-          </a:p>
-          <a:p>
-            <a:pPr marL="285750" indent="-285750">
-              <a:lnSpc>
-                <a:spcPct val="150000"/>
-              </a:lnSpc>
-              <a:buFont typeface="Arial" panose="020B0604020202020204" pitchFamily="34" charset="0"/>
-              <a:buChar char="•"/>
-            </a:pPr>
-            <a:r>
-              <a:rPr lang="es-ES" dirty="0" smtClean="0"/>
-              <a:t>Encriptación</a:t>
-            </a:r>
-          </a:p>
-          <a:p>
-            <a:pPr marL="285750" indent="-285750">
-              <a:lnSpc>
-                <a:spcPct val="150000"/>
-              </a:lnSpc>
-              <a:buFont typeface="Arial" panose="020B0604020202020204" pitchFamily="34" charset="0"/>
-              <a:buChar char="•"/>
-            </a:pPr>
-            <a:r>
-              <a:rPr lang="es-ES" dirty="0" smtClean="0"/>
-              <a:t>Certificados</a:t>
-            </a:r>
-          </a:p>
-          <a:p>
-            <a:pPr marL="285750" indent="-285750">
-              <a:lnSpc>
-                <a:spcPct val="150000"/>
-              </a:lnSpc>
-              <a:buFont typeface="Arial" panose="020B0604020202020204" pitchFamily="34" charset="0"/>
-              <a:buChar char="•"/>
-            </a:pPr>
-            <a:r>
-              <a:rPr lang="es-ES" dirty="0" smtClean="0"/>
-              <a:t>Comunicaciones cifradas</a:t>
-            </a:r>
-            <a:endParaRPr lang="es-ES" dirty="0"/>
-          </a:p>
-        </p:txBody>
-      </p:sp>
-    </p:spTree>
-  </p:cSld>
-  <p:clrMapOvr>
-    <a:masterClrMapping/>
-  </p:clrMapOvr>
-</p:sld>
-</file>
-
-<file path=ppt/slides/slide9.xml><?xml version="1.0" encoding="utf-8"?>
-<p:sld xmlns:a="http://schemas.openxmlformats.org/drawingml/2006/main" xmlns:r="http://schemas.openxmlformats.org/officeDocument/2006/relationships" xmlns:p="http://schemas.openxmlformats.org/presentationml/2006/main">
-  <p:cSld>
-    <p:spTree>
-      <p:nvGrpSpPr>
-        <p:cNvPr id="1" name=""/>
-        <p:cNvGrpSpPr/>
-        <p:nvPr/>
-      </p:nvGrpSpPr>
-      <p:grpSpPr>
-        <a:xfrm>
-          <a:off x="0" y="0"/>
-          <a:ext cx="0" cy="0"/>
-          <a:chOff x="0" y="0"/>
-          <a:chExt cx="0" cy="0"/>
-        </a:xfrm>
-      </p:grpSpPr>
-      <p:sp>
-        <p:nvSpPr>
-          <p:cNvPr id="2" name="Title 1"/>
-          <p:cNvSpPr>
-            <a:spLocks noGrp="1"/>
-          </p:cNvSpPr>
-          <p:nvPr>
-            <p:ph type="title"/>
-          </p:nvPr>
-        </p:nvSpPr>
-        <p:spPr/>
-        <p:txBody>
-          <a:bodyPr>
-            <a:normAutofit fontScale="90000"/>
-          </a:bodyPr>
-          <a:lstStyle/>
-          <a:p>
-            <a:r>
-              <a:rPr lang="" altLang="en-US"/>
-              <a:t>Funcionalidades a desarrollar durante el Hackathon</a:t>
-            </a:r>
-          </a:p>
-        </p:txBody>
-      </p:sp>
-      <p:sp>
-        <p:nvSpPr>
-          <p:cNvPr id="3" name="Content Placeholder 2"/>
-          <p:cNvSpPr>
-            <a:spLocks noGrp="1"/>
-          </p:cNvSpPr>
-          <p:nvPr>
-            <p:ph idx="1"/>
-          </p:nvPr>
-        </p:nvSpPr>
         <p:spPr>
           <a:xfrm>
             <a:off x="1154954" y="2603499"/>
@@ -16676,6 +13669,3143 @@
           </a:prstGeom>
         </p:spPr>
       </p:pic>
+    </p:spTree>
+  </p:cSld>
+  <p:clrMapOvr>
+    <a:masterClrMapping/>
+  </p:clrMapOvr>
+</p:sld>
+</file>
+
+<file path=ppt/slides/slide11.xml><?xml version="1.0" encoding="utf-8"?>
+<p:sld xmlns:a="http://schemas.openxmlformats.org/drawingml/2006/main" xmlns:r="http://schemas.openxmlformats.org/officeDocument/2006/relationships" xmlns:p="http://schemas.openxmlformats.org/presentationml/2006/main">
+  <p:cSld>
+    <p:spTree>
+      <p:nvGrpSpPr>
+        <p:cNvPr id="1" name=""/>
+        <p:cNvGrpSpPr/>
+        <p:nvPr/>
+      </p:nvGrpSpPr>
+      <p:grpSpPr>
+        <a:xfrm>
+          <a:off x="0" y="0"/>
+          <a:ext cx="0" cy="0"/>
+          <a:chOff x="0" y="0"/>
+          <a:chExt cx="0" cy="0"/>
+        </a:xfrm>
+      </p:grpSpPr>
+      <p:sp>
+        <p:nvSpPr>
+          <p:cNvPr id="2" name="Title 1"/>
+          <p:cNvSpPr>
+            <a:spLocks noGrp="1"/>
+          </p:cNvSpPr>
+          <p:nvPr>
+            <p:ph type="title"/>
+          </p:nvPr>
+        </p:nvSpPr>
+        <p:spPr/>
+        <p:txBody>
+          <a:bodyPr>
+            <a:normAutofit fontScale="90000"/>
+          </a:bodyPr>
+          <a:lstStyle/>
+          <a:p>
+            <a:r>
+              <a:rPr lang="" altLang="en-US"/>
+              <a:t>Funcionalidades a desarrollar durante el Hackathon</a:t>
+            </a:r>
+          </a:p>
+        </p:txBody>
+      </p:sp>
+      <p:sp>
+        <p:nvSpPr>
+          <p:cNvPr id="3" name="Content Placeholder 2"/>
+          <p:cNvSpPr>
+            <a:spLocks noGrp="1"/>
+          </p:cNvSpPr>
+          <p:nvPr>
+            <p:ph idx="1"/>
+          </p:nvPr>
+        </p:nvSpPr>
+        <p:spPr/>
+        <p:txBody>
+          <a:bodyPr>
+            <a:normAutofit/>
+          </a:bodyPr>
+          <a:lstStyle/>
+          <a:p>
+            <a:r>
+              <a:rPr lang="es-ES" dirty="0"/>
+              <a:t>Implementación del sistema de registro de usuarios</a:t>
+            </a:r>
+          </a:p>
+          <a:p>
+            <a:r>
+              <a:rPr lang="es-ES" dirty="0" smtClean="0"/>
+              <a:t>Implementaremos </a:t>
+            </a:r>
+            <a:r>
+              <a:rPr lang="es-ES" dirty="0"/>
+              <a:t>también, a modo de ejemplo, tres casos de uso reales:</a:t>
+            </a:r>
+          </a:p>
+          <a:p>
+            <a:pPr lvl="1"/>
+            <a:r>
+              <a:rPr lang="es-ES" dirty="0" smtClean="0"/>
+              <a:t>Pagar </a:t>
+            </a:r>
+            <a:r>
+              <a:rPr lang="es-ES" dirty="0"/>
+              <a:t>un producto o servicio utilizando SSOP</a:t>
+            </a:r>
+          </a:p>
+          <a:p>
+            <a:pPr lvl="1"/>
+            <a:r>
+              <a:rPr lang="es-ES" dirty="0" smtClean="0"/>
+              <a:t>Identificar </a:t>
+            </a:r>
+            <a:r>
+              <a:rPr lang="es-ES" dirty="0"/>
+              <a:t>a un usuario y que éste firme un documento</a:t>
+            </a:r>
+          </a:p>
+          <a:p>
+            <a:pPr lvl="1"/>
+            <a:r>
+              <a:rPr lang="es-ES" dirty="0" smtClean="0"/>
+              <a:t>Supondremos </a:t>
+            </a:r>
+            <a:r>
+              <a:rPr lang="es-ES" dirty="0"/>
+              <a:t>un caso de robo de identidad para ver como debe gestionar el usuario el bloqueo de sus datos biométricos</a:t>
+            </a:r>
+            <a:endParaRPr lang="es-ES" dirty="0" smtClean="0"/>
+          </a:p>
+        </p:txBody>
+      </p:sp>
+    </p:spTree>
+    <p:extLst>
+      <p:ext uri="{BB962C8B-B14F-4D97-AF65-F5344CB8AC3E}">
+        <p14:creationId xmlns:p14="http://schemas.microsoft.com/office/powerpoint/2010/main" val="1322983019"/>
+      </p:ext>
+    </p:extLst>
+  </p:cSld>
+  <p:clrMapOvr>
+    <a:masterClrMapping/>
+  </p:clrMapOvr>
+</p:sld>
+</file>
+
+<file path=ppt/slides/slide12.xml><?xml version="1.0" encoding="utf-8"?>
+<p:sld xmlns:a="http://schemas.openxmlformats.org/drawingml/2006/main" xmlns:r="http://schemas.openxmlformats.org/officeDocument/2006/relationships" xmlns:p="http://schemas.openxmlformats.org/presentationml/2006/main">
+  <p:cSld>
+    <p:spTree>
+      <p:nvGrpSpPr>
+        <p:cNvPr id="1" name=""/>
+        <p:cNvGrpSpPr/>
+        <p:nvPr/>
+      </p:nvGrpSpPr>
+      <p:grpSpPr>
+        <a:xfrm>
+          <a:off x="0" y="0"/>
+          <a:ext cx="0" cy="0"/>
+          <a:chOff x="0" y="0"/>
+          <a:chExt cx="0" cy="0"/>
+        </a:xfrm>
+      </p:grpSpPr>
+      <p:sp>
+        <p:nvSpPr>
+          <p:cNvPr id="2" name="Título 1"/>
+          <p:cNvSpPr>
+            <a:spLocks noGrp="1"/>
+          </p:cNvSpPr>
+          <p:nvPr>
+            <p:ph type="title"/>
+          </p:nvPr>
+        </p:nvSpPr>
+        <p:spPr/>
+        <p:txBody>
+          <a:bodyPr/>
+          <a:lstStyle/>
+          <a:p>
+            <a:r>
+              <a:rPr lang="es-ES" dirty="0" smtClean="0"/>
+              <a:t>Time Line</a:t>
+            </a:r>
+            <a:endParaRPr lang="es-ES" dirty="0"/>
+          </a:p>
+        </p:txBody>
+      </p:sp>
+      <p:sp>
+        <p:nvSpPr>
+          <p:cNvPr id="7" name="CuadroTexto 6"/>
+          <p:cNvSpPr txBox="1"/>
+          <p:nvPr/>
+        </p:nvSpPr>
+        <p:spPr>
+          <a:xfrm>
+            <a:off x="2727960" y="2788920"/>
+            <a:ext cx="184731" cy="369332"/>
+          </a:xfrm>
+          <a:prstGeom prst="rect">
+            <a:avLst/>
+          </a:prstGeom>
+          <a:noFill/>
+        </p:spPr>
+        <p:txBody>
+          <a:bodyPr wrap="none" rtlCol="0">
+            <a:spAutoFit/>
+          </a:bodyPr>
+          <a:lstStyle/>
+          <a:p>
+            <a:endParaRPr lang="es-ES" dirty="0"/>
+          </a:p>
+        </p:txBody>
+      </p:sp>
+      <p:pic>
+        <p:nvPicPr>
+          <p:cNvPr id="8" name="Imagen 7"/>
+          <p:cNvPicPr>
+            <a:picLocks noChangeAspect="1"/>
+          </p:cNvPicPr>
+          <p:nvPr/>
+        </p:nvPicPr>
+        <p:blipFill>
+          <a:blip r:embed="rId2"/>
+          <a:stretch>
+            <a:fillRect/>
+          </a:stretch>
+        </p:blipFill>
+        <p:spPr>
+          <a:xfrm>
+            <a:off x="3925225" y="2593976"/>
+            <a:ext cx="4048124" cy="3798842"/>
+          </a:xfrm>
+          <a:prstGeom prst="rect">
+            <a:avLst/>
+          </a:prstGeom>
+        </p:spPr>
+      </p:pic>
+      <p:sp>
+        <p:nvSpPr>
+          <p:cNvPr id="9" name="CuadroTexto 8"/>
+          <p:cNvSpPr txBox="1"/>
+          <p:nvPr/>
+        </p:nvSpPr>
+        <p:spPr>
+          <a:xfrm>
+            <a:off x="5057804" y="2677297"/>
+            <a:ext cx="955711" cy="369332"/>
+          </a:xfrm>
+          <a:prstGeom prst="rect">
+            <a:avLst/>
+          </a:prstGeom>
+          <a:noFill/>
+        </p:spPr>
+        <p:txBody>
+          <a:bodyPr wrap="none" rtlCol="0">
+            <a:spAutoFit/>
+          </a:bodyPr>
+          <a:lstStyle/>
+          <a:p>
+            <a:r>
+              <a:rPr lang="es-ES" dirty="0" smtClean="0"/>
+              <a:t>Jueves</a:t>
+            </a:r>
+            <a:endParaRPr lang="es-ES" dirty="0"/>
+          </a:p>
+        </p:txBody>
+      </p:sp>
+      <p:sp>
+        <p:nvSpPr>
+          <p:cNvPr id="11" name="CuadroTexto 10"/>
+          <p:cNvSpPr txBox="1"/>
+          <p:nvPr/>
+        </p:nvSpPr>
+        <p:spPr>
+          <a:xfrm>
+            <a:off x="5999248" y="2677297"/>
+            <a:ext cx="994183" cy="369332"/>
+          </a:xfrm>
+          <a:prstGeom prst="rect">
+            <a:avLst/>
+          </a:prstGeom>
+          <a:noFill/>
+        </p:spPr>
+        <p:txBody>
+          <a:bodyPr wrap="none" rtlCol="0">
+            <a:spAutoFit/>
+          </a:bodyPr>
+          <a:lstStyle/>
+          <a:p>
+            <a:r>
+              <a:rPr lang="es-ES" dirty="0" smtClean="0"/>
+              <a:t>Viernes</a:t>
+            </a:r>
+            <a:endParaRPr lang="es-ES" dirty="0"/>
+          </a:p>
+        </p:txBody>
+      </p:sp>
+      <p:sp>
+        <p:nvSpPr>
+          <p:cNvPr id="12" name="CuadroTexto 11"/>
+          <p:cNvSpPr txBox="1"/>
+          <p:nvPr/>
+        </p:nvSpPr>
+        <p:spPr>
+          <a:xfrm>
+            <a:off x="6954959" y="2708075"/>
+            <a:ext cx="1018390" cy="338554"/>
+          </a:xfrm>
+          <a:prstGeom prst="rect">
+            <a:avLst/>
+          </a:prstGeom>
+          <a:noFill/>
+        </p:spPr>
+        <p:txBody>
+          <a:bodyPr wrap="square" rtlCol="0">
+            <a:spAutoFit/>
+          </a:bodyPr>
+          <a:lstStyle/>
+          <a:p>
+            <a:r>
+              <a:rPr lang="es-ES" sz="1600" dirty="0" smtClean="0"/>
+              <a:t>Sábado</a:t>
+            </a:r>
+            <a:endParaRPr lang="es-ES" sz="1600" dirty="0"/>
+          </a:p>
+        </p:txBody>
+      </p:sp>
+      <p:sp>
+        <p:nvSpPr>
+          <p:cNvPr id="10" name="CuadroTexto 9"/>
+          <p:cNvSpPr txBox="1"/>
+          <p:nvPr/>
+        </p:nvSpPr>
+        <p:spPr>
+          <a:xfrm>
+            <a:off x="3925225" y="3286898"/>
+            <a:ext cx="1138453" cy="338554"/>
+          </a:xfrm>
+          <a:prstGeom prst="rect">
+            <a:avLst/>
+          </a:prstGeom>
+          <a:noFill/>
+        </p:spPr>
+        <p:txBody>
+          <a:bodyPr wrap="none" rtlCol="0">
+            <a:spAutoFit/>
+          </a:bodyPr>
+          <a:lstStyle/>
+          <a:p>
+            <a:pPr algn="ctr"/>
+            <a:r>
+              <a:rPr lang="es-ES" sz="800" dirty="0" smtClean="0"/>
+              <a:t>Ciclo de ejecución</a:t>
+            </a:r>
+            <a:br>
+              <a:rPr lang="es-ES" sz="800" dirty="0" smtClean="0"/>
+            </a:br>
+            <a:r>
+              <a:rPr lang="es-ES" sz="800" dirty="0" smtClean="0"/>
+              <a:t>de los 3 factores</a:t>
+            </a:r>
+            <a:endParaRPr lang="es-ES" sz="800" dirty="0"/>
+          </a:p>
+        </p:txBody>
+      </p:sp>
+      <p:sp>
+        <p:nvSpPr>
+          <p:cNvPr id="14" name="CuadroTexto 13"/>
+          <p:cNvSpPr txBox="1"/>
+          <p:nvPr/>
+        </p:nvSpPr>
+        <p:spPr>
+          <a:xfrm>
+            <a:off x="3987114" y="3696444"/>
+            <a:ext cx="1070690" cy="369332"/>
+          </a:xfrm>
+          <a:prstGeom prst="rect">
+            <a:avLst/>
+          </a:prstGeom>
+          <a:noFill/>
+        </p:spPr>
+        <p:txBody>
+          <a:bodyPr wrap="square" rtlCol="0">
+            <a:spAutoFit/>
+          </a:bodyPr>
+          <a:lstStyle/>
+          <a:p>
+            <a:pPr algn="ctr"/>
+            <a:r>
+              <a:rPr lang="es-ES" sz="600" dirty="0" smtClean="0"/>
+              <a:t>Plataforma de registro</a:t>
+            </a:r>
+            <a:br>
+              <a:rPr lang="es-ES" sz="600" dirty="0" smtClean="0"/>
+            </a:br>
+            <a:r>
+              <a:rPr lang="es-ES" sz="600" dirty="0" smtClean="0"/>
+              <a:t>y de administración del </a:t>
+            </a:r>
+            <a:br>
+              <a:rPr lang="es-ES" sz="600" dirty="0" smtClean="0"/>
+            </a:br>
+            <a:r>
+              <a:rPr lang="es-ES" sz="600" dirty="0" smtClean="0"/>
+              <a:t>sistema</a:t>
+            </a:r>
+            <a:endParaRPr lang="es-ES" sz="600" dirty="0"/>
+          </a:p>
+        </p:txBody>
+      </p:sp>
+      <p:grpSp>
+        <p:nvGrpSpPr>
+          <p:cNvPr id="19" name="Grupo 18"/>
+          <p:cNvGrpSpPr/>
+          <p:nvPr/>
+        </p:nvGrpSpPr>
+        <p:grpSpPr>
+          <a:xfrm>
+            <a:off x="5371070" y="3286898"/>
+            <a:ext cx="403654" cy="263610"/>
+            <a:chOff x="5371070" y="3286898"/>
+            <a:chExt cx="403654" cy="263610"/>
+          </a:xfrm>
+        </p:grpSpPr>
+        <p:cxnSp>
+          <p:nvCxnSpPr>
+            <p:cNvPr id="15" name="Conector recto 14"/>
+            <p:cNvCxnSpPr/>
+            <p:nvPr/>
+          </p:nvCxnSpPr>
+          <p:spPr>
+            <a:xfrm flipH="1">
+              <a:off x="5371070" y="3286898"/>
+              <a:ext cx="403654" cy="247134"/>
+            </a:xfrm>
+            <a:prstGeom prst="line">
+              <a:avLst/>
+            </a:prstGeom>
+            <a:ln w="19050">
+              <a:solidFill>
+                <a:schemeClr val="accent6">
+                  <a:lumMod val="75000"/>
+                </a:schemeClr>
+              </a:solidFill>
+            </a:ln>
+          </p:spPr>
+          <p:style>
+            <a:lnRef idx="1">
+              <a:schemeClr val="accent1"/>
+            </a:lnRef>
+            <a:fillRef idx="0">
+              <a:schemeClr val="accent1"/>
+            </a:fillRef>
+            <a:effectRef idx="0">
+              <a:schemeClr val="accent1"/>
+            </a:effectRef>
+            <a:fontRef idx="minor">
+              <a:schemeClr val="tx1"/>
+            </a:fontRef>
+          </p:style>
+        </p:cxnSp>
+        <p:cxnSp>
+          <p:nvCxnSpPr>
+            <p:cNvPr id="17" name="Conector recto 16"/>
+            <p:cNvCxnSpPr/>
+            <p:nvPr/>
+          </p:nvCxnSpPr>
+          <p:spPr>
+            <a:xfrm>
+              <a:off x="5371070" y="3286898"/>
+              <a:ext cx="387179" cy="263610"/>
+            </a:xfrm>
+            <a:prstGeom prst="line">
+              <a:avLst/>
+            </a:prstGeom>
+            <a:ln w="19050">
+              <a:solidFill>
+                <a:schemeClr val="accent6">
+                  <a:lumMod val="75000"/>
+                </a:schemeClr>
+              </a:solidFill>
+            </a:ln>
+          </p:spPr>
+          <p:style>
+            <a:lnRef idx="1">
+              <a:schemeClr val="accent1"/>
+            </a:lnRef>
+            <a:fillRef idx="0">
+              <a:schemeClr val="accent1"/>
+            </a:fillRef>
+            <a:effectRef idx="0">
+              <a:schemeClr val="accent1"/>
+            </a:effectRef>
+            <a:fontRef idx="minor">
+              <a:schemeClr val="tx1"/>
+            </a:fontRef>
+          </p:style>
+        </p:cxnSp>
+      </p:grpSp>
+      <p:sp>
+        <p:nvSpPr>
+          <p:cNvPr id="20" name="CuadroTexto 19"/>
+          <p:cNvSpPr txBox="1"/>
+          <p:nvPr/>
+        </p:nvSpPr>
+        <p:spPr>
+          <a:xfrm>
+            <a:off x="3987114" y="4076011"/>
+            <a:ext cx="1070690" cy="415498"/>
+          </a:xfrm>
+          <a:prstGeom prst="rect">
+            <a:avLst/>
+          </a:prstGeom>
+          <a:noFill/>
+        </p:spPr>
+        <p:txBody>
+          <a:bodyPr wrap="square" rtlCol="0">
+            <a:spAutoFit/>
+          </a:bodyPr>
+          <a:lstStyle/>
+          <a:p>
+            <a:pPr algn="ctr"/>
+            <a:r>
+              <a:rPr lang="es-ES" sz="700" dirty="0" smtClean="0"/>
+              <a:t>Creación e identificación de los 3 factores</a:t>
+            </a:r>
+            <a:endParaRPr lang="es-ES" sz="700" dirty="0"/>
+          </a:p>
+        </p:txBody>
+      </p:sp>
+      <p:sp>
+        <p:nvSpPr>
+          <p:cNvPr id="21" name="CuadroTexto 20"/>
+          <p:cNvSpPr txBox="1"/>
+          <p:nvPr/>
+        </p:nvSpPr>
+        <p:spPr>
+          <a:xfrm>
+            <a:off x="3987114" y="4489148"/>
+            <a:ext cx="1070690" cy="400110"/>
+          </a:xfrm>
+          <a:prstGeom prst="rect">
+            <a:avLst/>
+          </a:prstGeom>
+          <a:noFill/>
+        </p:spPr>
+        <p:txBody>
+          <a:bodyPr wrap="square" rtlCol="0">
+            <a:spAutoFit/>
+          </a:bodyPr>
+          <a:lstStyle/>
+          <a:p>
+            <a:pPr algn="ctr"/>
+            <a:r>
+              <a:rPr lang="es-ES" sz="1000" dirty="0" err="1" smtClean="0"/>
+              <a:t>Encriptar</a:t>
+            </a:r>
+            <a:r>
+              <a:rPr lang="es-ES" sz="1000" dirty="0" smtClean="0"/>
+              <a:t> y </a:t>
+            </a:r>
+            <a:r>
+              <a:rPr lang="es-ES" sz="1000" dirty="0" err="1" smtClean="0"/>
+              <a:t>securizar</a:t>
+            </a:r>
+            <a:endParaRPr lang="es-ES" sz="1000" dirty="0"/>
+          </a:p>
+        </p:txBody>
+      </p:sp>
+      <p:sp>
+        <p:nvSpPr>
+          <p:cNvPr id="22" name="CuadroTexto 21"/>
+          <p:cNvSpPr txBox="1"/>
+          <p:nvPr/>
+        </p:nvSpPr>
+        <p:spPr>
+          <a:xfrm>
+            <a:off x="3987114" y="4843179"/>
+            <a:ext cx="1070690" cy="461665"/>
+          </a:xfrm>
+          <a:prstGeom prst="rect">
+            <a:avLst/>
+          </a:prstGeom>
+          <a:noFill/>
+        </p:spPr>
+        <p:txBody>
+          <a:bodyPr wrap="square" rtlCol="0">
+            <a:spAutoFit/>
+          </a:bodyPr>
+          <a:lstStyle/>
+          <a:p>
+            <a:pPr algn="ctr"/>
+            <a:r>
+              <a:rPr lang="es-ES" sz="800" dirty="0" smtClean="0"/>
+              <a:t>Desarrollo del sistema de integración</a:t>
+            </a:r>
+            <a:endParaRPr lang="es-ES" sz="800" dirty="0"/>
+          </a:p>
+        </p:txBody>
+      </p:sp>
+      <p:sp>
+        <p:nvSpPr>
+          <p:cNvPr id="23" name="CuadroTexto 22"/>
+          <p:cNvSpPr txBox="1"/>
+          <p:nvPr/>
+        </p:nvSpPr>
+        <p:spPr>
+          <a:xfrm>
+            <a:off x="3959106" y="5389209"/>
+            <a:ext cx="1070690" cy="215444"/>
+          </a:xfrm>
+          <a:prstGeom prst="rect">
+            <a:avLst/>
+          </a:prstGeom>
+          <a:noFill/>
+        </p:spPr>
+        <p:txBody>
+          <a:bodyPr wrap="square" rtlCol="0">
+            <a:spAutoFit/>
+          </a:bodyPr>
+          <a:lstStyle/>
+          <a:p>
+            <a:pPr algn="ctr"/>
+            <a:r>
+              <a:rPr lang="es-ES" sz="800" dirty="0" smtClean="0"/>
+              <a:t>…</a:t>
+            </a:r>
+            <a:endParaRPr lang="es-ES" sz="800" dirty="0"/>
+          </a:p>
+        </p:txBody>
+      </p:sp>
+      <p:sp>
+        <p:nvSpPr>
+          <p:cNvPr id="24" name="CuadroTexto 23"/>
+          <p:cNvSpPr txBox="1"/>
+          <p:nvPr/>
+        </p:nvSpPr>
+        <p:spPr>
+          <a:xfrm>
+            <a:off x="3959106" y="5748683"/>
+            <a:ext cx="1070690" cy="215444"/>
+          </a:xfrm>
+          <a:prstGeom prst="rect">
+            <a:avLst/>
+          </a:prstGeom>
+          <a:noFill/>
+        </p:spPr>
+        <p:txBody>
+          <a:bodyPr wrap="square" rtlCol="0">
+            <a:spAutoFit/>
+          </a:bodyPr>
+          <a:lstStyle/>
+          <a:p>
+            <a:pPr algn="ctr"/>
+            <a:r>
+              <a:rPr lang="es-ES" sz="800" dirty="0" smtClean="0"/>
+              <a:t>…</a:t>
+            </a:r>
+            <a:endParaRPr lang="es-ES" sz="800" dirty="0"/>
+          </a:p>
+        </p:txBody>
+      </p:sp>
+      <p:grpSp>
+        <p:nvGrpSpPr>
+          <p:cNvPr id="25" name="Grupo 24"/>
+          <p:cNvGrpSpPr/>
+          <p:nvPr/>
+        </p:nvGrpSpPr>
+        <p:grpSpPr>
+          <a:xfrm>
+            <a:off x="5346357" y="3774301"/>
+            <a:ext cx="403654" cy="263610"/>
+            <a:chOff x="5346357" y="3774301"/>
+            <a:chExt cx="403654" cy="263610"/>
+          </a:xfrm>
+        </p:grpSpPr>
+        <p:cxnSp>
+          <p:nvCxnSpPr>
+            <p:cNvPr id="26" name="Conector recto 25"/>
+            <p:cNvCxnSpPr/>
+            <p:nvPr/>
+          </p:nvCxnSpPr>
+          <p:spPr>
+            <a:xfrm flipH="1">
+              <a:off x="5346357" y="3774301"/>
+              <a:ext cx="403654" cy="247134"/>
+            </a:xfrm>
+            <a:prstGeom prst="line">
+              <a:avLst/>
+            </a:prstGeom>
+            <a:ln w="19050">
+              <a:solidFill>
+                <a:schemeClr val="accent6">
+                  <a:lumMod val="75000"/>
+                </a:schemeClr>
+              </a:solidFill>
+            </a:ln>
+          </p:spPr>
+          <p:style>
+            <a:lnRef idx="1">
+              <a:schemeClr val="accent1"/>
+            </a:lnRef>
+            <a:fillRef idx="0">
+              <a:schemeClr val="accent1"/>
+            </a:fillRef>
+            <a:effectRef idx="0">
+              <a:schemeClr val="accent1"/>
+            </a:effectRef>
+            <a:fontRef idx="minor">
+              <a:schemeClr val="tx1"/>
+            </a:fontRef>
+          </p:style>
+        </p:cxnSp>
+        <p:cxnSp>
+          <p:nvCxnSpPr>
+            <p:cNvPr id="27" name="Conector recto 26"/>
+            <p:cNvCxnSpPr/>
+            <p:nvPr/>
+          </p:nvCxnSpPr>
+          <p:spPr>
+            <a:xfrm>
+              <a:off x="5346357" y="3774301"/>
+              <a:ext cx="387179" cy="263610"/>
+            </a:xfrm>
+            <a:prstGeom prst="line">
+              <a:avLst/>
+            </a:prstGeom>
+            <a:ln w="19050">
+              <a:solidFill>
+                <a:schemeClr val="accent6">
+                  <a:lumMod val="75000"/>
+                </a:schemeClr>
+              </a:solidFill>
+            </a:ln>
+          </p:spPr>
+          <p:style>
+            <a:lnRef idx="1">
+              <a:schemeClr val="accent1"/>
+            </a:lnRef>
+            <a:fillRef idx="0">
+              <a:schemeClr val="accent1"/>
+            </a:fillRef>
+            <a:effectRef idx="0">
+              <a:schemeClr val="accent1"/>
+            </a:effectRef>
+            <a:fontRef idx="minor">
+              <a:schemeClr val="tx1"/>
+            </a:fontRef>
+          </p:style>
+        </p:cxnSp>
+      </p:grpSp>
+      <p:grpSp>
+        <p:nvGrpSpPr>
+          <p:cNvPr id="30" name="Grupo 29"/>
+          <p:cNvGrpSpPr/>
+          <p:nvPr/>
+        </p:nvGrpSpPr>
+        <p:grpSpPr>
+          <a:xfrm>
+            <a:off x="5329882" y="4146375"/>
+            <a:ext cx="403654" cy="263610"/>
+            <a:chOff x="5329882" y="4146375"/>
+            <a:chExt cx="403654" cy="263610"/>
+          </a:xfrm>
+        </p:grpSpPr>
+        <p:cxnSp>
+          <p:nvCxnSpPr>
+            <p:cNvPr id="28" name="Conector recto 27"/>
+            <p:cNvCxnSpPr/>
+            <p:nvPr/>
+          </p:nvCxnSpPr>
+          <p:spPr>
+            <a:xfrm flipH="1">
+              <a:off x="5329882" y="4146375"/>
+              <a:ext cx="403654" cy="247134"/>
+            </a:xfrm>
+            <a:prstGeom prst="line">
+              <a:avLst/>
+            </a:prstGeom>
+            <a:ln w="19050">
+              <a:solidFill>
+                <a:schemeClr val="accent6">
+                  <a:lumMod val="75000"/>
+                </a:schemeClr>
+              </a:solidFill>
+            </a:ln>
+          </p:spPr>
+          <p:style>
+            <a:lnRef idx="1">
+              <a:schemeClr val="accent1"/>
+            </a:lnRef>
+            <a:fillRef idx="0">
+              <a:schemeClr val="accent1"/>
+            </a:fillRef>
+            <a:effectRef idx="0">
+              <a:schemeClr val="accent1"/>
+            </a:effectRef>
+            <a:fontRef idx="minor">
+              <a:schemeClr val="tx1"/>
+            </a:fontRef>
+          </p:style>
+        </p:cxnSp>
+        <p:cxnSp>
+          <p:nvCxnSpPr>
+            <p:cNvPr id="29" name="Conector recto 28"/>
+            <p:cNvCxnSpPr/>
+            <p:nvPr/>
+          </p:nvCxnSpPr>
+          <p:spPr>
+            <a:xfrm>
+              <a:off x="5329882" y="4146375"/>
+              <a:ext cx="387179" cy="263610"/>
+            </a:xfrm>
+            <a:prstGeom prst="line">
+              <a:avLst/>
+            </a:prstGeom>
+            <a:ln w="19050">
+              <a:solidFill>
+                <a:schemeClr val="accent6">
+                  <a:lumMod val="75000"/>
+                </a:schemeClr>
+              </a:solidFill>
+            </a:ln>
+          </p:spPr>
+          <p:style>
+            <a:lnRef idx="1">
+              <a:schemeClr val="accent1"/>
+            </a:lnRef>
+            <a:fillRef idx="0">
+              <a:schemeClr val="accent1"/>
+            </a:fillRef>
+            <a:effectRef idx="0">
+              <a:schemeClr val="accent1"/>
+            </a:effectRef>
+            <a:fontRef idx="minor">
+              <a:schemeClr val="tx1"/>
+            </a:fontRef>
+          </p:style>
+        </p:cxnSp>
+      </p:grpSp>
+      <p:grpSp>
+        <p:nvGrpSpPr>
+          <p:cNvPr id="32" name="Grupo 31"/>
+          <p:cNvGrpSpPr/>
+          <p:nvPr/>
+        </p:nvGrpSpPr>
+        <p:grpSpPr>
+          <a:xfrm>
+            <a:off x="6313749" y="4557398"/>
+            <a:ext cx="403654" cy="263610"/>
+            <a:chOff x="5329882" y="4146375"/>
+            <a:chExt cx="403654" cy="263610"/>
+          </a:xfrm>
+        </p:grpSpPr>
+        <p:cxnSp>
+          <p:nvCxnSpPr>
+            <p:cNvPr id="33" name="Conector recto 32"/>
+            <p:cNvCxnSpPr/>
+            <p:nvPr/>
+          </p:nvCxnSpPr>
+          <p:spPr>
+            <a:xfrm flipH="1">
+              <a:off x="5329882" y="4146375"/>
+              <a:ext cx="403654" cy="247134"/>
+            </a:xfrm>
+            <a:prstGeom prst="line">
+              <a:avLst/>
+            </a:prstGeom>
+            <a:ln w="19050">
+              <a:solidFill>
+                <a:schemeClr val="accent6">
+                  <a:lumMod val="75000"/>
+                </a:schemeClr>
+              </a:solidFill>
+            </a:ln>
+          </p:spPr>
+          <p:style>
+            <a:lnRef idx="1">
+              <a:schemeClr val="accent1"/>
+            </a:lnRef>
+            <a:fillRef idx="0">
+              <a:schemeClr val="accent1"/>
+            </a:fillRef>
+            <a:effectRef idx="0">
+              <a:schemeClr val="accent1"/>
+            </a:effectRef>
+            <a:fontRef idx="minor">
+              <a:schemeClr val="tx1"/>
+            </a:fontRef>
+          </p:style>
+        </p:cxnSp>
+        <p:cxnSp>
+          <p:nvCxnSpPr>
+            <p:cNvPr id="34" name="Conector recto 33"/>
+            <p:cNvCxnSpPr/>
+            <p:nvPr/>
+          </p:nvCxnSpPr>
+          <p:spPr>
+            <a:xfrm>
+              <a:off x="5329882" y="4146375"/>
+              <a:ext cx="387179" cy="263610"/>
+            </a:xfrm>
+            <a:prstGeom prst="line">
+              <a:avLst/>
+            </a:prstGeom>
+            <a:ln w="19050">
+              <a:solidFill>
+                <a:schemeClr val="accent6">
+                  <a:lumMod val="75000"/>
+                </a:schemeClr>
+              </a:solidFill>
+            </a:ln>
+          </p:spPr>
+          <p:style>
+            <a:lnRef idx="1">
+              <a:schemeClr val="accent1"/>
+            </a:lnRef>
+            <a:fillRef idx="0">
+              <a:schemeClr val="accent1"/>
+            </a:fillRef>
+            <a:effectRef idx="0">
+              <a:schemeClr val="accent1"/>
+            </a:effectRef>
+            <a:fontRef idx="minor">
+              <a:schemeClr val="tx1"/>
+            </a:fontRef>
+          </p:style>
+        </p:cxnSp>
+      </p:grpSp>
+      <p:grpSp>
+        <p:nvGrpSpPr>
+          <p:cNvPr id="35" name="Grupo 34"/>
+          <p:cNvGrpSpPr/>
+          <p:nvPr/>
+        </p:nvGrpSpPr>
+        <p:grpSpPr>
+          <a:xfrm>
+            <a:off x="6294512" y="4942206"/>
+            <a:ext cx="403654" cy="263610"/>
+            <a:chOff x="5329882" y="4146375"/>
+            <a:chExt cx="403654" cy="263610"/>
+          </a:xfrm>
+        </p:grpSpPr>
+        <p:cxnSp>
+          <p:nvCxnSpPr>
+            <p:cNvPr id="36" name="Conector recto 35"/>
+            <p:cNvCxnSpPr/>
+            <p:nvPr/>
+          </p:nvCxnSpPr>
+          <p:spPr>
+            <a:xfrm flipH="1">
+              <a:off x="5329882" y="4146375"/>
+              <a:ext cx="403654" cy="247134"/>
+            </a:xfrm>
+            <a:prstGeom prst="line">
+              <a:avLst/>
+            </a:prstGeom>
+            <a:ln w="19050">
+              <a:solidFill>
+                <a:schemeClr val="accent6">
+                  <a:lumMod val="75000"/>
+                </a:schemeClr>
+              </a:solidFill>
+            </a:ln>
+          </p:spPr>
+          <p:style>
+            <a:lnRef idx="1">
+              <a:schemeClr val="accent1"/>
+            </a:lnRef>
+            <a:fillRef idx="0">
+              <a:schemeClr val="accent1"/>
+            </a:fillRef>
+            <a:effectRef idx="0">
+              <a:schemeClr val="accent1"/>
+            </a:effectRef>
+            <a:fontRef idx="minor">
+              <a:schemeClr val="tx1"/>
+            </a:fontRef>
+          </p:style>
+        </p:cxnSp>
+        <p:cxnSp>
+          <p:nvCxnSpPr>
+            <p:cNvPr id="37" name="Conector recto 36"/>
+            <p:cNvCxnSpPr/>
+            <p:nvPr/>
+          </p:nvCxnSpPr>
+          <p:spPr>
+            <a:xfrm>
+              <a:off x="5329882" y="4146375"/>
+              <a:ext cx="387179" cy="263610"/>
+            </a:xfrm>
+            <a:prstGeom prst="line">
+              <a:avLst/>
+            </a:prstGeom>
+            <a:ln w="19050">
+              <a:solidFill>
+                <a:schemeClr val="accent6">
+                  <a:lumMod val="75000"/>
+                </a:schemeClr>
+              </a:solidFill>
+            </a:ln>
+          </p:spPr>
+          <p:style>
+            <a:lnRef idx="1">
+              <a:schemeClr val="accent1"/>
+            </a:lnRef>
+            <a:fillRef idx="0">
+              <a:schemeClr val="accent1"/>
+            </a:fillRef>
+            <a:effectRef idx="0">
+              <a:schemeClr val="accent1"/>
+            </a:effectRef>
+            <a:fontRef idx="minor">
+              <a:schemeClr val="tx1"/>
+            </a:fontRef>
+          </p:style>
+        </p:cxnSp>
+      </p:grpSp>
+    </p:spTree>
+    <p:extLst>
+      <p:ext uri="{BB962C8B-B14F-4D97-AF65-F5344CB8AC3E}">
+        <p14:creationId xmlns:p14="http://schemas.microsoft.com/office/powerpoint/2010/main" val="3940943363"/>
+      </p:ext>
+    </p:extLst>
+  </p:cSld>
+  <p:clrMapOvr>
+    <a:masterClrMapping/>
+  </p:clrMapOvr>
+</p:sld>
+</file>
+
+<file path=ppt/slides/slide2.xml><?xml version="1.0" encoding="utf-8"?>
+<p:sld xmlns:a="http://schemas.openxmlformats.org/drawingml/2006/main" xmlns:r="http://schemas.openxmlformats.org/officeDocument/2006/relationships" xmlns:p="http://schemas.openxmlformats.org/presentationml/2006/main">
+  <p:cSld>
+    <p:spTree>
+      <p:nvGrpSpPr>
+        <p:cNvPr id="1" name=""/>
+        <p:cNvGrpSpPr/>
+        <p:nvPr/>
+      </p:nvGrpSpPr>
+      <p:grpSpPr>
+        <a:xfrm>
+          <a:off x="0" y="0"/>
+          <a:ext cx="0" cy="0"/>
+          <a:chOff x="0" y="0"/>
+          <a:chExt cx="0" cy="0"/>
+        </a:xfrm>
+      </p:grpSpPr>
+      <p:sp>
+        <p:nvSpPr>
+          <p:cNvPr id="2" name="Title 1"/>
+          <p:cNvSpPr>
+            <a:spLocks noGrp="1"/>
+          </p:cNvSpPr>
+          <p:nvPr>
+            <p:ph type="title"/>
+          </p:nvPr>
+        </p:nvSpPr>
+        <p:spPr/>
+        <p:txBody>
+          <a:bodyPr/>
+          <a:lstStyle/>
+          <a:p>
+            <a:r>
+              <a:rPr lang="" altLang="en-US"/>
+              <a:t>¿Qué es SSOP?</a:t>
+            </a:r>
+          </a:p>
+        </p:txBody>
+      </p:sp>
+      <p:sp>
+        <p:nvSpPr>
+          <p:cNvPr id="3" name="Content Placeholder 2"/>
+          <p:cNvSpPr>
+            <a:spLocks noGrp="1"/>
+          </p:cNvSpPr>
+          <p:nvPr>
+            <p:ph idx="1"/>
+          </p:nvPr>
+        </p:nvSpPr>
+        <p:spPr/>
+        <p:txBody>
+          <a:bodyPr>
+            <a:normAutofit/>
+          </a:bodyPr>
+          <a:lstStyle/>
+          <a:p>
+            <a:r>
+              <a:rPr lang="es-ES" dirty="0"/>
+              <a:t>SSOP </a:t>
+            </a:r>
+            <a:r>
+              <a:rPr lang="es-ES" dirty="0" smtClean="0"/>
+              <a:t>es </a:t>
+            </a:r>
+            <a:r>
+              <a:rPr lang="es-ES" dirty="0"/>
+              <a:t>una plataforma que servirá como servicio de </a:t>
+            </a:r>
+            <a:r>
+              <a:rPr lang="es-ES" b="1" dirty="0" smtClean="0"/>
+              <a:t>autenticación </a:t>
+            </a:r>
+            <a:r>
+              <a:rPr lang="es-ES" dirty="0" smtClean="0"/>
+              <a:t>para </a:t>
+            </a:r>
+            <a:r>
+              <a:rPr lang="es-ES" dirty="0"/>
+              <a:t>cualquier aplicación o página web (tienda o banca </a:t>
+            </a:r>
+            <a:r>
+              <a:rPr lang="es-ES" dirty="0" smtClean="0"/>
+              <a:t>online) en </a:t>
+            </a:r>
+            <a:r>
+              <a:rPr lang="es-ES" dirty="0"/>
+              <a:t>donde los usuarios deban de </a:t>
+            </a:r>
+            <a:r>
+              <a:rPr lang="es-ES" dirty="0" smtClean="0"/>
+              <a:t>autenticarse para </a:t>
+            </a:r>
+            <a:r>
+              <a:rPr lang="es-ES" dirty="0"/>
+              <a:t>poder operar. </a:t>
+            </a:r>
+          </a:p>
+          <a:p>
+            <a:endParaRPr lang="es-ES" dirty="0"/>
+          </a:p>
+        </p:txBody>
+      </p:sp>
+      <p:pic>
+        <p:nvPicPr>
+          <p:cNvPr id="4" name="Imagen 3"/>
+          <p:cNvPicPr>
+            <a:picLocks noChangeAspect="1"/>
+          </p:cNvPicPr>
+          <p:nvPr/>
+        </p:nvPicPr>
+        <p:blipFill>
+          <a:blip r:embed="rId2" cstate="print">
+            <a:extLst>
+              <a:ext uri="{28A0092B-C50C-407E-A947-70E740481C1C}">
+                <a14:useLocalDpi xmlns:a14="http://schemas.microsoft.com/office/drawing/2010/main" val="0"/>
+              </a:ext>
+            </a:extLst>
+          </a:blip>
+          <a:stretch>
+            <a:fillRect/>
+          </a:stretch>
+        </p:blipFill>
+        <p:spPr>
+          <a:xfrm>
+            <a:off x="1714982" y="3814119"/>
+            <a:ext cx="3820678" cy="2565935"/>
+          </a:xfrm>
+          <a:prstGeom prst="rect">
+            <a:avLst/>
+          </a:prstGeom>
+        </p:spPr>
+      </p:pic>
+      <p:pic>
+        <p:nvPicPr>
+          <p:cNvPr id="7" name="Imagen 6"/>
+          <p:cNvPicPr>
+            <a:picLocks noChangeAspect="1"/>
+          </p:cNvPicPr>
+          <p:nvPr/>
+        </p:nvPicPr>
+        <p:blipFill>
+          <a:blip r:embed="rId3" cstate="print">
+            <a:extLst>
+              <a:ext uri="{28A0092B-C50C-407E-A947-70E740481C1C}">
+                <a14:useLocalDpi xmlns:a14="http://schemas.microsoft.com/office/drawing/2010/main" val="0"/>
+              </a:ext>
+            </a:extLst>
+          </a:blip>
+          <a:stretch>
+            <a:fillRect/>
+          </a:stretch>
+        </p:blipFill>
+        <p:spPr>
+          <a:xfrm>
+            <a:off x="6557318" y="3814119"/>
+            <a:ext cx="3703989" cy="2560110"/>
+          </a:xfrm>
+          <a:prstGeom prst="rect">
+            <a:avLst/>
+          </a:prstGeom>
+        </p:spPr>
+      </p:pic>
+      <p:sp>
+        <p:nvSpPr>
+          <p:cNvPr id="5" name="CuadroTexto 4"/>
+          <p:cNvSpPr txBox="1"/>
+          <p:nvPr/>
+        </p:nvSpPr>
+        <p:spPr>
+          <a:xfrm>
+            <a:off x="6557318" y="5635565"/>
+            <a:ext cx="2660823" cy="738664"/>
+          </a:xfrm>
+          <a:prstGeom prst="rect">
+            <a:avLst/>
+          </a:prstGeom>
+          <a:noFill/>
+        </p:spPr>
+        <p:txBody>
+          <a:bodyPr wrap="square" rtlCol="0">
+            <a:spAutoFit/>
+          </a:bodyPr>
+          <a:lstStyle/>
+          <a:p>
+            <a:r>
+              <a:rPr lang="es-ES" sz="1400" b="1" dirty="0" smtClean="0">
+                <a:solidFill>
+                  <a:schemeClr val="bg1"/>
+                </a:solidFill>
+              </a:rPr>
+              <a:t>Sistema Centralizado</a:t>
+            </a:r>
+          </a:p>
+          <a:p>
+            <a:r>
+              <a:rPr lang="es-ES" sz="1400" b="1" dirty="0" smtClean="0">
+                <a:solidFill>
+                  <a:schemeClr val="bg1"/>
+                </a:solidFill>
+              </a:rPr>
+              <a:t>Seguro y robusto</a:t>
+            </a:r>
+          </a:p>
+          <a:p>
+            <a:r>
+              <a:rPr lang="es-ES" sz="1400" b="1" dirty="0" err="1" smtClean="0">
+                <a:solidFill>
+                  <a:schemeClr val="bg1"/>
+                </a:solidFill>
+              </a:rPr>
+              <a:t>Mantenible</a:t>
+            </a:r>
+            <a:r>
+              <a:rPr lang="es-ES" sz="1400" b="1" dirty="0" smtClean="0">
+                <a:solidFill>
+                  <a:schemeClr val="bg1"/>
+                </a:solidFill>
+              </a:rPr>
+              <a:t> y escalable</a:t>
+            </a:r>
+            <a:endParaRPr lang="es-ES" sz="1400" b="1" dirty="0">
+              <a:solidFill>
+                <a:schemeClr val="bg1"/>
+              </a:solidFill>
+            </a:endParaRPr>
+          </a:p>
+        </p:txBody>
+      </p:sp>
+    </p:spTree>
+  </p:cSld>
+  <p:clrMapOvr>
+    <a:masterClrMapping/>
+  </p:clrMapOvr>
+</p:sld>
+</file>
+
+<file path=ppt/slides/slide3.xml><?xml version="1.0" encoding="utf-8"?>
+<p:sld xmlns:a="http://schemas.openxmlformats.org/drawingml/2006/main" xmlns:r="http://schemas.openxmlformats.org/officeDocument/2006/relationships" xmlns:p="http://schemas.openxmlformats.org/presentationml/2006/main">
+  <p:cSld>
+    <p:spTree>
+      <p:nvGrpSpPr>
+        <p:cNvPr id="1" name=""/>
+        <p:cNvGrpSpPr/>
+        <p:nvPr/>
+      </p:nvGrpSpPr>
+      <p:grpSpPr>
+        <a:xfrm>
+          <a:off x="0" y="0"/>
+          <a:ext cx="0" cy="0"/>
+          <a:chOff x="0" y="0"/>
+          <a:chExt cx="0" cy="0"/>
+        </a:xfrm>
+      </p:grpSpPr>
+      <p:sp>
+        <p:nvSpPr>
+          <p:cNvPr id="2" name="Title 1"/>
+          <p:cNvSpPr>
+            <a:spLocks noGrp="1"/>
+          </p:cNvSpPr>
+          <p:nvPr>
+            <p:ph type="title"/>
+          </p:nvPr>
+        </p:nvSpPr>
+        <p:spPr/>
+        <p:txBody>
+          <a:bodyPr/>
+          <a:lstStyle/>
+          <a:p>
+            <a:r>
+              <a:rPr lang="" altLang="en-US" dirty="0" smtClean="0"/>
+              <a:t>¿Qué problemas solucionará SSOP?</a:t>
+            </a:r>
+            <a:endParaRPr lang="" altLang="en-US" dirty="0"/>
+          </a:p>
+        </p:txBody>
+      </p:sp>
+      <p:sp>
+        <p:nvSpPr>
+          <p:cNvPr id="3" name="Content Placeholder 2"/>
+          <p:cNvSpPr>
+            <a:spLocks noGrp="1"/>
+          </p:cNvSpPr>
+          <p:nvPr>
+            <p:ph sz="half" idx="1"/>
+          </p:nvPr>
+        </p:nvSpPr>
+        <p:spPr>
+          <a:xfrm>
+            <a:off x="1154954" y="4028303"/>
+            <a:ext cx="4825158" cy="1991498"/>
+          </a:xfrm>
+        </p:spPr>
+        <p:txBody>
+          <a:bodyPr>
+            <a:normAutofit/>
+          </a:bodyPr>
+          <a:lstStyle/>
+          <a:p>
+            <a:pPr marL="0" indent="0" algn="just">
+              <a:buNone/>
+            </a:pPr>
+            <a:r>
+              <a:rPr lang="es-ES" dirty="0"/>
+              <a:t>Diariamente utilizamos diferentes servicios (uso de parking publico, uso de transporte publico, compras en comercios, tramites...) para los cuales debemos identificarnos y pagar con tarjetas de </a:t>
+            </a:r>
+            <a:r>
+              <a:rPr lang="es-ES" dirty="0" smtClean="0"/>
+              <a:t>plástico.</a:t>
+            </a:r>
+            <a:endParaRPr lang="es-ES" dirty="0"/>
+          </a:p>
+        </p:txBody>
+      </p:sp>
+      <p:sp>
+        <p:nvSpPr>
+          <p:cNvPr id="5" name="Marcador de contenido 4"/>
+          <p:cNvSpPr>
+            <a:spLocks noGrp="1"/>
+          </p:cNvSpPr>
+          <p:nvPr>
+            <p:ph sz="half" idx="2"/>
+          </p:nvPr>
+        </p:nvSpPr>
+        <p:spPr/>
+        <p:txBody>
+          <a:bodyPr/>
+          <a:lstStyle/>
+          <a:p>
+            <a:endParaRPr lang="es-ES" dirty="0"/>
+          </a:p>
+        </p:txBody>
+      </p:sp>
+      <p:pic>
+        <p:nvPicPr>
+          <p:cNvPr id="4" name="Imagen 3"/>
+          <p:cNvPicPr>
+            <a:picLocks noChangeAspect="1"/>
+          </p:cNvPicPr>
+          <p:nvPr/>
+        </p:nvPicPr>
+        <p:blipFill>
+          <a:blip r:embed="rId2" cstate="print">
+            <a:extLst>
+              <a:ext uri="{28A0092B-C50C-407E-A947-70E740481C1C}">
+                <a14:useLocalDpi xmlns:a14="http://schemas.microsoft.com/office/drawing/2010/main" val="0"/>
+              </a:ext>
+            </a:extLst>
+          </a:blip>
+          <a:stretch>
+            <a:fillRect/>
+          </a:stretch>
+        </p:blipFill>
+        <p:spPr>
+          <a:xfrm>
+            <a:off x="6208712" y="2603500"/>
+            <a:ext cx="4825159" cy="3604057"/>
+          </a:xfrm>
+          <a:prstGeom prst="rect">
+            <a:avLst/>
+          </a:prstGeom>
+        </p:spPr>
+      </p:pic>
+      <p:sp>
+        <p:nvSpPr>
+          <p:cNvPr id="7" name="Elipse 6"/>
+          <p:cNvSpPr/>
+          <p:nvPr/>
+        </p:nvSpPr>
+        <p:spPr>
+          <a:xfrm>
+            <a:off x="1260389" y="2825578"/>
+            <a:ext cx="807308" cy="782595"/>
+          </a:xfrm>
+          <a:prstGeom prst="ellipse">
+            <a:avLst/>
+          </a:prstGeom>
+        </p:spPr>
+        <p:style>
+          <a:lnRef idx="2">
+            <a:schemeClr val="accent1">
+              <a:shade val="50000"/>
+            </a:schemeClr>
+          </a:lnRef>
+          <a:fillRef idx="1">
+            <a:schemeClr val="accent1"/>
+          </a:fillRef>
+          <a:effectRef idx="0">
+            <a:schemeClr val="accent1"/>
+          </a:effectRef>
+          <a:fontRef idx="minor">
+            <a:schemeClr val="lt1"/>
+          </a:fontRef>
+        </p:style>
+        <p:txBody>
+          <a:bodyPr rtlCol="0" anchor="ctr"/>
+          <a:lstStyle/>
+          <a:p>
+            <a:pPr algn="ctr"/>
+            <a:r>
+              <a:rPr lang="es-ES" dirty="0" smtClean="0"/>
+              <a:t>1</a:t>
+            </a:r>
+            <a:endParaRPr lang="es-ES" dirty="0"/>
+          </a:p>
+        </p:txBody>
+      </p:sp>
+    </p:spTree>
+  </p:cSld>
+  <p:clrMapOvr>
+    <a:masterClrMapping/>
+  </p:clrMapOvr>
+</p:sld>
+</file>
+
+<file path=ppt/slides/slide4.xml><?xml version="1.0" encoding="utf-8"?>
+<p:sld xmlns:a="http://schemas.openxmlformats.org/drawingml/2006/main" xmlns:r="http://schemas.openxmlformats.org/officeDocument/2006/relationships" xmlns:p="http://schemas.openxmlformats.org/presentationml/2006/main">
+  <p:cSld>
+    <p:spTree>
+      <p:nvGrpSpPr>
+        <p:cNvPr id="1" name=""/>
+        <p:cNvGrpSpPr/>
+        <p:nvPr/>
+      </p:nvGrpSpPr>
+      <p:grpSpPr>
+        <a:xfrm>
+          <a:off x="0" y="0"/>
+          <a:ext cx="0" cy="0"/>
+          <a:chOff x="0" y="0"/>
+          <a:chExt cx="0" cy="0"/>
+        </a:xfrm>
+      </p:grpSpPr>
+      <p:sp>
+        <p:nvSpPr>
+          <p:cNvPr id="2" name="Title 1"/>
+          <p:cNvSpPr>
+            <a:spLocks noGrp="1"/>
+          </p:cNvSpPr>
+          <p:nvPr>
+            <p:ph type="title"/>
+          </p:nvPr>
+        </p:nvSpPr>
+        <p:spPr/>
+        <p:txBody>
+          <a:bodyPr/>
+          <a:lstStyle/>
+          <a:p>
+            <a:r>
+              <a:rPr lang="" altLang="en-US" dirty="0"/>
+              <a:t>¿Qué problemas solucionará SSOP?</a:t>
+            </a:r>
+            <a:endParaRPr lang="en-US" altLang="en-US" dirty="0"/>
+          </a:p>
+        </p:txBody>
+      </p:sp>
+      <p:sp>
+        <p:nvSpPr>
+          <p:cNvPr id="4" name="Content Placeholder 2"/>
+          <p:cNvSpPr txBox="1">
+            <a:spLocks/>
+          </p:cNvSpPr>
+          <p:nvPr/>
+        </p:nvSpPr>
+        <p:spPr>
+          <a:xfrm>
+            <a:off x="2349440" y="2825578"/>
+            <a:ext cx="9331814" cy="930875"/>
+          </a:xfrm>
+          <a:prstGeom prst="rect">
+            <a:avLst/>
+          </a:prstGeom>
+        </p:spPr>
+        <p:txBody>
+          <a:bodyPr vert="horz" lIns="91440" tIns="45720" rIns="91440" bIns="45720" rtlCol="0">
+            <a:normAutofit/>
+          </a:bodyPr>
+          <a:lstStyle>
+            <a:lvl1pPr marL="342900" indent="-342900" algn="l" defTabSz="457200" rtl="0" eaLnBrk="1" latinLnBrk="0" hangingPunct="1">
+              <a:spcBef>
+                <a:spcPts val="1000"/>
+              </a:spcBef>
+              <a:spcAft>
+                <a:spcPts val="0"/>
+              </a:spcAft>
+              <a:buClr>
+                <a:schemeClr val="accent1"/>
+              </a:buClr>
+              <a:buSzPct val="80000"/>
+              <a:buFont typeface="Wingdings 3" charset="2"/>
+              <a:buChar char=""/>
+              <a:defRPr sz="1800" b="0" i="0" kern="1200">
+                <a:solidFill>
+                  <a:schemeClr val="tx1">
+                    <a:lumMod val="75000"/>
+                    <a:lumOff val="25000"/>
+                  </a:schemeClr>
+                </a:solidFill>
+                <a:latin typeface="+mn-lt"/>
+                <a:ea typeface="+mn-ea"/>
+                <a:cs typeface="+mn-cs"/>
+              </a:defRPr>
+            </a:lvl1pPr>
+            <a:lvl2pPr marL="742950" indent="-285750" algn="l" defTabSz="457200" rtl="0" eaLnBrk="1" latinLnBrk="0" hangingPunct="1">
+              <a:spcBef>
+                <a:spcPts val="1000"/>
+              </a:spcBef>
+              <a:spcAft>
+                <a:spcPts val="0"/>
+              </a:spcAft>
+              <a:buClr>
+                <a:schemeClr val="accent1"/>
+              </a:buClr>
+              <a:buSzPct val="80000"/>
+              <a:buFont typeface="Wingdings 3" charset="2"/>
+              <a:buChar char=""/>
+              <a:defRPr sz="1600" b="0" i="0" kern="1200">
+                <a:solidFill>
+                  <a:schemeClr val="tx1">
+                    <a:lumMod val="75000"/>
+                    <a:lumOff val="25000"/>
+                  </a:schemeClr>
+                </a:solidFill>
+                <a:latin typeface="+mn-lt"/>
+                <a:ea typeface="+mn-ea"/>
+                <a:cs typeface="+mn-cs"/>
+              </a:defRPr>
+            </a:lvl2pPr>
+            <a:lvl3pPr marL="1143000" indent="-228600" algn="l" defTabSz="457200" rtl="0" eaLnBrk="1" latinLnBrk="0" hangingPunct="1">
+              <a:spcBef>
+                <a:spcPts val="1000"/>
+              </a:spcBef>
+              <a:spcAft>
+                <a:spcPts val="0"/>
+              </a:spcAft>
+              <a:buClr>
+                <a:schemeClr val="accent1"/>
+              </a:buClr>
+              <a:buSzPct val="80000"/>
+              <a:buFont typeface="Wingdings 3" charset="2"/>
+              <a:buChar char=""/>
+              <a:defRPr sz="1400" b="0" i="0" kern="1200">
+                <a:solidFill>
+                  <a:schemeClr val="tx1">
+                    <a:lumMod val="75000"/>
+                    <a:lumOff val="25000"/>
+                  </a:schemeClr>
+                </a:solidFill>
+                <a:latin typeface="+mn-lt"/>
+                <a:ea typeface="+mn-ea"/>
+                <a:cs typeface="+mn-cs"/>
+              </a:defRPr>
+            </a:lvl3pPr>
+            <a:lvl4pPr marL="1600200" indent="-228600" algn="l" defTabSz="457200" rtl="0" eaLnBrk="1" latinLnBrk="0" hangingPunct="1">
+              <a:spcBef>
+                <a:spcPts val="1000"/>
+              </a:spcBef>
+              <a:spcAft>
+                <a:spcPts val="0"/>
+              </a:spcAft>
+              <a:buClr>
+                <a:schemeClr val="accent1"/>
+              </a:buClr>
+              <a:buSzPct val="80000"/>
+              <a:buFont typeface="Wingdings 3" charset="2"/>
+              <a:buChar char=""/>
+              <a:defRPr sz="1200" b="0" i="0" kern="1200">
+                <a:solidFill>
+                  <a:schemeClr val="tx1">
+                    <a:lumMod val="75000"/>
+                    <a:lumOff val="25000"/>
+                  </a:schemeClr>
+                </a:solidFill>
+                <a:latin typeface="+mn-lt"/>
+                <a:ea typeface="+mn-ea"/>
+                <a:cs typeface="+mn-cs"/>
+              </a:defRPr>
+            </a:lvl4pPr>
+            <a:lvl5pPr marL="2057400" indent="-228600" algn="l" defTabSz="457200" rtl="0" eaLnBrk="1" latinLnBrk="0" hangingPunct="1">
+              <a:spcBef>
+                <a:spcPts val="1000"/>
+              </a:spcBef>
+              <a:spcAft>
+                <a:spcPts val="0"/>
+              </a:spcAft>
+              <a:buClr>
+                <a:schemeClr val="accent1"/>
+              </a:buClr>
+              <a:buSzPct val="80000"/>
+              <a:buFont typeface="Wingdings 3" charset="2"/>
+              <a:buChar char=""/>
+              <a:defRPr sz="1200" b="0" i="0" kern="1200">
+                <a:solidFill>
+                  <a:schemeClr val="tx1">
+                    <a:lumMod val="75000"/>
+                    <a:lumOff val="25000"/>
+                  </a:schemeClr>
+                </a:solidFill>
+                <a:latin typeface="+mn-lt"/>
+                <a:ea typeface="+mn-ea"/>
+                <a:cs typeface="+mn-cs"/>
+              </a:defRPr>
+            </a:lvl5pPr>
+            <a:lvl6pPr marL="2514600" indent="-228600" algn="l" defTabSz="457200" rtl="0" eaLnBrk="1" latinLnBrk="0" hangingPunct="1">
+              <a:spcBef>
+                <a:spcPts val="1000"/>
+              </a:spcBef>
+              <a:spcAft>
+                <a:spcPts val="0"/>
+              </a:spcAft>
+              <a:buClr>
+                <a:schemeClr val="accent1"/>
+              </a:buClr>
+              <a:buSzPct val="80000"/>
+              <a:buFont typeface="Wingdings 3" charset="2"/>
+              <a:buChar char=""/>
+              <a:defRPr sz="1200" b="0" i="0" kern="1200">
+                <a:solidFill>
+                  <a:schemeClr val="tx1">
+                    <a:lumMod val="75000"/>
+                    <a:lumOff val="25000"/>
+                  </a:schemeClr>
+                </a:solidFill>
+                <a:latin typeface="+mn-lt"/>
+                <a:ea typeface="+mn-ea"/>
+                <a:cs typeface="+mn-cs"/>
+              </a:defRPr>
+            </a:lvl6pPr>
+            <a:lvl7pPr marL="2971800" indent="-228600" algn="l" defTabSz="457200" rtl="0" eaLnBrk="1" latinLnBrk="0" hangingPunct="1">
+              <a:spcBef>
+                <a:spcPts val="1000"/>
+              </a:spcBef>
+              <a:spcAft>
+                <a:spcPts val="0"/>
+              </a:spcAft>
+              <a:buClr>
+                <a:schemeClr val="accent1"/>
+              </a:buClr>
+              <a:buSzPct val="80000"/>
+              <a:buFont typeface="Wingdings 3" charset="2"/>
+              <a:buChar char=""/>
+              <a:defRPr sz="1200" b="0" i="0" kern="1200">
+                <a:solidFill>
+                  <a:schemeClr val="tx1">
+                    <a:lumMod val="75000"/>
+                    <a:lumOff val="25000"/>
+                  </a:schemeClr>
+                </a:solidFill>
+                <a:latin typeface="+mn-lt"/>
+                <a:ea typeface="+mn-ea"/>
+                <a:cs typeface="+mn-cs"/>
+              </a:defRPr>
+            </a:lvl7pPr>
+            <a:lvl8pPr marL="3429000" indent="-228600" algn="l" defTabSz="457200" rtl="0" eaLnBrk="1" latinLnBrk="0" hangingPunct="1">
+              <a:spcBef>
+                <a:spcPts val="1000"/>
+              </a:spcBef>
+              <a:spcAft>
+                <a:spcPts val="0"/>
+              </a:spcAft>
+              <a:buClr>
+                <a:schemeClr val="accent1"/>
+              </a:buClr>
+              <a:buSzPct val="80000"/>
+              <a:buFont typeface="Wingdings 3" charset="2"/>
+              <a:buChar char=""/>
+              <a:defRPr sz="1200" b="0" i="0" kern="1200">
+                <a:solidFill>
+                  <a:schemeClr val="tx1">
+                    <a:lumMod val="75000"/>
+                    <a:lumOff val="25000"/>
+                  </a:schemeClr>
+                </a:solidFill>
+                <a:latin typeface="+mn-lt"/>
+                <a:ea typeface="+mn-ea"/>
+                <a:cs typeface="+mn-cs"/>
+              </a:defRPr>
+            </a:lvl8pPr>
+            <a:lvl9pPr marL="3886200" indent="-228600" algn="l" defTabSz="457200" rtl="0" eaLnBrk="1" latinLnBrk="0" hangingPunct="1">
+              <a:spcBef>
+                <a:spcPts val="1000"/>
+              </a:spcBef>
+              <a:spcAft>
+                <a:spcPts val="0"/>
+              </a:spcAft>
+              <a:buClr>
+                <a:schemeClr val="accent1"/>
+              </a:buClr>
+              <a:buSzPct val="80000"/>
+              <a:buFont typeface="Wingdings 3" charset="2"/>
+              <a:buChar char=""/>
+              <a:defRPr sz="1200" b="0" i="0" kern="1200">
+                <a:solidFill>
+                  <a:schemeClr val="tx1">
+                    <a:lumMod val="75000"/>
+                    <a:lumOff val="25000"/>
+                  </a:schemeClr>
+                </a:solidFill>
+                <a:latin typeface="+mn-lt"/>
+                <a:ea typeface="+mn-ea"/>
+                <a:cs typeface="+mn-cs"/>
+              </a:defRPr>
+            </a:lvl9pPr>
+          </a:lstStyle>
+          <a:p>
+            <a:pPr marL="0" indent="0" algn="just">
+              <a:buNone/>
+            </a:pPr>
+            <a:r>
+              <a:rPr lang="es-ES" dirty="0"/>
+              <a:t>Existen diferentes </a:t>
+            </a:r>
+            <a:r>
+              <a:rPr lang="es-ES" dirty="0" smtClean="0"/>
+              <a:t>aplicaciones que </a:t>
+            </a:r>
+            <a:r>
+              <a:rPr lang="es-ES" dirty="0"/>
+              <a:t>intentan almacenar en un solo lugar, generalmente en un terminal </a:t>
+            </a:r>
+            <a:r>
+              <a:rPr lang="es-ES" dirty="0" smtClean="0"/>
+              <a:t>móvil, </a:t>
+            </a:r>
+            <a:r>
+              <a:rPr lang="es-ES" dirty="0"/>
+              <a:t>todas estas </a:t>
+            </a:r>
+            <a:r>
+              <a:rPr lang="es-ES" dirty="0" smtClean="0"/>
+              <a:t>tarjetas y contraseñas </a:t>
+            </a:r>
+            <a:r>
+              <a:rPr lang="es-ES" dirty="0"/>
+              <a:t>y también nos ofrece pagar con el propio terminal </a:t>
+            </a:r>
+            <a:r>
+              <a:rPr lang="es-ES" dirty="0" smtClean="0"/>
+              <a:t>móvil. </a:t>
+            </a:r>
+          </a:p>
+        </p:txBody>
+      </p:sp>
+      <p:sp>
+        <p:nvSpPr>
+          <p:cNvPr id="6" name="Elipse 5"/>
+          <p:cNvSpPr/>
+          <p:nvPr/>
+        </p:nvSpPr>
+        <p:spPr>
+          <a:xfrm>
+            <a:off x="1260389" y="2825578"/>
+            <a:ext cx="807308" cy="782595"/>
+          </a:xfrm>
+          <a:prstGeom prst="ellipse">
+            <a:avLst/>
+          </a:prstGeom>
+        </p:spPr>
+        <p:style>
+          <a:lnRef idx="2">
+            <a:schemeClr val="accent1">
+              <a:shade val="50000"/>
+            </a:schemeClr>
+          </a:lnRef>
+          <a:fillRef idx="1">
+            <a:schemeClr val="accent1"/>
+          </a:fillRef>
+          <a:effectRef idx="0">
+            <a:schemeClr val="accent1"/>
+          </a:effectRef>
+          <a:fontRef idx="minor">
+            <a:schemeClr val="lt1"/>
+          </a:fontRef>
+        </p:style>
+        <p:txBody>
+          <a:bodyPr rtlCol="0" anchor="ctr"/>
+          <a:lstStyle/>
+          <a:p>
+            <a:pPr algn="ctr"/>
+            <a:r>
+              <a:rPr lang="es-ES" dirty="0" smtClean="0"/>
+              <a:t>2</a:t>
+            </a:r>
+            <a:endParaRPr lang="es-ES" dirty="0"/>
+          </a:p>
+        </p:txBody>
+      </p:sp>
+      <p:pic>
+        <p:nvPicPr>
+          <p:cNvPr id="7" name="Imagen 6"/>
+          <p:cNvPicPr>
+            <a:picLocks noChangeAspect="1"/>
+          </p:cNvPicPr>
+          <p:nvPr/>
+        </p:nvPicPr>
+        <p:blipFill>
+          <a:blip r:embed="rId2" cstate="print">
+            <a:extLst>
+              <a:ext uri="{28A0092B-C50C-407E-A947-70E740481C1C}">
+                <a14:useLocalDpi xmlns:a14="http://schemas.microsoft.com/office/drawing/2010/main" val="0"/>
+              </a:ext>
+            </a:extLst>
+          </a:blip>
+          <a:stretch>
+            <a:fillRect/>
+          </a:stretch>
+        </p:blipFill>
+        <p:spPr>
+          <a:xfrm>
+            <a:off x="7414054" y="4028303"/>
+            <a:ext cx="3405873" cy="2270582"/>
+          </a:xfrm>
+          <a:prstGeom prst="rect">
+            <a:avLst/>
+          </a:prstGeom>
+        </p:spPr>
+      </p:pic>
+      <p:pic>
+        <p:nvPicPr>
+          <p:cNvPr id="8" name="Imagen 7"/>
+          <p:cNvPicPr>
+            <a:picLocks noChangeAspect="1"/>
+          </p:cNvPicPr>
+          <p:nvPr/>
+        </p:nvPicPr>
+        <p:blipFill>
+          <a:blip r:embed="rId3" cstate="print">
+            <a:extLst>
+              <a:ext uri="{28A0092B-C50C-407E-A947-70E740481C1C}">
+                <a14:useLocalDpi xmlns:a14="http://schemas.microsoft.com/office/drawing/2010/main" val="0"/>
+              </a:ext>
+            </a:extLst>
+          </a:blip>
+          <a:stretch>
+            <a:fillRect/>
+          </a:stretch>
+        </p:blipFill>
+        <p:spPr>
+          <a:xfrm>
+            <a:off x="2438400" y="4028303"/>
+            <a:ext cx="3405316" cy="2270211"/>
+          </a:xfrm>
+          <a:prstGeom prst="rect">
+            <a:avLst/>
+          </a:prstGeom>
+        </p:spPr>
+      </p:pic>
+    </p:spTree>
+  </p:cSld>
+  <p:clrMapOvr>
+    <a:masterClrMapping/>
+  </p:clrMapOvr>
+</p:sld>
+</file>
+
+<file path=ppt/slides/slide5.xml><?xml version="1.0" encoding="utf-8"?>
+<p:sld xmlns:a="http://schemas.openxmlformats.org/drawingml/2006/main" xmlns:r="http://schemas.openxmlformats.org/officeDocument/2006/relationships" xmlns:p="http://schemas.openxmlformats.org/presentationml/2006/main">
+  <p:cSld>
+    <p:spTree>
+      <p:nvGrpSpPr>
+        <p:cNvPr id="1" name=""/>
+        <p:cNvGrpSpPr/>
+        <p:nvPr/>
+      </p:nvGrpSpPr>
+      <p:grpSpPr>
+        <a:xfrm>
+          <a:off x="0" y="0"/>
+          <a:ext cx="0" cy="0"/>
+          <a:chOff x="0" y="0"/>
+          <a:chExt cx="0" cy="0"/>
+        </a:xfrm>
+      </p:grpSpPr>
+      <p:sp>
+        <p:nvSpPr>
+          <p:cNvPr id="2" name="Title 1"/>
+          <p:cNvSpPr>
+            <a:spLocks noGrp="1"/>
+          </p:cNvSpPr>
+          <p:nvPr>
+            <p:ph type="title"/>
+          </p:nvPr>
+        </p:nvSpPr>
+        <p:spPr/>
+        <p:txBody>
+          <a:bodyPr/>
+          <a:lstStyle/>
+          <a:p>
+            <a:r>
+              <a:rPr lang="" altLang="en-US" dirty="0"/>
+              <a:t>¿Qué problemas solucionará SSOP?</a:t>
+            </a:r>
+            <a:endParaRPr lang="en-US" altLang="en-US" dirty="0"/>
+          </a:p>
+        </p:txBody>
+      </p:sp>
+      <p:sp>
+        <p:nvSpPr>
+          <p:cNvPr id="4" name="Content Placeholder 2"/>
+          <p:cNvSpPr txBox="1">
+            <a:spLocks/>
+          </p:cNvSpPr>
+          <p:nvPr/>
+        </p:nvSpPr>
+        <p:spPr>
+          <a:xfrm>
+            <a:off x="2349440" y="2825578"/>
+            <a:ext cx="9331814" cy="930875"/>
+          </a:xfrm>
+          <a:prstGeom prst="rect">
+            <a:avLst/>
+          </a:prstGeom>
+        </p:spPr>
+        <p:txBody>
+          <a:bodyPr vert="horz" lIns="91440" tIns="45720" rIns="91440" bIns="45720" rtlCol="0">
+            <a:normAutofit/>
+          </a:bodyPr>
+          <a:lstStyle>
+            <a:lvl1pPr marL="342900" indent="-342900" algn="l" defTabSz="457200" rtl="0" eaLnBrk="1" latinLnBrk="0" hangingPunct="1">
+              <a:spcBef>
+                <a:spcPts val="1000"/>
+              </a:spcBef>
+              <a:spcAft>
+                <a:spcPts val="0"/>
+              </a:spcAft>
+              <a:buClr>
+                <a:schemeClr val="accent1"/>
+              </a:buClr>
+              <a:buSzPct val="80000"/>
+              <a:buFont typeface="Wingdings 3" charset="2"/>
+              <a:buChar char=""/>
+              <a:defRPr sz="1800" b="0" i="0" kern="1200">
+                <a:solidFill>
+                  <a:schemeClr val="tx1">
+                    <a:lumMod val="75000"/>
+                    <a:lumOff val="25000"/>
+                  </a:schemeClr>
+                </a:solidFill>
+                <a:latin typeface="+mn-lt"/>
+                <a:ea typeface="+mn-ea"/>
+                <a:cs typeface="+mn-cs"/>
+              </a:defRPr>
+            </a:lvl1pPr>
+            <a:lvl2pPr marL="742950" indent="-285750" algn="l" defTabSz="457200" rtl="0" eaLnBrk="1" latinLnBrk="0" hangingPunct="1">
+              <a:spcBef>
+                <a:spcPts val="1000"/>
+              </a:spcBef>
+              <a:spcAft>
+                <a:spcPts val="0"/>
+              </a:spcAft>
+              <a:buClr>
+                <a:schemeClr val="accent1"/>
+              </a:buClr>
+              <a:buSzPct val="80000"/>
+              <a:buFont typeface="Wingdings 3" charset="2"/>
+              <a:buChar char=""/>
+              <a:defRPr sz="1600" b="0" i="0" kern="1200">
+                <a:solidFill>
+                  <a:schemeClr val="tx1">
+                    <a:lumMod val="75000"/>
+                    <a:lumOff val="25000"/>
+                  </a:schemeClr>
+                </a:solidFill>
+                <a:latin typeface="+mn-lt"/>
+                <a:ea typeface="+mn-ea"/>
+                <a:cs typeface="+mn-cs"/>
+              </a:defRPr>
+            </a:lvl2pPr>
+            <a:lvl3pPr marL="1143000" indent="-228600" algn="l" defTabSz="457200" rtl="0" eaLnBrk="1" latinLnBrk="0" hangingPunct="1">
+              <a:spcBef>
+                <a:spcPts val="1000"/>
+              </a:spcBef>
+              <a:spcAft>
+                <a:spcPts val="0"/>
+              </a:spcAft>
+              <a:buClr>
+                <a:schemeClr val="accent1"/>
+              </a:buClr>
+              <a:buSzPct val="80000"/>
+              <a:buFont typeface="Wingdings 3" charset="2"/>
+              <a:buChar char=""/>
+              <a:defRPr sz="1400" b="0" i="0" kern="1200">
+                <a:solidFill>
+                  <a:schemeClr val="tx1">
+                    <a:lumMod val="75000"/>
+                    <a:lumOff val="25000"/>
+                  </a:schemeClr>
+                </a:solidFill>
+                <a:latin typeface="+mn-lt"/>
+                <a:ea typeface="+mn-ea"/>
+                <a:cs typeface="+mn-cs"/>
+              </a:defRPr>
+            </a:lvl3pPr>
+            <a:lvl4pPr marL="1600200" indent="-228600" algn="l" defTabSz="457200" rtl="0" eaLnBrk="1" latinLnBrk="0" hangingPunct="1">
+              <a:spcBef>
+                <a:spcPts val="1000"/>
+              </a:spcBef>
+              <a:spcAft>
+                <a:spcPts val="0"/>
+              </a:spcAft>
+              <a:buClr>
+                <a:schemeClr val="accent1"/>
+              </a:buClr>
+              <a:buSzPct val="80000"/>
+              <a:buFont typeface="Wingdings 3" charset="2"/>
+              <a:buChar char=""/>
+              <a:defRPr sz="1200" b="0" i="0" kern="1200">
+                <a:solidFill>
+                  <a:schemeClr val="tx1">
+                    <a:lumMod val="75000"/>
+                    <a:lumOff val="25000"/>
+                  </a:schemeClr>
+                </a:solidFill>
+                <a:latin typeface="+mn-lt"/>
+                <a:ea typeface="+mn-ea"/>
+                <a:cs typeface="+mn-cs"/>
+              </a:defRPr>
+            </a:lvl4pPr>
+            <a:lvl5pPr marL="2057400" indent="-228600" algn="l" defTabSz="457200" rtl="0" eaLnBrk="1" latinLnBrk="0" hangingPunct="1">
+              <a:spcBef>
+                <a:spcPts val="1000"/>
+              </a:spcBef>
+              <a:spcAft>
+                <a:spcPts val="0"/>
+              </a:spcAft>
+              <a:buClr>
+                <a:schemeClr val="accent1"/>
+              </a:buClr>
+              <a:buSzPct val="80000"/>
+              <a:buFont typeface="Wingdings 3" charset="2"/>
+              <a:buChar char=""/>
+              <a:defRPr sz="1200" b="0" i="0" kern="1200">
+                <a:solidFill>
+                  <a:schemeClr val="tx1">
+                    <a:lumMod val="75000"/>
+                    <a:lumOff val="25000"/>
+                  </a:schemeClr>
+                </a:solidFill>
+                <a:latin typeface="+mn-lt"/>
+                <a:ea typeface="+mn-ea"/>
+                <a:cs typeface="+mn-cs"/>
+              </a:defRPr>
+            </a:lvl5pPr>
+            <a:lvl6pPr marL="2514600" indent="-228600" algn="l" defTabSz="457200" rtl="0" eaLnBrk="1" latinLnBrk="0" hangingPunct="1">
+              <a:spcBef>
+                <a:spcPts val="1000"/>
+              </a:spcBef>
+              <a:spcAft>
+                <a:spcPts val="0"/>
+              </a:spcAft>
+              <a:buClr>
+                <a:schemeClr val="accent1"/>
+              </a:buClr>
+              <a:buSzPct val="80000"/>
+              <a:buFont typeface="Wingdings 3" charset="2"/>
+              <a:buChar char=""/>
+              <a:defRPr sz="1200" b="0" i="0" kern="1200">
+                <a:solidFill>
+                  <a:schemeClr val="tx1">
+                    <a:lumMod val="75000"/>
+                    <a:lumOff val="25000"/>
+                  </a:schemeClr>
+                </a:solidFill>
+                <a:latin typeface="+mn-lt"/>
+                <a:ea typeface="+mn-ea"/>
+                <a:cs typeface="+mn-cs"/>
+              </a:defRPr>
+            </a:lvl6pPr>
+            <a:lvl7pPr marL="2971800" indent="-228600" algn="l" defTabSz="457200" rtl="0" eaLnBrk="1" latinLnBrk="0" hangingPunct="1">
+              <a:spcBef>
+                <a:spcPts val="1000"/>
+              </a:spcBef>
+              <a:spcAft>
+                <a:spcPts val="0"/>
+              </a:spcAft>
+              <a:buClr>
+                <a:schemeClr val="accent1"/>
+              </a:buClr>
+              <a:buSzPct val="80000"/>
+              <a:buFont typeface="Wingdings 3" charset="2"/>
+              <a:buChar char=""/>
+              <a:defRPr sz="1200" b="0" i="0" kern="1200">
+                <a:solidFill>
+                  <a:schemeClr val="tx1">
+                    <a:lumMod val="75000"/>
+                    <a:lumOff val="25000"/>
+                  </a:schemeClr>
+                </a:solidFill>
+                <a:latin typeface="+mn-lt"/>
+                <a:ea typeface="+mn-ea"/>
+                <a:cs typeface="+mn-cs"/>
+              </a:defRPr>
+            </a:lvl7pPr>
+            <a:lvl8pPr marL="3429000" indent="-228600" algn="l" defTabSz="457200" rtl="0" eaLnBrk="1" latinLnBrk="0" hangingPunct="1">
+              <a:spcBef>
+                <a:spcPts val="1000"/>
+              </a:spcBef>
+              <a:spcAft>
+                <a:spcPts val="0"/>
+              </a:spcAft>
+              <a:buClr>
+                <a:schemeClr val="accent1"/>
+              </a:buClr>
+              <a:buSzPct val="80000"/>
+              <a:buFont typeface="Wingdings 3" charset="2"/>
+              <a:buChar char=""/>
+              <a:defRPr sz="1200" b="0" i="0" kern="1200">
+                <a:solidFill>
+                  <a:schemeClr val="tx1">
+                    <a:lumMod val="75000"/>
+                    <a:lumOff val="25000"/>
+                  </a:schemeClr>
+                </a:solidFill>
+                <a:latin typeface="+mn-lt"/>
+                <a:ea typeface="+mn-ea"/>
+                <a:cs typeface="+mn-cs"/>
+              </a:defRPr>
+            </a:lvl8pPr>
+            <a:lvl9pPr marL="3886200" indent="-228600" algn="l" defTabSz="457200" rtl="0" eaLnBrk="1" latinLnBrk="0" hangingPunct="1">
+              <a:spcBef>
+                <a:spcPts val="1000"/>
+              </a:spcBef>
+              <a:spcAft>
+                <a:spcPts val="0"/>
+              </a:spcAft>
+              <a:buClr>
+                <a:schemeClr val="accent1"/>
+              </a:buClr>
+              <a:buSzPct val="80000"/>
+              <a:buFont typeface="Wingdings 3" charset="2"/>
+              <a:buChar char=""/>
+              <a:defRPr sz="1200" b="0" i="0" kern="1200">
+                <a:solidFill>
+                  <a:schemeClr val="tx1">
+                    <a:lumMod val="75000"/>
+                    <a:lumOff val="25000"/>
+                  </a:schemeClr>
+                </a:solidFill>
+                <a:latin typeface="+mn-lt"/>
+                <a:ea typeface="+mn-ea"/>
+                <a:cs typeface="+mn-cs"/>
+              </a:defRPr>
+            </a:lvl9pPr>
+          </a:lstStyle>
+          <a:p>
+            <a:pPr marL="0" indent="0" algn="just">
+              <a:buNone/>
+            </a:pPr>
+            <a:r>
+              <a:rPr lang="es-ES" dirty="0"/>
+              <a:t>En cualquiera de estos casos, perdemos la oportunidad de utilizar estos servicios para nuestro día a día. Nos provocan más problemas</a:t>
+            </a:r>
+            <a:endParaRPr lang="es-ES" dirty="0" smtClean="0"/>
+          </a:p>
+        </p:txBody>
+      </p:sp>
+      <p:sp>
+        <p:nvSpPr>
+          <p:cNvPr id="6" name="Elipse 5"/>
+          <p:cNvSpPr/>
+          <p:nvPr/>
+        </p:nvSpPr>
+        <p:spPr>
+          <a:xfrm>
+            <a:off x="1260389" y="2825578"/>
+            <a:ext cx="807308" cy="782595"/>
+          </a:xfrm>
+          <a:prstGeom prst="ellipse">
+            <a:avLst/>
+          </a:prstGeom>
+        </p:spPr>
+        <p:style>
+          <a:lnRef idx="2">
+            <a:schemeClr val="accent1">
+              <a:shade val="50000"/>
+            </a:schemeClr>
+          </a:lnRef>
+          <a:fillRef idx="1">
+            <a:schemeClr val="accent1"/>
+          </a:fillRef>
+          <a:effectRef idx="0">
+            <a:schemeClr val="accent1"/>
+          </a:effectRef>
+          <a:fontRef idx="minor">
+            <a:schemeClr val="lt1"/>
+          </a:fontRef>
+        </p:style>
+        <p:txBody>
+          <a:bodyPr rtlCol="0" anchor="ctr"/>
+          <a:lstStyle/>
+          <a:p>
+            <a:pPr algn="ctr"/>
+            <a:r>
+              <a:rPr lang="es-ES" dirty="0"/>
+              <a:t>3</a:t>
+            </a:r>
+          </a:p>
+        </p:txBody>
+      </p:sp>
+      <p:grpSp>
+        <p:nvGrpSpPr>
+          <p:cNvPr id="22" name="Grupo 21"/>
+          <p:cNvGrpSpPr/>
+          <p:nvPr/>
+        </p:nvGrpSpPr>
+        <p:grpSpPr>
+          <a:xfrm>
+            <a:off x="4374292" y="4027930"/>
+            <a:ext cx="3405316" cy="2270212"/>
+            <a:chOff x="4374292" y="4027930"/>
+            <a:chExt cx="3405316" cy="2270212"/>
+          </a:xfrm>
+        </p:grpSpPr>
+        <p:pic>
+          <p:nvPicPr>
+            <p:cNvPr id="8" name="Imagen 7"/>
+            <p:cNvPicPr>
+              <a:picLocks noChangeAspect="1"/>
+            </p:cNvPicPr>
+            <p:nvPr/>
+          </p:nvPicPr>
+          <p:blipFill>
+            <a:blip r:embed="rId2" cstate="print">
+              <a:extLst>
+                <a:ext uri="{28A0092B-C50C-407E-A947-70E740481C1C}">
+                  <a14:useLocalDpi xmlns:a14="http://schemas.microsoft.com/office/drawing/2010/main" val="0"/>
+                </a:ext>
+              </a:extLst>
+            </a:blip>
+            <a:stretch>
+              <a:fillRect/>
+            </a:stretch>
+          </p:blipFill>
+          <p:spPr>
+            <a:xfrm>
+              <a:off x="4374292" y="4027931"/>
+              <a:ext cx="3405316" cy="2270211"/>
+            </a:xfrm>
+            <a:prstGeom prst="rect">
+              <a:avLst/>
+            </a:prstGeom>
+          </p:spPr>
+        </p:pic>
+        <p:cxnSp>
+          <p:nvCxnSpPr>
+            <p:cNvPr id="10" name="Conector recto 9"/>
+            <p:cNvCxnSpPr/>
+            <p:nvPr/>
+          </p:nvCxnSpPr>
+          <p:spPr>
+            <a:xfrm flipV="1">
+              <a:off x="4374292" y="4027931"/>
+              <a:ext cx="3405316" cy="2270211"/>
+            </a:xfrm>
+            <a:prstGeom prst="line">
+              <a:avLst/>
+            </a:prstGeom>
+          </p:spPr>
+          <p:style>
+            <a:lnRef idx="1">
+              <a:schemeClr val="accent1"/>
+            </a:lnRef>
+            <a:fillRef idx="0">
+              <a:schemeClr val="accent1"/>
+            </a:fillRef>
+            <a:effectRef idx="0">
+              <a:schemeClr val="accent1"/>
+            </a:effectRef>
+            <a:fontRef idx="minor">
+              <a:schemeClr val="tx1"/>
+            </a:fontRef>
+          </p:style>
+        </p:cxnSp>
+        <p:cxnSp>
+          <p:nvCxnSpPr>
+            <p:cNvPr id="11" name="Conector recto 10"/>
+            <p:cNvCxnSpPr/>
+            <p:nvPr/>
+          </p:nvCxnSpPr>
+          <p:spPr>
+            <a:xfrm>
+              <a:off x="4374292" y="4027930"/>
+              <a:ext cx="3405316" cy="2270211"/>
+            </a:xfrm>
+            <a:prstGeom prst="line">
+              <a:avLst/>
+            </a:prstGeom>
+          </p:spPr>
+          <p:style>
+            <a:lnRef idx="1">
+              <a:schemeClr val="accent1"/>
+            </a:lnRef>
+            <a:fillRef idx="0">
+              <a:schemeClr val="accent1"/>
+            </a:fillRef>
+            <a:effectRef idx="0">
+              <a:schemeClr val="accent1"/>
+            </a:effectRef>
+            <a:fontRef idx="minor">
+              <a:schemeClr val="tx1"/>
+            </a:fontRef>
+          </p:style>
+        </p:cxnSp>
+      </p:grpSp>
+      <p:grpSp>
+        <p:nvGrpSpPr>
+          <p:cNvPr id="14" name="Grupo 13"/>
+          <p:cNvGrpSpPr/>
+          <p:nvPr/>
+        </p:nvGrpSpPr>
+        <p:grpSpPr>
+          <a:xfrm>
+            <a:off x="8031335" y="4027930"/>
+            <a:ext cx="3406430" cy="2270583"/>
+            <a:chOff x="7413497" y="4028302"/>
+            <a:chExt cx="3406430" cy="2270583"/>
+          </a:xfrm>
+        </p:grpSpPr>
+        <p:pic>
+          <p:nvPicPr>
+            <p:cNvPr id="7" name="Imagen 6"/>
+            <p:cNvPicPr>
+              <a:picLocks noChangeAspect="1"/>
+            </p:cNvPicPr>
+            <p:nvPr/>
+          </p:nvPicPr>
+          <p:blipFill>
+            <a:blip r:embed="rId3" cstate="print">
+              <a:extLst>
+                <a:ext uri="{28A0092B-C50C-407E-A947-70E740481C1C}">
+                  <a14:useLocalDpi xmlns:a14="http://schemas.microsoft.com/office/drawing/2010/main" val="0"/>
+                </a:ext>
+              </a:extLst>
+            </a:blip>
+            <a:stretch>
+              <a:fillRect/>
+            </a:stretch>
+          </p:blipFill>
+          <p:spPr>
+            <a:xfrm>
+              <a:off x="7414054" y="4028303"/>
+              <a:ext cx="3405873" cy="2270582"/>
+            </a:xfrm>
+            <a:prstGeom prst="rect">
+              <a:avLst/>
+            </a:prstGeom>
+          </p:spPr>
+        </p:pic>
+        <p:cxnSp>
+          <p:nvCxnSpPr>
+            <p:cNvPr id="5" name="Conector recto 4"/>
+            <p:cNvCxnSpPr/>
+            <p:nvPr/>
+          </p:nvCxnSpPr>
+          <p:spPr>
+            <a:xfrm>
+              <a:off x="7414054" y="4028302"/>
+              <a:ext cx="3405316" cy="2270211"/>
+            </a:xfrm>
+            <a:prstGeom prst="line">
+              <a:avLst/>
+            </a:prstGeom>
+          </p:spPr>
+          <p:style>
+            <a:lnRef idx="1">
+              <a:schemeClr val="accent1"/>
+            </a:lnRef>
+            <a:fillRef idx="0">
+              <a:schemeClr val="accent1"/>
+            </a:fillRef>
+            <a:effectRef idx="0">
+              <a:schemeClr val="accent1"/>
+            </a:effectRef>
+            <a:fontRef idx="minor">
+              <a:schemeClr val="tx1"/>
+            </a:fontRef>
+          </p:style>
+        </p:cxnSp>
+        <p:cxnSp>
+          <p:nvCxnSpPr>
+            <p:cNvPr id="12" name="Conector recto 11"/>
+            <p:cNvCxnSpPr/>
+            <p:nvPr/>
+          </p:nvCxnSpPr>
+          <p:spPr>
+            <a:xfrm flipV="1">
+              <a:off x="7413497" y="4028302"/>
+              <a:ext cx="3405316" cy="2270211"/>
+            </a:xfrm>
+            <a:prstGeom prst="line">
+              <a:avLst/>
+            </a:prstGeom>
+          </p:spPr>
+          <p:style>
+            <a:lnRef idx="1">
+              <a:schemeClr val="accent1"/>
+            </a:lnRef>
+            <a:fillRef idx="0">
+              <a:schemeClr val="accent1"/>
+            </a:fillRef>
+            <a:effectRef idx="0">
+              <a:schemeClr val="accent1"/>
+            </a:effectRef>
+            <a:fontRef idx="minor">
+              <a:schemeClr val="tx1"/>
+            </a:fontRef>
+          </p:style>
+        </p:cxnSp>
+      </p:grpSp>
+      <p:grpSp>
+        <p:nvGrpSpPr>
+          <p:cNvPr id="23" name="Grupo 22"/>
+          <p:cNvGrpSpPr/>
+          <p:nvPr/>
+        </p:nvGrpSpPr>
+        <p:grpSpPr>
+          <a:xfrm>
+            <a:off x="1082620" y="4027928"/>
+            <a:ext cx="3039388" cy="2270213"/>
+            <a:chOff x="1082620" y="4027928"/>
+            <a:chExt cx="3039388" cy="2270213"/>
+          </a:xfrm>
+        </p:grpSpPr>
+        <p:pic>
+          <p:nvPicPr>
+            <p:cNvPr id="13" name="Imagen 12"/>
+            <p:cNvPicPr>
+              <a:picLocks noChangeAspect="1"/>
+            </p:cNvPicPr>
+            <p:nvPr/>
+          </p:nvPicPr>
+          <p:blipFill>
+            <a:blip r:embed="rId4" cstate="print">
+              <a:extLst>
+                <a:ext uri="{28A0092B-C50C-407E-A947-70E740481C1C}">
+                  <a14:useLocalDpi xmlns:a14="http://schemas.microsoft.com/office/drawing/2010/main" val="0"/>
+                </a:ext>
+              </a:extLst>
+            </a:blip>
+            <a:stretch>
+              <a:fillRect/>
+            </a:stretch>
+          </p:blipFill>
+          <p:spPr>
+            <a:xfrm>
+              <a:off x="1082620" y="4027929"/>
+              <a:ext cx="3039388" cy="2270211"/>
+            </a:xfrm>
+            <a:prstGeom prst="rect">
+              <a:avLst/>
+            </a:prstGeom>
+          </p:spPr>
+        </p:pic>
+        <p:cxnSp>
+          <p:nvCxnSpPr>
+            <p:cNvPr id="16" name="Conector recto 15"/>
+            <p:cNvCxnSpPr/>
+            <p:nvPr/>
+          </p:nvCxnSpPr>
+          <p:spPr>
+            <a:xfrm flipV="1">
+              <a:off x="1082620" y="4027929"/>
+              <a:ext cx="3039388" cy="2270212"/>
+            </a:xfrm>
+            <a:prstGeom prst="line">
+              <a:avLst/>
+            </a:prstGeom>
+          </p:spPr>
+          <p:style>
+            <a:lnRef idx="1">
+              <a:schemeClr val="accent1"/>
+            </a:lnRef>
+            <a:fillRef idx="0">
+              <a:schemeClr val="accent1"/>
+            </a:fillRef>
+            <a:effectRef idx="0">
+              <a:schemeClr val="accent1"/>
+            </a:effectRef>
+            <a:fontRef idx="minor">
+              <a:schemeClr val="tx1"/>
+            </a:fontRef>
+          </p:style>
+        </p:cxnSp>
+        <p:cxnSp>
+          <p:nvCxnSpPr>
+            <p:cNvPr id="17" name="Conector recto 16"/>
+            <p:cNvCxnSpPr/>
+            <p:nvPr/>
+          </p:nvCxnSpPr>
+          <p:spPr>
+            <a:xfrm>
+              <a:off x="1082620" y="4027928"/>
+              <a:ext cx="3039388" cy="2270212"/>
+            </a:xfrm>
+            <a:prstGeom prst="line">
+              <a:avLst/>
+            </a:prstGeom>
+          </p:spPr>
+          <p:style>
+            <a:lnRef idx="1">
+              <a:schemeClr val="accent1"/>
+            </a:lnRef>
+            <a:fillRef idx="0">
+              <a:schemeClr val="accent1"/>
+            </a:fillRef>
+            <a:effectRef idx="0">
+              <a:schemeClr val="accent1"/>
+            </a:effectRef>
+            <a:fontRef idx="minor">
+              <a:schemeClr val="tx1"/>
+            </a:fontRef>
+          </p:style>
+        </p:cxnSp>
+      </p:grpSp>
+    </p:spTree>
+    <p:extLst>
+      <p:ext uri="{BB962C8B-B14F-4D97-AF65-F5344CB8AC3E}">
+        <p14:creationId xmlns:p14="http://schemas.microsoft.com/office/powerpoint/2010/main" val="1443719203"/>
+      </p:ext>
+    </p:extLst>
+  </p:cSld>
+  <p:clrMapOvr>
+    <a:masterClrMapping/>
+  </p:clrMapOvr>
+</p:sld>
+</file>
+
+<file path=ppt/slides/slide6.xml><?xml version="1.0" encoding="utf-8"?>
+<p:sld xmlns:a="http://schemas.openxmlformats.org/drawingml/2006/main" xmlns:r="http://schemas.openxmlformats.org/officeDocument/2006/relationships" xmlns:p="http://schemas.openxmlformats.org/presentationml/2006/main">
+  <p:cSld>
+    <p:spTree>
+      <p:nvGrpSpPr>
+        <p:cNvPr id="1" name=""/>
+        <p:cNvGrpSpPr/>
+        <p:nvPr/>
+      </p:nvGrpSpPr>
+      <p:grpSpPr>
+        <a:xfrm>
+          <a:off x="0" y="0"/>
+          <a:ext cx="0" cy="0"/>
+          <a:chOff x="0" y="0"/>
+          <a:chExt cx="0" cy="0"/>
+        </a:xfrm>
+      </p:grpSpPr>
+      <p:sp>
+        <p:nvSpPr>
+          <p:cNvPr id="2" name="Title 1"/>
+          <p:cNvSpPr>
+            <a:spLocks noGrp="1"/>
+          </p:cNvSpPr>
+          <p:nvPr>
+            <p:ph type="title"/>
+          </p:nvPr>
+        </p:nvSpPr>
+        <p:spPr/>
+        <p:txBody>
+          <a:bodyPr/>
+          <a:lstStyle/>
+          <a:p>
+            <a:r>
+              <a:rPr lang="en-US" altLang="en-US" dirty="0" err="1" smtClean="0"/>
+              <a:t>Innovación</a:t>
+            </a:r>
+            <a:endParaRPr lang="en-US" altLang="en-US" dirty="0"/>
+          </a:p>
+        </p:txBody>
+      </p:sp>
+      <p:sp>
+        <p:nvSpPr>
+          <p:cNvPr id="10" name="Marcador de contenido 9"/>
+          <p:cNvSpPr>
+            <a:spLocks noGrp="1"/>
+          </p:cNvSpPr>
+          <p:nvPr>
+            <p:ph idx="1"/>
+          </p:nvPr>
+        </p:nvSpPr>
+        <p:spPr/>
+        <p:txBody>
+          <a:bodyPr>
+            <a:normAutofit/>
+          </a:bodyPr>
+          <a:lstStyle/>
+          <a:p>
+            <a:r>
+              <a:rPr lang="es-ES" dirty="0"/>
+              <a:t>Nuestra herramienta ofrece un sistema para la autenticación del </a:t>
+            </a:r>
+            <a:r>
+              <a:rPr lang="es-ES" dirty="0" smtClean="0"/>
+              <a:t>usuario. </a:t>
+            </a:r>
+          </a:p>
+          <a:p>
+            <a:r>
+              <a:rPr lang="es-ES" dirty="0" smtClean="0"/>
+              <a:t>Validamos </a:t>
+            </a:r>
+            <a:r>
+              <a:rPr lang="es-ES" dirty="0"/>
+              <a:t>su legitimidad de forma certificada y segura en tres </a:t>
+            </a:r>
+            <a:r>
+              <a:rPr lang="es-ES" dirty="0" smtClean="0"/>
+              <a:t>niveles:</a:t>
+            </a:r>
+          </a:p>
+          <a:p>
+            <a:pPr lvl="1"/>
+            <a:r>
+              <a:rPr lang="es-ES" dirty="0" smtClean="0"/>
+              <a:t>Terminal móvil</a:t>
+            </a:r>
+          </a:p>
+          <a:p>
+            <a:pPr lvl="1"/>
+            <a:r>
+              <a:rPr lang="es-ES" dirty="0" smtClean="0"/>
+              <a:t>Patrón / Pin / SMS</a:t>
+            </a:r>
+          </a:p>
+          <a:p>
+            <a:pPr lvl="1"/>
+            <a:r>
+              <a:rPr lang="es-ES" dirty="0" smtClean="0"/>
+              <a:t>Biometría</a:t>
+            </a:r>
+          </a:p>
+          <a:p>
+            <a:pPr marL="457200" lvl="1" indent="0">
+              <a:buNone/>
+            </a:pPr>
+            <a:endParaRPr lang="es-ES" dirty="0" smtClean="0"/>
+          </a:p>
+          <a:p>
+            <a:r>
+              <a:rPr lang="es-ES" dirty="0"/>
+              <a:t>Con esa información se cotejarán los datos en un sistema de información centralizado que asegure la fiabilidad de la autenticación.</a:t>
+            </a:r>
+            <a:endParaRPr lang="es-ES" dirty="0" smtClean="0"/>
+          </a:p>
+          <a:p>
+            <a:pPr lvl="1"/>
+            <a:endParaRPr lang="es-ES" dirty="0" smtClean="0"/>
+          </a:p>
+        </p:txBody>
+      </p:sp>
+    </p:spTree>
+    <p:extLst>
+      <p:ext uri="{BB962C8B-B14F-4D97-AF65-F5344CB8AC3E}">
+        <p14:creationId xmlns:p14="http://schemas.microsoft.com/office/powerpoint/2010/main" val="3186737550"/>
+      </p:ext>
+    </p:extLst>
+  </p:cSld>
+  <p:clrMapOvr>
+    <a:masterClrMapping/>
+  </p:clrMapOvr>
+</p:sld>
+</file>
+
+<file path=ppt/slides/slide7.xml><?xml version="1.0" encoding="utf-8"?>
+<p:sld xmlns:a="http://schemas.openxmlformats.org/drawingml/2006/main" xmlns:r="http://schemas.openxmlformats.org/officeDocument/2006/relationships" xmlns:p="http://schemas.openxmlformats.org/presentationml/2006/main">
+  <p:cSld>
+    <p:spTree>
+      <p:nvGrpSpPr>
+        <p:cNvPr id="1" name=""/>
+        <p:cNvGrpSpPr/>
+        <p:nvPr/>
+      </p:nvGrpSpPr>
+      <p:grpSpPr>
+        <a:xfrm>
+          <a:off x="0" y="0"/>
+          <a:ext cx="0" cy="0"/>
+          <a:chOff x="0" y="0"/>
+          <a:chExt cx="0" cy="0"/>
+        </a:xfrm>
+      </p:grpSpPr>
+      <p:sp>
+        <p:nvSpPr>
+          <p:cNvPr id="2" name="Title 1"/>
+          <p:cNvSpPr>
+            <a:spLocks noGrp="1"/>
+          </p:cNvSpPr>
+          <p:nvPr>
+            <p:ph type="title"/>
+          </p:nvPr>
+        </p:nvSpPr>
+        <p:spPr/>
+        <p:txBody>
+          <a:bodyPr/>
+          <a:lstStyle/>
+          <a:p>
+            <a:r>
+              <a:rPr lang="en-US" altLang="en-US" dirty="0" err="1" smtClean="0"/>
+              <a:t>Comparativa</a:t>
+            </a:r>
+            <a:endParaRPr lang="en-US" altLang="en-US" dirty="0"/>
+          </a:p>
+        </p:txBody>
+      </p:sp>
+      <p:sp>
+        <p:nvSpPr>
+          <p:cNvPr id="10" name="Marcador de contenido 9"/>
+          <p:cNvSpPr>
+            <a:spLocks noGrp="1"/>
+          </p:cNvSpPr>
+          <p:nvPr>
+            <p:ph idx="1"/>
+          </p:nvPr>
+        </p:nvSpPr>
+        <p:spPr/>
+        <p:txBody>
+          <a:bodyPr>
+            <a:normAutofit/>
+          </a:bodyPr>
+          <a:lstStyle/>
+          <a:p>
+            <a:r>
+              <a:rPr lang="es-ES" dirty="0" smtClean="0"/>
+              <a:t>Por ejemplo existe la </a:t>
+            </a:r>
+            <a:r>
+              <a:rPr lang="es-ES" dirty="0" err="1" smtClean="0"/>
+              <a:t>app</a:t>
+            </a:r>
+            <a:r>
+              <a:rPr lang="es-ES" dirty="0" smtClean="0"/>
+              <a:t> </a:t>
+            </a:r>
+            <a:r>
+              <a:rPr lang="es-ES" dirty="0" err="1" smtClean="0"/>
+              <a:t>Yoti</a:t>
+            </a:r>
+            <a:r>
+              <a:rPr lang="es-ES" dirty="0" smtClean="0"/>
+              <a:t> la cual se basa en almacenar en el terminal móvil del usuario las diferentes credenciales, tarjetas o datos sensibles del usuario. Por lo que si el usuario pierde el teléfono o se le rompe, </a:t>
+            </a:r>
+            <a:r>
+              <a:rPr lang="es-ES" b="1" dirty="0" smtClean="0"/>
+              <a:t>pierde todo</a:t>
+            </a:r>
+            <a:r>
+              <a:rPr lang="es-ES" dirty="0" smtClean="0"/>
+              <a:t>.</a:t>
+            </a:r>
+          </a:p>
+          <a:p>
+            <a:r>
+              <a:rPr lang="es-ES" dirty="0"/>
+              <a:t>SOPP soluciona la necesidad de almacenar las credenciales del usuario en un terminal o de forma física, otorgando </a:t>
+            </a:r>
+            <a:r>
+              <a:rPr lang="es-ES" b="1" dirty="0"/>
+              <a:t>acceso universal </a:t>
+            </a:r>
+            <a:r>
+              <a:rPr lang="es-ES" dirty="0"/>
+              <a:t>y desde </a:t>
+            </a:r>
+            <a:r>
+              <a:rPr lang="es-ES" b="1" dirty="0"/>
+              <a:t>cualquier plataforma </a:t>
+            </a:r>
+            <a:r>
+              <a:rPr lang="es-ES" dirty="0"/>
+              <a:t>a esos datos para poder realizar la autenticación</a:t>
+            </a:r>
+            <a:endParaRPr lang="es-ES" dirty="0" smtClean="0"/>
+          </a:p>
+          <a:p>
+            <a:r>
+              <a:rPr lang="es-ES" dirty="0" smtClean="0"/>
+              <a:t>SSOP utiliza 3 factores de autenticación y son </a:t>
+            </a:r>
+            <a:r>
+              <a:rPr lang="es-ES" dirty="0" err="1" smtClean="0"/>
+              <a:t>encriptadas</a:t>
+            </a:r>
+            <a:r>
+              <a:rPr lang="es-ES" dirty="0" smtClean="0"/>
+              <a:t> para su validación en el sistema central.</a:t>
+            </a:r>
+          </a:p>
+        </p:txBody>
+      </p:sp>
+    </p:spTree>
+    <p:extLst>
+      <p:ext uri="{BB962C8B-B14F-4D97-AF65-F5344CB8AC3E}">
+        <p14:creationId xmlns:p14="http://schemas.microsoft.com/office/powerpoint/2010/main" val="164666127"/>
+      </p:ext>
+    </p:extLst>
+  </p:cSld>
+  <p:clrMapOvr>
+    <a:masterClrMapping/>
+  </p:clrMapOvr>
+</p:sld>
+</file>
+
+<file path=ppt/slides/slide8.xml><?xml version="1.0" encoding="utf-8"?>
+<p:sld xmlns:a="http://schemas.openxmlformats.org/drawingml/2006/main" xmlns:r="http://schemas.openxmlformats.org/officeDocument/2006/relationships" xmlns:p="http://schemas.openxmlformats.org/presentationml/2006/main">
+  <p:cSld>
+    <p:spTree>
+      <p:nvGrpSpPr>
+        <p:cNvPr id="1" name=""/>
+        <p:cNvGrpSpPr/>
+        <p:nvPr/>
+      </p:nvGrpSpPr>
+      <p:grpSpPr>
+        <a:xfrm>
+          <a:off x="0" y="0"/>
+          <a:ext cx="0" cy="0"/>
+          <a:chOff x="0" y="0"/>
+          <a:chExt cx="0" cy="0"/>
+        </a:xfrm>
+      </p:grpSpPr>
+      <p:sp>
+        <p:nvSpPr>
+          <p:cNvPr id="2" name="Title 1"/>
+          <p:cNvSpPr>
+            <a:spLocks noGrp="1"/>
+          </p:cNvSpPr>
+          <p:nvPr>
+            <p:ph type="title"/>
+          </p:nvPr>
+        </p:nvSpPr>
+        <p:spPr/>
+        <p:txBody>
+          <a:bodyPr/>
+          <a:lstStyle/>
+          <a:p>
+            <a:r>
+              <a:rPr lang="en-US" altLang="en-US" dirty="0" err="1" smtClean="0"/>
+              <a:t>Público</a:t>
+            </a:r>
+            <a:r>
+              <a:rPr lang="en-US" altLang="en-US" dirty="0" smtClean="0"/>
+              <a:t> </a:t>
+            </a:r>
+            <a:r>
+              <a:rPr lang="en-US" altLang="en-US" dirty="0" err="1"/>
+              <a:t>O</a:t>
+            </a:r>
+            <a:r>
+              <a:rPr lang="en-US" altLang="en-US" dirty="0" err="1" smtClean="0"/>
+              <a:t>bjetivo</a:t>
+            </a:r>
+            <a:endParaRPr lang="en-US" altLang="en-US" dirty="0"/>
+          </a:p>
+        </p:txBody>
+      </p:sp>
+      <p:sp>
+        <p:nvSpPr>
+          <p:cNvPr id="10" name="Marcador de contenido 9"/>
+          <p:cNvSpPr>
+            <a:spLocks noGrp="1"/>
+          </p:cNvSpPr>
+          <p:nvPr>
+            <p:ph idx="1"/>
+          </p:nvPr>
+        </p:nvSpPr>
+        <p:spPr/>
+        <p:txBody>
+          <a:bodyPr>
+            <a:normAutofit/>
+          </a:bodyPr>
+          <a:lstStyle/>
+          <a:p>
+            <a:r>
+              <a:rPr lang="es-ES" dirty="0" smtClean="0"/>
+              <a:t>Cualquier usuario, grupo, sociedad, empresa, banca, gobierno, etc. </a:t>
+            </a:r>
+            <a:r>
+              <a:rPr lang="es-ES" dirty="0"/>
+              <a:t>que </a:t>
+            </a:r>
+            <a:r>
+              <a:rPr lang="es-ES" dirty="0" smtClean="0"/>
+              <a:t>desee </a:t>
+            </a:r>
+            <a:r>
+              <a:rPr lang="es-ES" dirty="0"/>
+              <a:t>integrar un sistema completo y seguro de autenticación en </a:t>
+            </a:r>
+            <a:r>
+              <a:rPr lang="es-ES" dirty="0" smtClean="0"/>
+              <a:t>sus sistemas</a:t>
+            </a:r>
+            <a:endParaRPr lang="es-ES" dirty="0" smtClean="0"/>
+          </a:p>
+        </p:txBody>
+      </p:sp>
+      <p:pic>
+        <p:nvPicPr>
+          <p:cNvPr id="3" name="Imagen 2"/>
+          <p:cNvPicPr>
+            <a:picLocks noChangeAspect="1"/>
+          </p:cNvPicPr>
+          <p:nvPr/>
+        </p:nvPicPr>
+        <p:blipFill>
+          <a:blip r:embed="rId2"/>
+          <a:stretch>
+            <a:fillRect/>
+          </a:stretch>
+        </p:blipFill>
+        <p:spPr>
+          <a:xfrm>
+            <a:off x="3303631" y="3375969"/>
+            <a:ext cx="5238750" cy="2857500"/>
+          </a:xfrm>
+          <a:prstGeom prst="rect">
+            <a:avLst/>
+          </a:prstGeom>
+        </p:spPr>
+      </p:pic>
+    </p:spTree>
+    <p:extLst>
+      <p:ext uri="{BB962C8B-B14F-4D97-AF65-F5344CB8AC3E}">
+        <p14:creationId xmlns:p14="http://schemas.microsoft.com/office/powerpoint/2010/main" val="3672459694"/>
+      </p:ext>
+    </p:extLst>
+  </p:cSld>
+  <p:clrMapOvr>
+    <a:masterClrMapping/>
+  </p:clrMapOvr>
+</p:sld>
+</file>
+
+<file path=ppt/slides/slide9.xml><?xml version="1.0" encoding="utf-8"?>
+<p:sld xmlns:a="http://schemas.openxmlformats.org/drawingml/2006/main" xmlns:r="http://schemas.openxmlformats.org/officeDocument/2006/relationships" xmlns:p="http://schemas.openxmlformats.org/presentationml/2006/main">
+  <p:cSld>
+    <p:spTree>
+      <p:nvGrpSpPr>
+        <p:cNvPr id="1" name=""/>
+        <p:cNvGrpSpPr/>
+        <p:nvPr/>
+      </p:nvGrpSpPr>
+      <p:grpSpPr>
+        <a:xfrm>
+          <a:off x="0" y="0"/>
+          <a:ext cx="0" cy="0"/>
+          <a:chOff x="0" y="0"/>
+          <a:chExt cx="0" cy="0"/>
+        </a:xfrm>
+      </p:grpSpPr>
+      <p:sp>
+        <p:nvSpPr>
+          <p:cNvPr id="2" name="Title 1"/>
+          <p:cNvSpPr>
+            <a:spLocks noGrp="1"/>
+          </p:cNvSpPr>
+          <p:nvPr>
+            <p:ph type="title"/>
+          </p:nvPr>
+        </p:nvSpPr>
+        <p:spPr/>
+        <p:txBody>
+          <a:bodyPr/>
+          <a:lstStyle/>
+          <a:p>
+            <a:r>
+              <a:rPr lang="" altLang="en-US"/>
+              <a:t>Estado actual</a:t>
+            </a:r>
+          </a:p>
+        </p:txBody>
+      </p:sp>
+      <p:pic>
+        <p:nvPicPr>
+          <p:cNvPr id="5" name="Imagen 4"/>
+          <p:cNvPicPr>
+            <a:picLocks noChangeAspect="1"/>
+          </p:cNvPicPr>
+          <p:nvPr/>
+        </p:nvPicPr>
+        <p:blipFill>
+          <a:blip r:embed="rId2" cstate="print">
+            <a:extLst>
+              <a:ext uri="{28A0092B-C50C-407E-A947-70E740481C1C}">
+                <a14:useLocalDpi xmlns:a14="http://schemas.microsoft.com/office/drawing/2010/main" val="0"/>
+              </a:ext>
+            </a:extLst>
+          </a:blip>
+          <a:stretch>
+            <a:fillRect/>
+          </a:stretch>
+        </p:blipFill>
+        <p:spPr>
+          <a:xfrm>
+            <a:off x="1013253" y="2512540"/>
+            <a:ext cx="3801359" cy="3801359"/>
+          </a:xfrm>
+          <a:prstGeom prst="rect">
+            <a:avLst/>
+          </a:prstGeom>
+        </p:spPr>
+      </p:pic>
+      <p:sp>
+        <p:nvSpPr>
+          <p:cNvPr id="6" name="CuadroTexto 5"/>
+          <p:cNvSpPr txBox="1"/>
+          <p:nvPr/>
+        </p:nvSpPr>
+        <p:spPr>
+          <a:xfrm>
+            <a:off x="6173809" y="2743204"/>
+            <a:ext cx="4950394" cy="523220"/>
+          </a:xfrm>
+          <a:prstGeom prst="rect">
+            <a:avLst/>
+          </a:prstGeom>
+          <a:noFill/>
+        </p:spPr>
+        <p:txBody>
+          <a:bodyPr wrap="none" rtlCol="0">
+            <a:spAutoFit/>
+          </a:bodyPr>
+          <a:lstStyle/>
+          <a:p>
+            <a:r>
+              <a:rPr lang="es-ES" sz="2800" b="1" dirty="0" smtClean="0">
+                <a:solidFill>
+                  <a:srgbClr val="7030A0"/>
+                </a:solidFill>
+                <a:latin typeface="+mj-lt"/>
+              </a:rPr>
+              <a:t>Trabajo de documentación</a:t>
+            </a:r>
+            <a:endParaRPr lang="es-ES" sz="2800" b="1" dirty="0">
+              <a:solidFill>
+                <a:srgbClr val="7030A0"/>
+              </a:solidFill>
+              <a:latin typeface="+mj-lt"/>
+            </a:endParaRPr>
+          </a:p>
+        </p:txBody>
+      </p:sp>
+      <p:sp>
+        <p:nvSpPr>
+          <p:cNvPr id="7" name="CuadroTexto 6"/>
+          <p:cNvSpPr txBox="1"/>
+          <p:nvPr/>
+        </p:nvSpPr>
+        <p:spPr>
+          <a:xfrm>
+            <a:off x="6173809" y="3266424"/>
+            <a:ext cx="4151870" cy="2169825"/>
+          </a:xfrm>
+          <a:prstGeom prst="rect">
+            <a:avLst/>
+          </a:prstGeom>
+          <a:noFill/>
+        </p:spPr>
+        <p:txBody>
+          <a:bodyPr wrap="square" rtlCol="0">
+            <a:spAutoFit/>
+          </a:bodyPr>
+          <a:lstStyle/>
+          <a:p>
+            <a:pPr marL="285750" indent="-285750">
+              <a:lnSpc>
+                <a:spcPct val="150000"/>
+              </a:lnSpc>
+              <a:buFont typeface="Arial" panose="020B0604020202020204" pitchFamily="34" charset="0"/>
+              <a:buChar char="•"/>
+            </a:pPr>
+            <a:r>
+              <a:rPr lang="es-ES" dirty="0" smtClean="0"/>
+              <a:t>Biometría</a:t>
+            </a:r>
+          </a:p>
+          <a:p>
+            <a:pPr marL="285750" indent="-285750">
+              <a:lnSpc>
+                <a:spcPct val="150000"/>
+              </a:lnSpc>
+              <a:buFont typeface="Arial" panose="020B0604020202020204" pitchFamily="34" charset="0"/>
+              <a:buChar char="•"/>
+            </a:pPr>
+            <a:r>
+              <a:rPr lang="es-ES" dirty="0" smtClean="0"/>
+              <a:t>Sistemas de autenticación</a:t>
+            </a:r>
+          </a:p>
+          <a:p>
+            <a:pPr marL="285750" indent="-285750">
+              <a:lnSpc>
+                <a:spcPct val="150000"/>
+              </a:lnSpc>
+              <a:buFont typeface="Arial" panose="020B0604020202020204" pitchFamily="34" charset="0"/>
+              <a:buChar char="•"/>
+            </a:pPr>
+            <a:r>
+              <a:rPr lang="es-ES" dirty="0" smtClean="0"/>
+              <a:t>Encriptación</a:t>
+            </a:r>
+          </a:p>
+          <a:p>
+            <a:pPr marL="285750" indent="-285750">
+              <a:lnSpc>
+                <a:spcPct val="150000"/>
+              </a:lnSpc>
+              <a:buFont typeface="Arial" panose="020B0604020202020204" pitchFamily="34" charset="0"/>
+              <a:buChar char="•"/>
+            </a:pPr>
+            <a:r>
+              <a:rPr lang="es-ES" dirty="0" smtClean="0"/>
+              <a:t>Certificados</a:t>
+            </a:r>
+          </a:p>
+          <a:p>
+            <a:pPr marL="285750" indent="-285750">
+              <a:lnSpc>
+                <a:spcPct val="150000"/>
+              </a:lnSpc>
+              <a:buFont typeface="Arial" panose="020B0604020202020204" pitchFamily="34" charset="0"/>
+              <a:buChar char="•"/>
+            </a:pPr>
+            <a:r>
+              <a:rPr lang="es-ES" dirty="0" smtClean="0"/>
+              <a:t>Comunicaciones cifradas</a:t>
+            </a:r>
+            <a:endParaRPr lang="es-ES" dirty="0"/>
+          </a:p>
+        </p:txBody>
+      </p:sp>
     </p:spTree>
   </p:cSld>
   <p:clrMapOvr>
